--- a/ASSIGNMENT 1/Presentation Files/presentation.pptx
+++ b/ASSIGNMENT 1/Presentation Files/presentation.pptx
@@ -5,7 +5,7 @@
     <p:sldMasterId id="2147483961" r:id="rId1"/>
   </p:sldMasterIdLst>
   <p:notesMasterIdLst>
-    <p:notesMasterId r:id="rId8"/>
+    <p:notesMasterId r:id="rId26"/>
   </p:notesMasterIdLst>
   <p:sldIdLst>
     <p:sldId id="2031" r:id="rId2"/>
@@ -13,7 +13,25 @@
     <p:sldId id="2055" r:id="rId4"/>
     <p:sldId id="2054" r:id="rId5"/>
     <p:sldId id="2049" r:id="rId6"/>
-    <p:sldId id="2050" r:id="rId7"/>
+    <p:sldId id="2056" r:id="rId7"/>
+    <p:sldId id="2057" r:id="rId8"/>
+    <p:sldId id="2058" r:id="rId9"/>
+    <p:sldId id="2059" r:id="rId10"/>
+    <p:sldId id="2060" r:id="rId11"/>
+    <p:sldId id="2061" r:id="rId12"/>
+    <p:sldId id="2062" r:id="rId13"/>
+    <p:sldId id="2063" r:id="rId14"/>
+    <p:sldId id="2065" r:id="rId15"/>
+    <p:sldId id="2064" r:id="rId16"/>
+    <p:sldId id="2066" r:id="rId17"/>
+    <p:sldId id="2067" r:id="rId18"/>
+    <p:sldId id="2068" r:id="rId19"/>
+    <p:sldId id="2069" r:id="rId20"/>
+    <p:sldId id="2070" r:id="rId21"/>
+    <p:sldId id="2073" r:id="rId22"/>
+    <p:sldId id="2071" r:id="rId23"/>
+    <p:sldId id="2072" r:id="rId24"/>
+    <p:sldId id="2050" r:id="rId25"/>
   </p:sldIdLst>
   <p:sldSz cx="9144000" cy="5143500" type="screen16x9"/>
   <p:notesSz cx="6858000" cy="9144000"/>
@@ -664,6 +682,856 @@
 </p:notes>
 </file>
 
+<file path=ppt/notesSlides/notesSlide10.xml><?xml version="1.0" encoding="utf-8"?>
+<p:notes xmlns:a="http://schemas.openxmlformats.org/drawingml/2006/main" xmlns:r="http://schemas.openxmlformats.org/officeDocument/2006/relationships" xmlns:p="http://schemas.openxmlformats.org/presentationml/2006/main">
+  <p:cSld>
+    <p:spTree>
+      <p:nvGrpSpPr>
+        <p:cNvPr id="1" name=""/>
+        <p:cNvGrpSpPr/>
+        <p:nvPr/>
+      </p:nvGrpSpPr>
+      <p:grpSpPr>
+        <a:xfrm>
+          <a:off x="0" y="0"/>
+          <a:ext cx="0" cy="0"/>
+          <a:chOff x="0" y="0"/>
+          <a:chExt cx="0" cy="0"/>
+        </a:xfrm>
+      </p:grpSpPr>
+      <p:sp>
+        <p:nvSpPr>
+          <p:cNvPr id="2" name="Slide Image Placeholder 1"/>
+          <p:cNvSpPr>
+            <a:spLocks noGrp="1" noRot="1" noChangeAspect="1"/>
+          </p:cNvSpPr>
+          <p:nvPr>
+            <p:ph type="sldImg"/>
+          </p:nvPr>
+        </p:nvSpPr>
+        <p:spPr/>
+      </p:sp>
+      <p:sp>
+        <p:nvSpPr>
+          <p:cNvPr id="3" name="Notes Placeholder 2"/>
+          <p:cNvSpPr>
+            <a:spLocks noGrp="1"/>
+          </p:cNvSpPr>
+          <p:nvPr>
+            <p:ph type="body" idx="1"/>
+          </p:nvPr>
+        </p:nvSpPr>
+        <p:spPr/>
+        <p:txBody>
+          <a:bodyPr/>
+          <a:lstStyle/>
+          <a:p>
+            <a:endParaRPr lang="en-US" dirty="0"/>
+          </a:p>
+        </p:txBody>
+      </p:sp>
+      <p:sp>
+        <p:nvSpPr>
+          <p:cNvPr id="4" name="Slide Number Placeholder 3"/>
+          <p:cNvSpPr>
+            <a:spLocks noGrp="1"/>
+          </p:cNvSpPr>
+          <p:nvPr>
+            <p:ph type="sldNum" sz="quarter" idx="10"/>
+          </p:nvPr>
+        </p:nvSpPr>
+        <p:spPr/>
+        <p:txBody>
+          <a:bodyPr/>
+          <a:lstStyle/>
+          <a:p>
+            <a:fld id="{006BE02D-20C0-F840-AFAC-BEA99C74FDC2}" type="slidenum">
+              <a:rPr lang="en-US" smtClean="0"/>
+              <a:pPr/>
+              <a:t>11</a:t>
+            </a:fld>
+            <a:endParaRPr lang="en-US" dirty="0"/>
+          </a:p>
+        </p:txBody>
+      </p:sp>
+    </p:spTree>
+    <p:extLst>
+      <p:ext uri="{BB962C8B-B14F-4D97-AF65-F5344CB8AC3E}">
+        <p14:creationId xmlns:p14="http://schemas.microsoft.com/office/powerpoint/2010/main" val="3310326557"/>
+      </p:ext>
+    </p:extLst>
+  </p:cSld>
+  <p:clrMapOvr>
+    <a:masterClrMapping/>
+  </p:clrMapOvr>
+</p:notes>
+</file>
+
+<file path=ppt/notesSlides/notesSlide11.xml><?xml version="1.0" encoding="utf-8"?>
+<p:notes xmlns:a="http://schemas.openxmlformats.org/drawingml/2006/main" xmlns:r="http://schemas.openxmlformats.org/officeDocument/2006/relationships" xmlns:p="http://schemas.openxmlformats.org/presentationml/2006/main">
+  <p:cSld>
+    <p:spTree>
+      <p:nvGrpSpPr>
+        <p:cNvPr id="1" name=""/>
+        <p:cNvGrpSpPr/>
+        <p:nvPr/>
+      </p:nvGrpSpPr>
+      <p:grpSpPr>
+        <a:xfrm>
+          <a:off x="0" y="0"/>
+          <a:ext cx="0" cy="0"/>
+          <a:chOff x="0" y="0"/>
+          <a:chExt cx="0" cy="0"/>
+        </a:xfrm>
+      </p:grpSpPr>
+      <p:sp>
+        <p:nvSpPr>
+          <p:cNvPr id="2" name="Slide Image Placeholder 1"/>
+          <p:cNvSpPr>
+            <a:spLocks noGrp="1" noRot="1" noChangeAspect="1"/>
+          </p:cNvSpPr>
+          <p:nvPr>
+            <p:ph type="sldImg"/>
+          </p:nvPr>
+        </p:nvSpPr>
+        <p:spPr/>
+      </p:sp>
+      <p:sp>
+        <p:nvSpPr>
+          <p:cNvPr id="3" name="Notes Placeholder 2"/>
+          <p:cNvSpPr>
+            <a:spLocks noGrp="1"/>
+          </p:cNvSpPr>
+          <p:nvPr>
+            <p:ph type="body" idx="1"/>
+          </p:nvPr>
+        </p:nvSpPr>
+        <p:spPr/>
+        <p:txBody>
+          <a:bodyPr/>
+          <a:lstStyle/>
+          <a:p>
+            <a:endParaRPr lang="en-US" dirty="0"/>
+          </a:p>
+        </p:txBody>
+      </p:sp>
+      <p:sp>
+        <p:nvSpPr>
+          <p:cNvPr id="4" name="Slide Number Placeholder 3"/>
+          <p:cNvSpPr>
+            <a:spLocks noGrp="1"/>
+          </p:cNvSpPr>
+          <p:nvPr>
+            <p:ph type="sldNum" sz="quarter" idx="10"/>
+          </p:nvPr>
+        </p:nvSpPr>
+        <p:spPr/>
+        <p:txBody>
+          <a:bodyPr/>
+          <a:lstStyle/>
+          <a:p>
+            <a:fld id="{006BE02D-20C0-F840-AFAC-BEA99C74FDC2}" type="slidenum">
+              <a:rPr lang="en-US" smtClean="0"/>
+              <a:pPr/>
+              <a:t>12</a:t>
+            </a:fld>
+            <a:endParaRPr lang="en-US" dirty="0"/>
+          </a:p>
+        </p:txBody>
+      </p:sp>
+    </p:spTree>
+    <p:extLst>
+      <p:ext uri="{BB962C8B-B14F-4D97-AF65-F5344CB8AC3E}">
+        <p14:creationId xmlns:p14="http://schemas.microsoft.com/office/powerpoint/2010/main" val="843783218"/>
+      </p:ext>
+    </p:extLst>
+  </p:cSld>
+  <p:clrMapOvr>
+    <a:masterClrMapping/>
+  </p:clrMapOvr>
+</p:notes>
+</file>
+
+<file path=ppt/notesSlides/notesSlide12.xml><?xml version="1.0" encoding="utf-8"?>
+<p:notes xmlns:a="http://schemas.openxmlformats.org/drawingml/2006/main" xmlns:r="http://schemas.openxmlformats.org/officeDocument/2006/relationships" xmlns:p="http://schemas.openxmlformats.org/presentationml/2006/main">
+  <p:cSld>
+    <p:spTree>
+      <p:nvGrpSpPr>
+        <p:cNvPr id="1" name=""/>
+        <p:cNvGrpSpPr/>
+        <p:nvPr/>
+      </p:nvGrpSpPr>
+      <p:grpSpPr>
+        <a:xfrm>
+          <a:off x="0" y="0"/>
+          <a:ext cx="0" cy="0"/>
+          <a:chOff x="0" y="0"/>
+          <a:chExt cx="0" cy="0"/>
+        </a:xfrm>
+      </p:grpSpPr>
+      <p:sp>
+        <p:nvSpPr>
+          <p:cNvPr id="2" name="Slide Image Placeholder 1"/>
+          <p:cNvSpPr>
+            <a:spLocks noGrp="1" noRot="1" noChangeAspect="1"/>
+          </p:cNvSpPr>
+          <p:nvPr>
+            <p:ph type="sldImg"/>
+          </p:nvPr>
+        </p:nvSpPr>
+        <p:spPr/>
+      </p:sp>
+      <p:sp>
+        <p:nvSpPr>
+          <p:cNvPr id="3" name="Notes Placeholder 2"/>
+          <p:cNvSpPr>
+            <a:spLocks noGrp="1"/>
+          </p:cNvSpPr>
+          <p:nvPr>
+            <p:ph type="body" idx="1"/>
+          </p:nvPr>
+        </p:nvSpPr>
+        <p:spPr/>
+        <p:txBody>
+          <a:bodyPr/>
+          <a:lstStyle/>
+          <a:p>
+            <a:endParaRPr lang="en-US" dirty="0"/>
+          </a:p>
+        </p:txBody>
+      </p:sp>
+      <p:sp>
+        <p:nvSpPr>
+          <p:cNvPr id="4" name="Slide Number Placeholder 3"/>
+          <p:cNvSpPr>
+            <a:spLocks noGrp="1"/>
+          </p:cNvSpPr>
+          <p:nvPr>
+            <p:ph type="sldNum" sz="quarter" idx="10"/>
+          </p:nvPr>
+        </p:nvSpPr>
+        <p:spPr/>
+        <p:txBody>
+          <a:bodyPr/>
+          <a:lstStyle/>
+          <a:p>
+            <a:fld id="{006BE02D-20C0-F840-AFAC-BEA99C74FDC2}" type="slidenum">
+              <a:rPr lang="en-US" smtClean="0"/>
+              <a:pPr/>
+              <a:t>13</a:t>
+            </a:fld>
+            <a:endParaRPr lang="en-US" dirty="0"/>
+          </a:p>
+        </p:txBody>
+      </p:sp>
+    </p:spTree>
+    <p:extLst>
+      <p:ext uri="{BB962C8B-B14F-4D97-AF65-F5344CB8AC3E}">
+        <p14:creationId xmlns:p14="http://schemas.microsoft.com/office/powerpoint/2010/main" val="1711798764"/>
+      </p:ext>
+    </p:extLst>
+  </p:cSld>
+  <p:clrMapOvr>
+    <a:masterClrMapping/>
+  </p:clrMapOvr>
+</p:notes>
+</file>
+
+<file path=ppt/notesSlides/notesSlide13.xml><?xml version="1.0" encoding="utf-8"?>
+<p:notes xmlns:a="http://schemas.openxmlformats.org/drawingml/2006/main" xmlns:r="http://schemas.openxmlformats.org/officeDocument/2006/relationships" xmlns:p="http://schemas.openxmlformats.org/presentationml/2006/main">
+  <p:cSld>
+    <p:spTree>
+      <p:nvGrpSpPr>
+        <p:cNvPr id="1" name=""/>
+        <p:cNvGrpSpPr/>
+        <p:nvPr/>
+      </p:nvGrpSpPr>
+      <p:grpSpPr>
+        <a:xfrm>
+          <a:off x="0" y="0"/>
+          <a:ext cx="0" cy="0"/>
+          <a:chOff x="0" y="0"/>
+          <a:chExt cx="0" cy="0"/>
+        </a:xfrm>
+      </p:grpSpPr>
+      <p:sp>
+        <p:nvSpPr>
+          <p:cNvPr id="2" name="Slide Image Placeholder 1"/>
+          <p:cNvSpPr>
+            <a:spLocks noGrp="1" noRot="1" noChangeAspect="1"/>
+          </p:cNvSpPr>
+          <p:nvPr>
+            <p:ph type="sldImg"/>
+          </p:nvPr>
+        </p:nvSpPr>
+        <p:spPr/>
+      </p:sp>
+      <p:sp>
+        <p:nvSpPr>
+          <p:cNvPr id="3" name="Notes Placeholder 2"/>
+          <p:cNvSpPr>
+            <a:spLocks noGrp="1"/>
+          </p:cNvSpPr>
+          <p:nvPr>
+            <p:ph type="body" idx="1"/>
+          </p:nvPr>
+        </p:nvSpPr>
+        <p:spPr/>
+        <p:txBody>
+          <a:bodyPr/>
+          <a:lstStyle/>
+          <a:p>
+            <a:endParaRPr lang="en-US" dirty="0"/>
+          </a:p>
+        </p:txBody>
+      </p:sp>
+      <p:sp>
+        <p:nvSpPr>
+          <p:cNvPr id="4" name="Slide Number Placeholder 3"/>
+          <p:cNvSpPr>
+            <a:spLocks noGrp="1"/>
+          </p:cNvSpPr>
+          <p:nvPr>
+            <p:ph type="sldNum" sz="quarter" idx="10"/>
+          </p:nvPr>
+        </p:nvSpPr>
+        <p:spPr/>
+        <p:txBody>
+          <a:bodyPr/>
+          <a:lstStyle/>
+          <a:p>
+            <a:fld id="{006BE02D-20C0-F840-AFAC-BEA99C74FDC2}" type="slidenum">
+              <a:rPr lang="en-US" smtClean="0"/>
+              <a:pPr/>
+              <a:t>14</a:t>
+            </a:fld>
+            <a:endParaRPr lang="en-US" dirty="0"/>
+          </a:p>
+        </p:txBody>
+      </p:sp>
+    </p:spTree>
+    <p:extLst>
+      <p:ext uri="{BB962C8B-B14F-4D97-AF65-F5344CB8AC3E}">
+        <p14:creationId xmlns:p14="http://schemas.microsoft.com/office/powerpoint/2010/main" val="1594874177"/>
+      </p:ext>
+    </p:extLst>
+  </p:cSld>
+  <p:clrMapOvr>
+    <a:masterClrMapping/>
+  </p:clrMapOvr>
+</p:notes>
+</file>
+
+<file path=ppt/notesSlides/notesSlide14.xml><?xml version="1.0" encoding="utf-8"?>
+<p:notes xmlns:a="http://schemas.openxmlformats.org/drawingml/2006/main" xmlns:r="http://schemas.openxmlformats.org/officeDocument/2006/relationships" xmlns:p="http://schemas.openxmlformats.org/presentationml/2006/main">
+  <p:cSld>
+    <p:spTree>
+      <p:nvGrpSpPr>
+        <p:cNvPr id="1" name=""/>
+        <p:cNvGrpSpPr/>
+        <p:nvPr/>
+      </p:nvGrpSpPr>
+      <p:grpSpPr>
+        <a:xfrm>
+          <a:off x="0" y="0"/>
+          <a:ext cx="0" cy="0"/>
+          <a:chOff x="0" y="0"/>
+          <a:chExt cx="0" cy="0"/>
+        </a:xfrm>
+      </p:grpSpPr>
+      <p:sp>
+        <p:nvSpPr>
+          <p:cNvPr id="2" name="Slide Image Placeholder 1"/>
+          <p:cNvSpPr>
+            <a:spLocks noGrp="1" noRot="1" noChangeAspect="1"/>
+          </p:cNvSpPr>
+          <p:nvPr>
+            <p:ph type="sldImg"/>
+          </p:nvPr>
+        </p:nvSpPr>
+        <p:spPr/>
+      </p:sp>
+      <p:sp>
+        <p:nvSpPr>
+          <p:cNvPr id="3" name="Notes Placeholder 2"/>
+          <p:cNvSpPr>
+            <a:spLocks noGrp="1"/>
+          </p:cNvSpPr>
+          <p:nvPr>
+            <p:ph type="body" idx="1"/>
+          </p:nvPr>
+        </p:nvSpPr>
+        <p:spPr/>
+        <p:txBody>
+          <a:bodyPr/>
+          <a:lstStyle/>
+          <a:p>
+            <a:endParaRPr lang="en-US" dirty="0"/>
+          </a:p>
+        </p:txBody>
+      </p:sp>
+      <p:sp>
+        <p:nvSpPr>
+          <p:cNvPr id="4" name="Slide Number Placeholder 3"/>
+          <p:cNvSpPr>
+            <a:spLocks noGrp="1"/>
+          </p:cNvSpPr>
+          <p:nvPr>
+            <p:ph type="sldNum" sz="quarter" idx="10"/>
+          </p:nvPr>
+        </p:nvSpPr>
+        <p:spPr/>
+        <p:txBody>
+          <a:bodyPr/>
+          <a:lstStyle/>
+          <a:p>
+            <a:fld id="{006BE02D-20C0-F840-AFAC-BEA99C74FDC2}" type="slidenum">
+              <a:rPr lang="en-US" smtClean="0"/>
+              <a:pPr/>
+              <a:t>15</a:t>
+            </a:fld>
+            <a:endParaRPr lang="en-US" dirty="0"/>
+          </a:p>
+        </p:txBody>
+      </p:sp>
+    </p:spTree>
+    <p:extLst>
+      <p:ext uri="{BB962C8B-B14F-4D97-AF65-F5344CB8AC3E}">
+        <p14:creationId xmlns:p14="http://schemas.microsoft.com/office/powerpoint/2010/main" val="3735862861"/>
+      </p:ext>
+    </p:extLst>
+  </p:cSld>
+  <p:clrMapOvr>
+    <a:masterClrMapping/>
+  </p:clrMapOvr>
+</p:notes>
+</file>
+
+<file path=ppt/notesSlides/notesSlide15.xml><?xml version="1.0" encoding="utf-8"?>
+<p:notes xmlns:a="http://schemas.openxmlformats.org/drawingml/2006/main" xmlns:r="http://schemas.openxmlformats.org/officeDocument/2006/relationships" xmlns:p="http://schemas.openxmlformats.org/presentationml/2006/main">
+  <p:cSld>
+    <p:spTree>
+      <p:nvGrpSpPr>
+        <p:cNvPr id="1" name=""/>
+        <p:cNvGrpSpPr/>
+        <p:nvPr/>
+      </p:nvGrpSpPr>
+      <p:grpSpPr>
+        <a:xfrm>
+          <a:off x="0" y="0"/>
+          <a:ext cx="0" cy="0"/>
+          <a:chOff x="0" y="0"/>
+          <a:chExt cx="0" cy="0"/>
+        </a:xfrm>
+      </p:grpSpPr>
+      <p:sp>
+        <p:nvSpPr>
+          <p:cNvPr id="2" name="Slide Image Placeholder 1"/>
+          <p:cNvSpPr>
+            <a:spLocks noGrp="1" noRot="1" noChangeAspect="1"/>
+          </p:cNvSpPr>
+          <p:nvPr>
+            <p:ph type="sldImg"/>
+          </p:nvPr>
+        </p:nvSpPr>
+        <p:spPr/>
+      </p:sp>
+      <p:sp>
+        <p:nvSpPr>
+          <p:cNvPr id="3" name="Notes Placeholder 2"/>
+          <p:cNvSpPr>
+            <a:spLocks noGrp="1"/>
+          </p:cNvSpPr>
+          <p:nvPr>
+            <p:ph type="body" idx="1"/>
+          </p:nvPr>
+        </p:nvSpPr>
+        <p:spPr/>
+        <p:txBody>
+          <a:bodyPr/>
+          <a:lstStyle/>
+          <a:p>
+            <a:endParaRPr lang="en-US" dirty="0"/>
+          </a:p>
+        </p:txBody>
+      </p:sp>
+      <p:sp>
+        <p:nvSpPr>
+          <p:cNvPr id="4" name="Slide Number Placeholder 3"/>
+          <p:cNvSpPr>
+            <a:spLocks noGrp="1"/>
+          </p:cNvSpPr>
+          <p:nvPr>
+            <p:ph type="sldNum" sz="quarter" idx="10"/>
+          </p:nvPr>
+        </p:nvSpPr>
+        <p:spPr/>
+        <p:txBody>
+          <a:bodyPr/>
+          <a:lstStyle/>
+          <a:p>
+            <a:fld id="{006BE02D-20C0-F840-AFAC-BEA99C74FDC2}" type="slidenum">
+              <a:rPr lang="en-US" smtClean="0"/>
+              <a:pPr/>
+              <a:t>16</a:t>
+            </a:fld>
+            <a:endParaRPr lang="en-US" dirty="0"/>
+          </a:p>
+        </p:txBody>
+      </p:sp>
+    </p:spTree>
+    <p:extLst>
+      <p:ext uri="{BB962C8B-B14F-4D97-AF65-F5344CB8AC3E}">
+        <p14:creationId xmlns:p14="http://schemas.microsoft.com/office/powerpoint/2010/main" val="2861855621"/>
+      </p:ext>
+    </p:extLst>
+  </p:cSld>
+  <p:clrMapOvr>
+    <a:masterClrMapping/>
+  </p:clrMapOvr>
+</p:notes>
+</file>
+
+<file path=ppt/notesSlides/notesSlide16.xml><?xml version="1.0" encoding="utf-8"?>
+<p:notes xmlns:a="http://schemas.openxmlformats.org/drawingml/2006/main" xmlns:r="http://schemas.openxmlformats.org/officeDocument/2006/relationships" xmlns:p="http://schemas.openxmlformats.org/presentationml/2006/main">
+  <p:cSld>
+    <p:spTree>
+      <p:nvGrpSpPr>
+        <p:cNvPr id="1" name=""/>
+        <p:cNvGrpSpPr/>
+        <p:nvPr/>
+      </p:nvGrpSpPr>
+      <p:grpSpPr>
+        <a:xfrm>
+          <a:off x="0" y="0"/>
+          <a:ext cx="0" cy="0"/>
+          <a:chOff x="0" y="0"/>
+          <a:chExt cx="0" cy="0"/>
+        </a:xfrm>
+      </p:grpSpPr>
+      <p:sp>
+        <p:nvSpPr>
+          <p:cNvPr id="2" name="Slide Image Placeholder 1"/>
+          <p:cNvSpPr>
+            <a:spLocks noGrp="1" noRot="1" noChangeAspect="1"/>
+          </p:cNvSpPr>
+          <p:nvPr>
+            <p:ph type="sldImg"/>
+          </p:nvPr>
+        </p:nvSpPr>
+        <p:spPr/>
+      </p:sp>
+      <p:sp>
+        <p:nvSpPr>
+          <p:cNvPr id="3" name="Notes Placeholder 2"/>
+          <p:cNvSpPr>
+            <a:spLocks noGrp="1"/>
+          </p:cNvSpPr>
+          <p:nvPr>
+            <p:ph type="body" idx="1"/>
+          </p:nvPr>
+        </p:nvSpPr>
+        <p:spPr/>
+        <p:txBody>
+          <a:bodyPr/>
+          <a:lstStyle/>
+          <a:p>
+            <a:endParaRPr lang="en-US" dirty="0"/>
+          </a:p>
+        </p:txBody>
+      </p:sp>
+      <p:sp>
+        <p:nvSpPr>
+          <p:cNvPr id="4" name="Slide Number Placeholder 3"/>
+          <p:cNvSpPr>
+            <a:spLocks noGrp="1"/>
+          </p:cNvSpPr>
+          <p:nvPr>
+            <p:ph type="sldNum" sz="quarter" idx="10"/>
+          </p:nvPr>
+        </p:nvSpPr>
+        <p:spPr/>
+        <p:txBody>
+          <a:bodyPr/>
+          <a:lstStyle/>
+          <a:p>
+            <a:fld id="{006BE02D-20C0-F840-AFAC-BEA99C74FDC2}" type="slidenum">
+              <a:rPr lang="en-US" smtClean="0"/>
+              <a:pPr/>
+              <a:t>17</a:t>
+            </a:fld>
+            <a:endParaRPr lang="en-US" dirty="0"/>
+          </a:p>
+        </p:txBody>
+      </p:sp>
+    </p:spTree>
+    <p:extLst>
+      <p:ext uri="{BB962C8B-B14F-4D97-AF65-F5344CB8AC3E}">
+        <p14:creationId xmlns:p14="http://schemas.microsoft.com/office/powerpoint/2010/main" val="4003275263"/>
+      </p:ext>
+    </p:extLst>
+  </p:cSld>
+  <p:clrMapOvr>
+    <a:masterClrMapping/>
+  </p:clrMapOvr>
+</p:notes>
+</file>
+
+<file path=ppt/notesSlides/notesSlide17.xml><?xml version="1.0" encoding="utf-8"?>
+<p:notes xmlns:a="http://schemas.openxmlformats.org/drawingml/2006/main" xmlns:r="http://schemas.openxmlformats.org/officeDocument/2006/relationships" xmlns:p="http://schemas.openxmlformats.org/presentationml/2006/main">
+  <p:cSld>
+    <p:spTree>
+      <p:nvGrpSpPr>
+        <p:cNvPr id="1" name=""/>
+        <p:cNvGrpSpPr/>
+        <p:nvPr/>
+      </p:nvGrpSpPr>
+      <p:grpSpPr>
+        <a:xfrm>
+          <a:off x="0" y="0"/>
+          <a:ext cx="0" cy="0"/>
+          <a:chOff x="0" y="0"/>
+          <a:chExt cx="0" cy="0"/>
+        </a:xfrm>
+      </p:grpSpPr>
+      <p:sp>
+        <p:nvSpPr>
+          <p:cNvPr id="2" name="Slide Image Placeholder 1"/>
+          <p:cNvSpPr>
+            <a:spLocks noGrp="1" noRot="1" noChangeAspect="1"/>
+          </p:cNvSpPr>
+          <p:nvPr>
+            <p:ph type="sldImg"/>
+          </p:nvPr>
+        </p:nvSpPr>
+        <p:spPr/>
+      </p:sp>
+      <p:sp>
+        <p:nvSpPr>
+          <p:cNvPr id="3" name="Notes Placeholder 2"/>
+          <p:cNvSpPr>
+            <a:spLocks noGrp="1"/>
+          </p:cNvSpPr>
+          <p:nvPr>
+            <p:ph type="body" idx="1"/>
+          </p:nvPr>
+        </p:nvSpPr>
+        <p:spPr/>
+        <p:txBody>
+          <a:bodyPr/>
+          <a:lstStyle/>
+          <a:p>
+            <a:endParaRPr lang="en-US" dirty="0"/>
+          </a:p>
+        </p:txBody>
+      </p:sp>
+      <p:sp>
+        <p:nvSpPr>
+          <p:cNvPr id="4" name="Slide Number Placeholder 3"/>
+          <p:cNvSpPr>
+            <a:spLocks noGrp="1"/>
+          </p:cNvSpPr>
+          <p:nvPr>
+            <p:ph type="sldNum" sz="quarter" idx="10"/>
+          </p:nvPr>
+        </p:nvSpPr>
+        <p:spPr/>
+        <p:txBody>
+          <a:bodyPr/>
+          <a:lstStyle/>
+          <a:p>
+            <a:fld id="{006BE02D-20C0-F840-AFAC-BEA99C74FDC2}" type="slidenum">
+              <a:rPr lang="en-US" smtClean="0"/>
+              <a:pPr/>
+              <a:t>18</a:t>
+            </a:fld>
+            <a:endParaRPr lang="en-US" dirty="0"/>
+          </a:p>
+        </p:txBody>
+      </p:sp>
+    </p:spTree>
+    <p:extLst>
+      <p:ext uri="{BB962C8B-B14F-4D97-AF65-F5344CB8AC3E}">
+        <p14:creationId xmlns:p14="http://schemas.microsoft.com/office/powerpoint/2010/main" val="2316765766"/>
+      </p:ext>
+    </p:extLst>
+  </p:cSld>
+  <p:clrMapOvr>
+    <a:masterClrMapping/>
+  </p:clrMapOvr>
+</p:notes>
+</file>
+
+<file path=ppt/notesSlides/notesSlide18.xml><?xml version="1.0" encoding="utf-8"?>
+<p:notes xmlns:a="http://schemas.openxmlformats.org/drawingml/2006/main" xmlns:r="http://schemas.openxmlformats.org/officeDocument/2006/relationships" xmlns:p="http://schemas.openxmlformats.org/presentationml/2006/main">
+  <p:cSld>
+    <p:spTree>
+      <p:nvGrpSpPr>
+        <p:cNvPr id="1" name=""/>
+        <p:cNvGrpSpPr/>
+        <p:nvPr/>
+      </p:nvGrpSpPr>
+      <p:grpSpPr>
+        <a:xfrm>
+          <a:off x="0" y="0"/>
+          <a:ext cx="0" cy="0"/>
+          <a:chOff x="0" y="0"/>
+          <a:chExt cx="0" cy="0"/>
+        </a:xfrm>
+      </p:grpSpPr>
+      <p:sp>
+        <p:nvSpPr>
+          <p:cNvPr id="2" name="Slide Image Placeholder 1"/>
+          <p:cNvSpPr>
+            <a:spLocks noGrp="1" noRot="1" noChangeAspect="1"/>
+          </p:cNvSpPr>
+          <p:nvPr>
+            <p:ph type="sldImg"/>
+          </p:nvPr>
+        </p:nvSpPr>
+        <p:spPr/>
+      </p:sp>
+      <p:sp>
+        <p:nvSpPr>
+          <p:cNvPr id="3" name="Notes Placeholder 2"/>
+          <p:cNvSpPr>
+            <a:spLocks noGrp="1"/>
+          </p:cNvSpPr>
+          <p:nvPr>
+            <p:ph type="body" idx="1"/>
+          </p:nvPr>
+        </p:nvSpPr>
+        <p:spPr/>
+        <p:txBody>
+          <a:bodyPr/>
+          <a:lstStyle/>
+          <a:p>
+            <a:endParaRPr lang="en-US" dirty="0"/>
+          </a:p>
+        </p:txBody>
+      </p:sp>
+      <p:sp>
+        <p:nvSpPr>
+          <p:cNvPr id="4" name="Slide Number Placeholder 3"/>
+          <p:cNvSpPr>
+            <a:spLocks noGrp="1"/>
+          </p:cNvSpPr>
+          <p:nvPr>
+            <p:ph type="sldNum" sz="quarter" idx="10"/>
+          </p:nvPr>
+        </p:nvSpPr>
+        <p:spPr/>
+        <p:txBody>
+          <a:bodyPr/>
+          <a:lstStyle/>
+          <a:p>
+            <a:fld id="{006BE02D-20C0-F840-AFAC-BEA99C74FDC2}" type="slidenum">
+              <a:rPr lang="en-US" smtClean="0"/>
+              <a:pPr/>
+              <a:t>19</a:t>
+            </a:fld>
+            <a:endParaRPr lang="en-US" dirty="0"/>
+          </a:p>
+        </p:txBody>
+      </p:sp>
+    </p:spTree>
+    <p:extLst>
+      <p:ext uri="{BB962C8B-B14F-4D97-AF65-F5344CB8AC3E}">
+        <p14:creationId xmlns:p14="http://schemas.microsoft.com/office/powerpoint/2010/main" val="1189892913"/>
+      </p:ext>
+    </p:extLst>
+  </p:cSld>
+  <p:clrMapOvr>
+    <a:masterClrMapping/>
+  </p:clrMapOvr>
+</p:notes>
+</file>
+
+<file path=ppt/notesSlides/notesSlide19.xml><?xml version="1.0" encoding="utf-8"?>
+<p:notes xmlns:a="http://schemas.openxmlformats.org/drawingml/2006/main" xmlns:r="http://schemas.openxmlformats.org/officeDocument/2006/relationships" xmlns:p="http://schemas.openxmlformats.org/presentationml/2006/main">
+  <p:cSld>
+    <p:spTree>
+      <p:nvGrpSpPr>
+        <p:cNvPr id="1" name=""/>
+        <p:cNvGrpSpPr/>
+        <p:nvPr/>
+      </p:nvGrpSpPr>
+      <p:grpSpPr>
+        <a:xfrm>
+          <a:off x="0" y="0"/>
+          <a:ext cx="0" cy="0"/>
+          <a:chOff x="0" y="0"/>
+          <a:chExt cx="0" cy="0"/>
+        </a:xfrm>
+      </p:grpSpPr>
+      <p:sp>
+        <p:nvSpPr>
+          <p:cNvPr id="2" name="Slide Image Placeholder 1"/>
+          <p:cNvSpPr>
+            <a:spLocks noGrp="1" noRot="1" noChangeAspect="1"/>
+          </p:cNvSpPr>
+          <p:nvPr>
+            <p:ph type="sldImg"/>
+          </p:nvPr>
+        </p:nvSpPr>
+        <p:spPr/>
+      </p:sp>
+      <p:sp>
+        <p:nvSpPr>
+          <p:cNvPr id="3" name="Notes Placeholder 2"/>
+          <p:cNvSpPr>
+            <a:spLocks noGrp="1"/>
+          </p:cNvSpPr>
+          <p:nvPr>
+            <p:ph type="body" idx="1"/>
+          </p:nvPr>
+        </p:nvSpPr>
+        <p:spPr/>
+        <p:txBody>
+          <a:bodyPr/>
+          <a:lstStyle/>
+          <a:p>
+            <a:endParaRPr lang="en-US" dirty="0"/>
+          </a:p>
+        </p:txBody>
+      </p:sp>
+      <p:sp>
+        <p:nvSpPr>
+          <p:cNvPr id="4" name="Slide Number Placeholder 3"/>
+          <p:cNvSpPr>
+            <a:spLocks noGrp="1"/>
+          </p:cNvSpPr>
+          <p:nvPr>
+            <p:ph type="sldNum" sz="quarter" idx="10"/>
+          </p:nvPr>
+        </p:nvSpPr>
+        <p:spPr/>
+        <p:txBody>
+          <a:bodyPr/>
+          <a:lstStyle/>
+          <a:p>
+            <a:fld id="{006BE02D-20C0-F840-AFAC-BEA99C74FDC2}" type="slidenum">
+              <a:rPr lang="en-US" smtClean="0"/>
+              <a:pPr/>
+              <a:t>20</a:t>
+            </a:fld>
+            <a:endParaRPr lang="en-US" dirty="0"/>
+          </a:p>
+        </p:txBody>
+      </p:sp>
+    </p:spTree>
+    <p:extLst>
+      <p:ext uri="{BB962C8B-B14F-4D97-AF65-F5344CB8AC3E}">
+        <p14:creationId xmlns:p14="http://schemas.microsoft.com/office/powerpoint/2010/main" val="962008632"/>
+      </p:ext>
+    </p:extLst>
+  </p:cSld>
+  <p:clrMapOvr>
+    <a:masterClrMapping/>
+  </p:clrMapOvr>
+</p:notes>
+</file>
+
 <file path=ppt/notesSlides/notesSlide2.xml><?xml version="1.0" encoding="utf-8"?>
 <p:notes xmlns:a="http://schemas.openxmlformats.org/drawingml/2006/main" xmlns:r="http://schemas.openxmlformats.org/officeDocument/2006/relationships" xmlns:p="http://schemas.openxmlformats.org/presentationml/2006/main">
   <p:cSld>
@@ -757,6 +1625,388 @@
     <p:extLst>
       <p:ext uri="{BB962C8B-B14F-4D97-AF65-F5344CB8AC3E}">
         <p14:creationId xmlns:p14="http://schemas.microsoft.com/office/powerpoint/2010/main" val="318957110"/>
+      </p:ext>
+    </p:extLst>
+  </p:cSld>
+  <p:clrMapOvr>
+    <a:masterClrMapping/>
+  </p:clrMapOvr>
+</p:notes>
+</file>
+
+<file path=ppt/notesSlides/notesSlide20.xml><?xml version="1.0" encoding="utf-8"?>
+<p:notes xmlns:a="http://schemas.openxmlformats.org/drawingml/2006/main" xmlns:r="http://schemas.openxmlformats.org/officeDocument/2006/relationships" xmlns:p="http://schemas.openxmlformats.org/presentationml/2006/main">
+  <p:cSld>
+    <p:spTree>
+      <p:nvGrpSpPr>
+        <p:cNvPr id="1" name=""/>
+        <p:cNvGrpSpPr/>
+        <p:nvPr/>
+      </p:nvGrpSpPr>
+      <p:grpSpPr>
+        <a:xfrm>
+          <a:off x="0" y="0"/>
+          <a:ext cx="0" cy="0"/>
+          <a:chOff x="0" y="0"/>
+          <a:chExt cx="0" cy="0"/>
+        </a:xfrm>
+      </p:grpSpPr>
+      <p:sp>
+        <p:nvSpPr>
+          <p:cNvPr id="2" name="Slide Image Placeholder 1"/>
+          <p:cNvSpPr>
+            <a:spLocks noGrp="1" noRot="1" noChangeAspect="1"/>
+          </p:cNvSpPr>
+          <p:nvPr>
+            <p:ph type="sldImg"/>
+          </p:nvPr>
+        </p:nvSpPr>
+        <p:spPr/>
+      </p:sp>
+      <p:sp>
+        <p:nvSpPr>
+          <p:cNvPr id="3" name="Notes Placeholder 2"/>
+          <p:cNvSpPr>
+            <a:spLocks noGrp="1"/>
+          </p:cNvSpPr>
+          <p:nvPr>
+            <p:ph type="body" idx="1"/>
+          </p:nvPr>
+        </p:nvSpPr>
+        <p:spPr/>
+        <p:txBody>
+          <a:bodyPr/>
+          <a:lstStyle/>
+          <a:p>
+            <a:endParaRPr lang="en-US" dirty="0"/>
+          </a:p>
+        </p:txBody>
+      </p:sp>
+      <p:sp>
+        <p:nvSpPr>
+          <p:cNvPr id="4" name="Slide Number Placeholder 3"/>
+          <p:cNvSpPr>
+            <a:spLocks noGrp="1"/>
+          </p:cNvSpPr>
+          <p:nvPr>
+            <p:ph type="sldNum" sz="quarter" idx="10"/>
+          </p:nvPr>
+        </p:nvSpPr>
+        <p:spPr/>
+        <p:txBody>
+          <a:bodyPr/>
+          <a:lstStyle/>
+          <a:p>
+            <a:fld id="{006BE02D-20C0-F840-AFAC-BEA99C74FDC2}" type="slidenum">
+              <a:rPr lang="en-US" smtClean="0"/>
+              <a:pPr/>
+              <a:t>21</a:t>
+            </a:fld>
+            <a:endParaRPr lang="en-US" dirty="0"/>
+          </a:p>
+        </p:txBody>
+      </p:sp>
+    </p:spTree>
+    <p:extLst>
+      <p:ext uri="{BB962C8B-B14F-4D97-AF65-F5344CB8AC3E}">
+        <p14:creationId xmlns:p14="http://schemas.microsoft.com/office/powerpoint/2010/main" val="2419074751"/>
+      </p:ext>
+    </p:extLst>
+  </p:cSld>
+  <p:clrMapOvr>
+    <a:masterClrMapping/>
+  </p:clrMapOvr>
+</p:notes>
+</file>
+
+<file path=ppt/notesSlides/notesSlide21.xml><?xml version="1.0" encoding="utf-8"?>
+<p:notes xmlns:a="http://schemas.openxmlformats.org/drawingml/2006/main" xmlns:r="http://schemas.openxmlformats.org/officeDocument/2006/relationships" xmlns:p="http://schemas.openxmlformats.org/presentationml/2006/main">
+  <p:cSld>
+    <p:spTree>
+      <p:nvGrpSpPr>
+        <p:cNvPr id="1" name=""/>
+        <p:cNvGrpSpPr/>
+        <p:nvPr/>
+      </p:nvGrpSpPr>
+      <p:grpSpPr>
+        <a:xfrm>
+          <a:off x="0" y="0"/>
+          <a:ext cx="0" cy="0"/>
+          <a:chOff x="0" y="0"/>
+          <a:chExt cx="0" cy="0"/>
+        </a:xfrm>
+      </p:grpSpPr>
+      <p:sp>
+        <p:nvSpPr>
+          <p:cNvPr id="2" name="Slide Image Placeholder 1"/>
+          <p:cNvSpPr>
+            <a:spLocks noGrp="1" noRot="1" noChangeAspect="1"/>
+          </p:cNvSpPr>
+          <p:nvPr>
+            <p:ph type="sldImg"/>
+          </p:nvPr>
+        </p:nvSpPr>
+        <p:spPr/>
+      </p:sp>
+      <p:sp>
+        <p:nvSpPr>
+          <p:cNvPr id="3" name="Notes Placeholder 2"/>
+          <p:cNvSpPr>
+            <a:spLocks noGrp="1"/>
+          </p:cNvSpPr>
+          <p:nvPr>
+            <p:ph type="body" idx="1"/>
+          </p:nvPr>
+        </p:nvSpPr>
+        <p:spPr/>
+        <p:txBody>
+          <a:bodyPr/>
+          <a:lstStyle/>
+          <a:p>
+            <a:endParaRPr lang="en-US" dirty="0"/>
+          </a:p>
+        </p:txBody>
+      </p:sp>
+      <p:sp>
+        <p:nvSpPr>
+          <p:cNvPr id="4" name="Slide Number Placeholder 3"/>
+          <p:cNvSpPr>
+            <a:spLocks noGrp="1"/>
+          </p:cNvSpPr>
+          <p:nvPr>
+            <p:ph type="sldNum" sz="quarter" idx="10"/>
+          </p:nvPr>
+        </p:nvSpPr>
+        <p:spPr/>
+        <p:txBody>
+          <a:bodyPr/>
+          <a:lstStyle/>
+          <a:p>
+            <a:fld id="{006BE02D-20C0-F840-AFAC-BEA99C74FDC2}" type="slidenum">
+              <a:rPr lang="en-US" smtClean="0"/>
+              <a:pPr/>
+              <a:t>22</a:t>
+            </a:fld>
+            <a:endParaRPr lang="en-US" dirty="0"/>
+          </a:p>
+        </p:txBody>
+      </p:sp>
+    </p:spTree>
+    <p:extLst>
+      <p:ext uri="{BB962C8B-B14F-4D97-AF65-F5344CB8AC3E}">
+        <p14:creationId xmlns:p14="http://schemas.microsoft.com/office/powerpoint/2010/main" val="2466540360"/>
+      </p:ext>
+    </p:extLst>
+  </p:cSld>
+  <p:clrMapOvr>
+    <a:masterClrMapping/>
+  </p:clrMapOvr>
+</p:notes>
+</file>
+
+<file path=ppt/notesSlides/notesSlide22.xml><?xml version="1.0" encoding="utf-8"?>
+<p:notes xmlns:a="http://schemas.openxmlformats.org/drawingml/2006/main" xmlns:r="http://schemas.openxmlformats.org/officeDocument/2006/relationships" xmlns:p="http://schemas.openxmlformats.org/presentationml/2006/main">
+  <p:cSld>
+    <p:spTree>
+      <p:nvGrpSpPr>
+        <p:cNvPr id="1" name=""/>
+        <p:cNvGrpSpPr/>
+        <p:nvPr/>
+      </p:nvGrpSpPr>
+      <p:grpSpPr>
+        <a:xfrm>
+          <a:off x="0" y="0"/>
+          <a:ext cx="0" cy="0"/>
+          <a:chOff x="0" y="0"/>
+          <a:chExt cx="0" cy="0"/>
+        </a:xfrm>
+      </p:grpSpPr>
+      <p:sp>
+        <p:nvSpPr>
+          <p:cNvPr id="2" name="Slide Image Placeholder 1"/>
+          <p:cNvSpPr>
+            <a:spLocks noGrp="1" noRot="1" noChangeAspect="1"/>
+          </p:cNvSpPr>
+          <p:nvPr>
+            <p:ph type="sldImg"/>
+          </p:nvPr>
+        </p:nvSpPr>
+        <p:spPr/>
+      </p:sp>
+      <p:sp>
+        <p:nvSpPr>
+          <p:cNvPr id="3" name="Notes Placeholder 2"/>
+          <p:cNvSpPr>
+            <a:spLocks noGrp="1"/>
+          </p:cNvSpPr>
+          <p:nvPr>
+            <p:ph type="body" idx="1"/>
+          </p:nvPr>
+        </p:nvSpPr>
+        <p:spPr/>
+        <p:txBody>
+          <a:bodyPr/>
+          <a:lstStyle/>
+          <a:p>
+            <a:endParaRPr lang="en-US" dirty="0"/>
+          </a:p>
+        </p:txBody>
+      </p:sp>
+      <p:sp>
+        <p:nvSpPr>
+          <p:cNvPr id="4" name="Slide Number Placeholder 3"/>
+          <p:cNvSpPr>
+            <a:spLocks noGrp="1"/>
+          </p:cNvSpPr>
+          <p:nvPr>
+            <p:ph type="sldNum" sz="quarter" idx="10"/>
+          </p:nvPr>
+        </p:nvSpPr>
+        <p:spPr/>
+        <p:txBody>
+          <a:bodyPr/>
+          <a:lstStyle/>
+          <a:p>
+            <a:fld id="{006BE02D-20C0-F840-AFAC-BEA99C74FDC2}" type="slidenum">
+              <a:rPr lang="en-US" smtClean="0"/>
+              <a:pPr/>
+              <a:t>23</a:t>
+            </a:fld>
+            <a:endParaRPr lang="en-US" dirty="0"/>
+          </a:p>
+        </p:txBody>
+      </p:sp>
+    </p:spTree>
+    <p:extLst>
+      <p:ext uri="{BB962C8B-B14F-4D97-AF65-F5344CB8AC3E}">
+        <p14:creationId xmlns:p14="http://schemas.microsoft.com/office/powerpoint/2010/main" val="2063337634"/>
+      </p:ext>
+    </p:extLst>
+  </p:cSld>
+  <p:clrMapOvr>
+    <a:masterClrMapping/>
+  </p:clrMapOvr>
+</p:notes>
+</file>
+
+<file path=ppt/notesSlides/notesSlide23.xml><?xml version="1.0" encoding="utf-8"?>
+<p:notes xmlns:a="http://schemas.openxmlformats.org/drawingml/2006/main" xmlns:r="http://schemas.openxmlformats.org/officeDocument/2006/relationships" xmlns:p="http://schemas.openxmlformats.org/presentationml/2006/main">
+  <p:cSld>
+    <p:spTree>
+      <p:nvGrpSpPr>
+        <p:cNvPr id="1" name=""/>
+        <p:cNvGrpSpPr/>
+        <p:nvPr/>
+      </p:nvGrpSpPr>
+      <p:grpSpPr>
+        <a:xfrm>
+          <a:off x="0" y="0"/>
+          <a:ext cx="0" cy="0"/>
+          <a:chOff x="0" y="0"/>
+          <a:chExt cx="0" cy="0"/>
+        </a:xfrm>
+      </p:grpSpPr>
+      <p:sp>
+        <p:nvSpPr>
+          <p:cNvPr id="2" name="Slide Image Placeholder 1"/>
+          <p:cNvSpPr>
+            <a:spLocks noGrp="1" noRot="1" noChangeAspect="1"/>
+          </p:cNvSpPr>
+          <p:nvPr>
+            <p:ph type="sldImg"/>
+          </p:nvPr>
+        </p:nvSpPr>
+        <p:spPr/>
+      </p:sp>
+      <p:sp>
+        <p:nvSpPr>
+          <p:cNvPr id="3" name="Notes Placeholder 2"/>
+          <p:cNvSpPr>
+            <a:spLocks noGrp="1"/>
+          </p:cNvSpPr>
+          <p:nvPr>
+            <p:ph type="body" idx="1"/>
+          </p:nvPr>
+        </p:nvSpPr>
+        <p:spPr/>
+        <p:txBody>
+          <a:bodyPr/>
+          <a:lstStyle/>
+          <a:p>
+            <a:r>
+              <a:rPr lang="en-US" dirty="0"/>
+              <a:t>Python 3 for the program.</a:t>
+            </a:r>
+            <a:br>
+              <a:rPr lang="en-US" dirty="0"/>
+            </a:br>
+            <a:r>
+              <a:rPr lang="en-US" dirty="0" err="1"/>
+              <a:t>Git</a:t>
+            </a:r>
+            <a:r>
+              <a:rPr lang="en-US" dirty="0"/>
+              <a:t> for version control.</a:t>
+            </a:r>
+            <a:br>
+              <a:rPr lang="en-US" dirty="0"/>
+            </a:br>
+            <a:r>
+              <a:rPr lang="en-US" dirty="0"/>
+              <a:t>GitHub for repository</a:t>
+            </a:r>
+            <a:r>
+              <a:rPr lang="en-US" baseline="0" dirty="0"/>
+              <a:t> hosting.</a:t>
+            </a:r>
+          </a:p>
+          <a:p>
+            <a:r>
+              <a:rPr lang="en-US" baseline="0" dirty="0"/>
+              <a:t>Cloud9 for integrated development environment.</a:t>
+            </a:r>
+          </a:p>
+          <a:p>
+            <a:r>
+              <a:rPr lang="en-US" baseline="0" dirty="0" err="1"/>
+              <a:t>Desmos</a:t>
+            </a:r>
+            <a:r>
+              <a:rPr lang="en-US" baseline="0" dirty="0"/>
+              <a:t> for graphing (easy visualization for other outputs).</a:t>
+            </a:r>
+            <a:endParaRPr lang="en-US" dirty="0"/>
+          </a:p>
+        </p:txBody>
+      </p:sp>
+      <p:sp>
+        <p:nvSpPr>
+          <p:cNvPr id="4" name="Slide Number Placeholder 3"/>
+          <p:cNvSpPr>
+            <a:spLocks noGrp="1"/>
+          </p:cNvSpPr>
+          <p:nvPr>
+            <p:ph type="sldNum" sz="quarter" idx="10"/>
+          </p:nvPr>
+        </p:nvSpPr>
+        <p:spPr/>
+        <p:txBody>
+          <a:bodyPr/>
+          <a:lstStyle/>
+          <a:p>
+            <a:fld id="{006BE02D-20C0-F840-AFAC-BEA99C74FDC2}" type="slidenum">
+              <a:rPr lang="en-US" smtClean="0"/>
+              <a:pPr/>
+              <a:t>24</a:t>
+            </a:fld>
+            <a:endParaRPr lang="en-US" dirty="0"/>
+          </a:p>
+        </p:txBody>
+      </p:sp>
+    </p:spTree>
+    <p:extLst>
+      <p:ext uri="{BB962C8B-B14F-4D97-AF65-F5344CB8AC3E}">
+        <p14:creationId xmlns:p14="http://schemas.microsoft.com/office/powerpoint/2010/main" val="2966358511"/>
       </p:ext>
     </p:extLst>
   </p:cSld>
@@ -999,45 +2249,11 @@
           <a:p>
             <a:r>
               <a:rPr lang="en-US" dirty="0"/>
-              <a:t>Python 3 for the program.</a:t>
-            </a:r>
-            <a:br>
-              <a:rPr lang="en-US" dirty="0"/>
-            </a:br>
-            <a:r>
-              <a:rPr lang="en-US" dirty="0" err="1"/>
-              <a:t>Git</a:t>
-            </a:r>
-            <a:r>
-              <a:rPr lang="en-US" dirty="0"/>
-              <a:t> for version control.</a:t>
-            </a:r>
-            <a:br>
-              <a:rPr lang="en-US" dirty="0"/>
-            </a:br>
-            <a:r>
-              <a:rPr lang="en-US" dirty="0"/>
-              <a:t>GitHub for repository</a:t>
+              <a:t>After program reads input,</a:t>
             </a:r>
             <a:r>
               <a:rPr lang="en-US" baseline="0" dirty="0"/>
-              <a:t> hosting.</a:t>
-            </a:r>
-          </a:p>
-          <a:p>
-            <a:r>
-              <a:rPr lang="en-US" baseline="0" dirty="0"/>
-              <a:t>Cloud9 for integrated development environment.</a:t>
-            </a:r>
-          </a:p>
-          <a:p>
-            <a:r>
-              <a:rPr lang="en-US" baseline="0" dirty="0" err="1"/>
-              <a:t>Desmos</a:t>
-            </a:r>
-            <a:r>
-              <a:rPr lang="en-US" baseline="0" dirty="0"/>
-              <a:t> for graphing (easy visualization for other outputs).</a:t>
+              <a:t> all lines will be stored in a list. Each line is an object that holds an index position and 2 coordinate objects. For the sake of brevity, we are going to represent this list by just the indices. So just know that this second lines list where we have 1, 2, 3, 4, 5, each of these are actually objects. I only wrote it like this so it’s easier to see.</a:t>
             </a:r>
             <a:endParaRPr lang="en-US" dirty="0"/>
           </a:p>
@@ -1070,7 +2286,347 @@
     </p:spTree>
     <p:extLst>
       <p:ext uri="{BB962C8B-B14F-4D97-AF65-F5344CB8AC3E}">
-        <p14:creationId xmlns:p14="http://schemas.microsoft.com/office/powerpoint/2010/main" val="2966358511"/>
+        <p14:creationId xmlns:p14="http://schemas.microsoft.com/office/powerpoint/2010/main" val="2965711972"/>
+      </p:ext>
+    </p:extLst>
+  </p:cSld>
+  <p:clrMapOvr>
+    <a:masterClrMapping/>
+  </p:clrMapOvr>
+</p:notes>
+</file>
+
+<file path=ppt/notesSlides/notesSlide6.xml><?xml version="1.0" encoding="utf-8"?>
+<p:notes xmlns:a="http://schemas.openxmlformats.org/drawingml/2006/main" xmlns:r="http://schemas.openxmlformats.org/officeDocument/2006/relationships" xmlns:p="http://schemas.openxmlformats.org/presentationml/2006/main">
+  <p:cSld>
+    <p:spTree>
+      <p:nvGrpSpPr>
+        <p:cNvPr id="1" name=""/>
+        <p:cNvGrpSpPr/>
+        <p:nvPr/>
+      </p:nvGrpSpPr>
+      <p:grpSpPr>
+        <a:xfrm>
+          <a:off x="0" y="0"/>
+          <a:ext cx="0" cy="0"/>
+          <a:chOff x="0" y="0"/>
+          <a:chExt cx="0" cy="0"/>
+        </a:xfrm>
+      </p:grpSpPr>
+      <p:sp>
+        <p:nvSpPr>
+          <p:cNvPr id="2" name="Slide Image Placeholder 1"/>
+          <p:cNvSpPr>
+            <a:spLocks noGrp="1" noRot="1" noChangeAspect="1"/>
+          </p:cNvSpPr>
+          <p:nvPr>
+            <p:ph type="sldImg"/>
+          </p:nvPr>
+        </p:nvSpPr>
+        <p:spPr/>
+      </p:sp>
+      <p:sp>
+        <p:nvSpPr>
+          <p:cNvPr id="3" name="Notes Placeholder 2"/>
+          <p:cNvSpPr>
+            <a:spLocks noGrp="1"/>
+          </p:cNvSpPr>
+          <p:nvPr>
+            <p:ph type="body" idx="1"/>
+          </p:nvPr>
+        </p:nvSpPr>
+        <p:spPr/>
+        <p:txBody>
+          <a:bodyPr/>
+          <a:lstStyle/>
+          <a:p>
+            <a:endParaRPr lang="en-US" dirty="0"/>
+          </a:p>
+        </p:txBody>
+      </p:sp>
+      <p:sp>
+        <p:nvSpPr>
+          <p:cNvPr id="4" name="Slide Number Placeholder 3"/>
+          <p:cNvSpPr>
+            <a:spLocks noGrp="1"/>
+          </p:cNvSpPr>
+          <p:nvPr>
+            <p:ph type="sldNum" sz="quarter" idx="10"/>
+          </p:nvPr>
+        </p:nvSpPr>
+        <p:spPr/>
+        <p:txBody>
+          <a:bodyPr/>
+          <a:lstStyle/>
+          <a:p>
+            <a:fld id="{006BE02D-20C0-F840-AFAC-BEA99C74FDC2}" type="slidenum">
+              <a:rPr lang="en-US" smtClean="0"/>
+              <a:pPr/>
+              <a:t>7</a:t>
+            </a:fld>
+            <a:endParaRPr lang="en-US" dirty="0"/>
+          </a:p>
+        </p:txBody>
+      </p:sp>
+    </p:spTree>
+    <p:extLst>
+      <p:ext uri="{BB962C8B-B14F-4D97-AF65-F5344CB8AC3E}">
+        <p14:creationId xmlns:p14="http://schemas.microsoft.com/office/powerpoint/2010/main" val="2909829006"/>
+      </p:ext>
+    </p:extLst>
+  </p:cSld>
+  <p:clrMapOvr>
+    <a:masterClrMapping/>
+  </p:clrMapOvr>
+</p:notes>
+</file>
+
+<file path=ppt/notesSlides/notesSlide7.xml><?xml version="1.0" encoding="utf-8"?>
+<p:notes xmlns:a="http://schemas.openxmlformats.org/drawingml/2006/main" xmlns:r="http://schemas.openxmlformats.org/officeDocument/2006/relationships" xmlns:p="http://schemas.openxmlformats.org/presentationml/2006/main">
+  <p:cSld>
+    <p:spTree>
+      <p:nvGrpSpPr>
+        <p:cNvPr id="1" name=""/>
+        <p:cNvGrpSpPr/>
+        <p:nvPr/>
+      </p:nvGrpSpPr>
+      <p:grpSpPr>
+        <a:xfrm>
+          <a:off x="0" y="0"/>
+          <a:ext cx="0" cy="0"/>
+          <a:chOff x="0" y="0"/>
+          <a:chExt cx="0" cy="0"/>
+        </a:xfrm>
+      </p:grpSpPr>
+      <p:sp>
+        <p:nvSpPr>
+          <p:cNvPr id="2" name="Slide Image Placeholder 1"/>
+          <p:cNvSpPr>
+            <a:spLocks noGrp="1" noRot="1" noChangeAspect="1"/>
+          </p:cNvSpPr>
+          <p:nvPr>
+            <p:ph type="sldImg"/>
+          </p:nvPr>
+        </p:nvSpPr>
+        <p:spPr/>
+      </p:sp>
+      <p:sp>
+        <p:nvSpPr>
+          <p:cNvPr id="3" name="Notes Placeholder 2"/>
+          <p:cNvSpPr>
+            <a:spLocks noGrp="1"/>
+          </p:cNvSpPr>
+          <p:nvPr>
+            <p:ph type="body" idx="1"/>
+          </p:nvPr>
+        </p:nvSpPr>
+        <p:spPr/>
+        <p:txBody>
+          <a:bodyPr/>
+          <a:lstStyle/>
+          <a:p>
+            <a:endParaRPr lang="en-US" dirty="0"/>
+          </a:p>
+        </p:txBody>
+      </p:sp>
+      <p:sp>
+        <p:nvSpPr>
+          <p:cNvPr id="4" name="Slide Number Placeholder 3"/>
+          <p:cNvSpPr>
+            <a:spLocks noGrp="1"/>
+          </p:cNvSpPr>
+          <p:nvPr>
+            <p:ph type="sldNum" sz="quarter" idx="10"/>
+          </p:nvPr>
+        </p:nvSpPr>
+        <p:spPr/>
+        <p:txBody>
+          <a:bodyPr/>
+          <a:lstStyle/>
+          <a:p>
+            <a:fld id="{006BE02D-20C0-F840-AFAC-BEA99C74FDC2}" type="slidenum">
+              <a:rPr lang="en-US" smtClean="0"/>
+              <a:pPr/>
+              <a:t>8</a:t>
+            </a:fld>
+            <a:endParaRPr lang="en-US" dirty="0"/>
+          </a:p>
+        </p:txBody>
+      </p:sp>
+    </p:spTree>
+    <p:extLst>
+      <p:ext uri="{BB962C8B-B14F-4D97-AF65-F5344CB8AC3E}">
+        <p14:creationId xmlns:p14="http://schemas.microsoft.com/office/powerpoint/2010/main" val="3099324093"/>
+      </p:ext>
+    </p:extLst>
+  </p:cSld>
+  <p:clrMapOvr>
+    <a:masterClrMapping/>
+  </p:clrMapOvr>
+</p:notes>
+</file>
+
+<file path=ppt/notesSlides/notesSlide8.xml><?xml version="1.0" encoding="utf-8"?>
+<p:notes xmlns:a="http://schemas.openxmlformats.org/drawingml/2006/main" xmlns:r="http://schemas.openxmlformats.org/officeDocument/2006/relationships" xmlns:p="http://schemas.openxmlformats.org/presentationml/2006/main">
+  <p:cSld>
+    <p:spTree>
+      <p:nvGrpSpPr>
+        <p:cNvPr id="1" name=""/>
+        <p:cNvGrpSpPr/>
+        <p:nvPr/>
+      </p:nvGrpSpPr>
+      <p:grpSpPr>
+        <a:xfrm>
+          <a:off x="0" y="0"/>
+          <a:ext cx="0" cy="0"/>
+          <a:chOff x="0" y="0"/>
+          <a:chExt cx="0" cy="0"/>
+        </a:xfrm>
+      </p:grpSpPr>
+      <p:sp>
+        <p:nvSpPr>
+          <p:cNvPr id="2" name="Slide Image Placeholder 1"/>
+          <p:cNvSpPr>
+            <a:spLocks noGrp="1" noRot="1" noChangeAspect="1"/>
+          </p:cNvSpPr>
+          <p:nvPr>
+            <p:ph type="sldImg"/>
+          </p:nvPr>
+        </p:nvSpPr>
+        <p:spPr/>
+      </p:sp>
+      <p:sp>
+        <p:nvSpPr>
+          <p:cNvPr id="3" name="Notes Placeholder 2"/>
+          <p:cNvSpPr>
+            <a:spLocks noGrp="1"/>
+          </p:cNvSpPr>
+          <p:nvPr>
+            <p:ph type="body" idx="1"/>
+          </p:nvPr>
+        </p:nvSpPr>
+        <p:spPr/>
+        <p:txBody>
+          <a:bodyPr/>
+          <a:lstStyle/>
+          <a:p>
+            <a:endParaRPr lang="en-US" dirty="0"/>
+          </a:p>
+        </p:txBody>
+      </p:sp>
+      <p:sp>
+        <p:nvSpPr>
+          <p:cNvPr id="4" name="Slide Number Placeholder 3"/>
+          <p:cNvSpPr>
+            <a:spLocks noGrp="1"/>
+          </p:cNvSpPr>
+          <p:nvPr>
+            <p:ph type="sldNum" sz="quarter" idx="10"/>
+          </p:nvPr>
+        </p:nvSpPr>
+        <p:spPr/>
+        <p:txBody>
+          <a:bodyPr/>
+          <a:lstStyle/>
+          <a:p>
+            <a:fld id="{006BE02D-20C0-F840-AFAC-BEA99C74FDC2}" type="slidenum">
+              <a:rPr lang="en-US" smtClean="0"/>
+              <a:pPr/>
+              <a:t>9</a:t>
+            </a:fld>
+            <a:endParaRPr lang="en-US" dirty="0"/>
+          </a:p>
+        </p:txBody>
+      </p:sp>
+    </p:spTree>
+    <p:extLst>
+      <p:ext uri="{BB962C8B-B14F-4D97-AF65-F5344CB8AC3E}">
+        <p14:creationId xmlns:p14="http://schemas.microsoft.com/office/powerpoint/2010/main" val="3517370455"/>
+      </p:ext>
+    </p:extLst>
+  </p:cSld>
+  <p:clrMapOvr>
+    <a:masterClrMapping/>
+  </p:clrMapOvr>
+</p:notes>
+</file>
+
+<file path=ppt/notesSlides/notesSlide9.xml><?xml version="1.0" encoding="utf-8"?>
+<p:notes xmlns:a="http://schemas.openxmlformats.org/drawingml/2006/main" xmlns:r="http://schemas.openxmlformats.org/officeDocument/2006/relationships" xmlns:p="http://schemas.openxmlformats.org/presentationml/2006/main">
+  <p:cSld>
+    <p:spTree>
+      <p:nvGrpSpPr>
+        <p:cNvPr id="1" name=""/>
+        <p:cNvGrpSpPr/>
+        <p:nvPr/>
+      </p:nvGrpSpPr>
+      <p:grpSpPr>
+        <a:xfrm>
+          <a:off x="0" y="0"/>
+          <a:ext cx="0" cy="0"/>
+          <a:chOff x="0" y="0"/>
+          <a:chExt cx="0" cy="0"/>
+        </a:xfrm>
+      </p:grpSpPr>
+      <p:sp>
+        <p:nvSpPr>
+          <p:cNvPr id="2" name="Slide Image Placeholder 1"/>
+          <p:cNvSpPr>
+            <a:spLocks noGrp="1" noRot="1" noChangeAspect="1"/>
+          </p:cNvSpPr>
+          <p:nvPr>
+            <p:ph type="sldImg"/>
+          </p:nvPr>
+        </p:nvSpPr>
+        <p:spPr/>
+      </p:sp>
+      <p:sp>
+        <p:nvSpPr>
+          <p:cNvPr id="3" name="Notes Placeholder 2"/>
+          <p:cNvSpPr>
+            <a:spLocks noGrp="1"/>
+          </p:cNvSpPr>
+          <p:nvPr>
+            <p:ph type="body" idx="1"/>
+          </p:nvPr>
+        </p:nvSpPr>
+        <p:spPr/>
+        <p:txBody>
+          <a:bodyPr/>
+          <a:lstStyle/>
+          <a:p>
+            <a:endParaRPr lang="en-US" dirty="0"/>
+          </a:p>
+        </p:txBody>
+      </p:sp>
+      <p:sp>
+        <p:nvSpPr>
+          <p:cNvPr id="4" name="Slide Number Placeholder 3"/>
+          <p:cNvSpPr>
+            <a:spLocks noGrp="1"/>
+          </p:cNvSpPr>
+          <p:nvPr>
+            <p:ph type="sldNum" sz="quarter" idx="10"/>
+          </p:nvPr>
+        </p:nvSpPr>
+        <p:spPr/>
+        <p:txBody>
+          <a:bodyPr/>
+          <a:lstStyle/>
+          <a:p>
+            <a:fld id="{006BE02D-20C0-F840-AFAC-BEA99C74FDC2}" type="slidenum">
+              <a:rPr lang="en-US" smtClean="0"/>
+              <a:pPr/>
+              <a:t>10</a:t>
+            </a:fld>
+            <a:endParaRPr lang="en-US" dirty="0"/>
+          </a:p>
+        </p:txBody>
+      </p:sp>
+    </p:spTree>
+    <p:extLst>
+      <p:ext uri="{BB962C8B-B14F-4D97-AF65-F5344CB8AC3E}">
+        <p14:creationId xmlns:p14="http://schemas.microsoft.com/office/powerpoint/2010/main" val="1952662680"/>
       </p:ext>
     </p:extLst>
   </p:cSld>
@@ -1774,14 +3330,14 @@
           </a:ln>
           <a:extLst>
             <a:ext uri="{909E8E84-426E-40dd-AFC4-6F175D3DCCD1}">
-              <a14:hiddenFill xmlns="" xmlns:a14="http://schemas.microsoft.com/office/drawing/2010/main">
+              <a14:hiddenFill xmlns:a14="http://schemas.microsoft.com/office/drawing/2010/main" xmlns="">
                 <a:solidFill>
                   <a:srgbClr val="FFFFFF"/>
                 </a:solidFill>
               </a14:hiddenFill>
             </a:ext>
             <a:ext uri="{91240B29-F687-4f45-9708-019B960494DF}">
-              <a14:hiddenLine xmlns="" xmlns:a14="http://schemas.microsoft.com/office/drawing/2010/main" w="12700">
+              <a14:hiddenLine xmlns:a14="http://schemas.microsoft.com/office/drawing/2010/main" xmlns="" w="12700">
                 <a:solidFill>
                   <a:schemeClr val="tx1"/>
                 </a:solidFill>
@@ -1891,6 +3447,2394 @@
 </p:sld>
 </file>
 
+<file path=ppt/slides/slide10.xml><?xml version="1.0" encoding="utf-8"?>
+<p:sld xmlns:a="http://schemas.openxmlformats.org/drawingml/2006/main" xmlns:r="http://schemas.openxmlformats.org/officeDocument/2006/relationships" xmlns:p="http://schemas.openxmlformats.org/presentationml/2006/main">
+  <p:cSld>
+    <p:spTree>
+      <p:nvGrpSpPr>
+        <p:cNvPr id="1" name=""/>
+        <p:cNvGrpSpPr/>
+        <p:nvPr/>
+      </p:nvGrpSpPr>
+      <p:grpSpPr>
+        <a:xfrm>
+          <a:off x="0" y="0"/>
+          <a:ext cx="0" cy="0"/>
+          <a:chOff x="0" y="0"/>
+          <a:chExt cx="0" cy="0"/>
+        </a:xfrm>
+      </p:grpSpPr>
+      <p:sp>
+        <p:nvSpPr>
+          <p:cNvPr id="4" name="Rectangle 3"/>
+          <p:cNvSpPr>
+            <a:spLocks/>
+          </p:cNvSpPr>
+          <p:nvPr/>
+        </p:nvSpPr>
+        <p:spPr bwMode="auto">
+          <a:xfrm>
+            <a:off x="0" y="228078"/>
+            <a:ext cx="9143999" cy="461665"/>
+          </a:xfrm>
+          <a:prstGeom prst="rect">
+            <a:avLst/>
+          </a:prstGeom>
+          <a:noFill/>
+          <a:ln>
+            <a:noFill/>
+          </a:ln>
+          <a:extLst>
+            <a:ext uri="{909E8E84-426E-40dd-AFC4-6F175D3DCCD1}">
+              <a14:hiddenFill xmlns="" xmlns:a14="http://schemas.microsoft.com/office/drawing/2010/main">
+                <a:solidFill>
+                  <a:srgbClr val="FFFFFF"/>
+                </a:solidFill>
+              </a14:hiddenFill>
+            </a:ext>
+            <a:ext uri="{91240B29-F687-4f45-9708-019B960494DF}">
+              <a14:hiddenLine xmlns="" xmlns:a14="http://schemas.microsoft.com/office/drawing/2010/main" w="12700">
+                <a:solidFill>
+                  <a:schemeClr val="tx1"/>
+                </a:solidFill>
+                <a:miter lim="800000"/>
+                <a:headEnd/>
+                <a:tailEnd/>
+              </a14:hiddenLine>
+            </a:ext>
+          </a:extLst>
+        </p:spPr>
+        <p:txBody>
+          <a:bodyPr wrap="square" lIns="0" tIns="0" rIns="0" bIns="0" anchor="ctr">
+            <a:spAutoFit/>
+          </a:bodyPr>
+          <a:lstStyle/>
+          <a:p>
+            <a:pPr algn="ctr"/>
+            <a:r>
+              <a:rPr lang="en-US" sz="3000" b="1" spc="113" dirty="0">
+                <a:solidFill>
+                  <a:schemeClr val="tx2"/>
+                </a:solidFill>
+                <a:latin typeface="Roboto" charset="0"/>
+                <a:ea typeface="Roboto" charset="0"/>
+                <a:cs typeface="Roboto" charset="0"/>
+                <a:sym typeface="Bebas Neue" charset="0"/>
+              </a:rPr>
+              <a:t>SOLUTION – Solving a Custom Example</a:t>
+            </a:r>
+            <a:endParaRPr lang="en-US" sz="3000" b="1" spc="113" dirty="0">
+              <a:solidFill>
+                <a:schemeClr val="accent2"/>
+              </a:solidFill>
+              <a:latin typeface="Roboto" charset="0"/>
+              <a:ea typeface="Roboto" charset="0"/>
+              <a:cs typeface="Roboto" charset="0"/>
+              <a:sym typeface="Bebas Neue" charset="0"/>
+            </a:endParaRPr>
+          </a:p>
+        </p:txBody>
+      </p:sp>
+      <p:sp>
+        <p:nvSpPr>
+          <p:cNvPr id="5" name="TextBox 4"/>
+          <p:cNvSpPr txBox="1"/>
+          <p:nvPr/>
+        </p:nvSpPr>
+        <p:spPr>
+          <a:xfrm>
+            <a:off x="428263" y="1574157"/>
+            <a:ext cx="8264324" cy="2015936"/>
+          </a:xfrm>
+          <a:prstGeom prst="rect">
+            <a:avLst/>
+          </a:prstGeom>
+          <a:noFill/>
+        </p:spPr>
+        <p:txBody>
+          <a:bodyPr wrap="square" rtlCol="0">
+            <a:spAutoFit/>
+          </a:bodyPr>
+          <a:lstStyle/>
+          <a:p>
+            <a:r>
+              <a:rPr lang="en-US" sz="2500" dirty="0">
+                <a:solidFill>
+                  <a:srgbClr val="000000"/>
+                </a:solidFill>
+              </a:rPr>
+              <a:t>lines = [  1,  2,  3,  4,  5  ]  			max_intersections = 2</a:t>
+            </a:r>
+            <a:br>
+              <a:rPr lang="en-US" sz="2500" dirty="0">
+                <a:solidFill>
+                  <a:srgbClr val="000000"/>
+                </a:solidFill>
+              </a:rPr>
+            </a:br>
+            <a:r>
+              <a:rPr lang="en-US" sz="2500" dirty="0">
+                <a:solidFill>
+                  <a:srgbClr val="000000"/>
+                </a:solidFill>
+              </a:rPr>
+              <a:t>							max_line = Line 3 object</a:t>
+            </a:r>
+          </a:p>
+          <a:p>
+            <a:endParaRPr lang="en-US" sz="2500" dirty="0">
+              <a:solidFill>
+                <a:srgbClr val="000000"/>
+              </a:solidFill>
+            </a:endParaRPr>
+          </a:p>
+          <a:p>
+            <a:r>
+              <a:rPr lang="en-US" sz="2500" dirty="0">
+                <a:solidFill>
+                  <a:srgbClr val="000000"/>
+                </a:solidFill>
+              </a:rPr>
+              <a:t> 	4 has 3 intersections			max_intersections = </a:t>
+            </a:r>
+            <a:r>
+              <a:rPr lang="en-US" sz="2500" dirty="0">
+                <a:solidFill>
+                  <a:srgbClr val="FF0000"/>
+                </a:solidFill>
+              </a:rPr>
+              <a:t>3</a:t>
+            </a:r>
+            <a:br>
+              <a:rPr lang="en-US" sz="2500" dirty="0">
+                <a:solidFill>
+                  <a:srgbClr val="000000"/>
+                </a:solidFill>
+              </a:rPr>
+            </a:br>
+            <a:r>
+              <a:rPr lang="en-US" sz="2500" dirty="0">
+                <a:solidFill>
+                  <a:srgbClr val="000000"/>
+                </a:solidFill>
+              </a:rPr>
+              <a:t>							max_line = </a:t>
+            </a:r>
+            <a:r>
+              <a:rPr lang="en-US" sz="2500" dirty="0">
+                <a:solidFill>
+                  <a:srgbClr val="FF0000"/>
+                </a:solidFill>
+              </a:rPr>
+              <a:t>Line 4 object</a:t>
+            </a:r>
+          </a:p>
+        </p:txBody>
+      </p:sp>
+      <p:sp>
+        <p:nvSpPr>
+          <p:cNvPr id="2" name="Oval 1"/>
+          <p:cNvSpPr/>
+          <p:nvPr/>
+        </p:nvSpPr>
+        <p:spPr>
+          <a:xfrm>
+            <a:off x="2685331" y="1646097"/>
+            <a:ext cx="405114" cy="405114"/>
+          </a:xfrm>
+          <a:prstGeom prst="ellipse">
+            <a:avLst/>
+          </a:prstGeom>
+          <a:noFill/>
+          <a:ln>
+            <a:solidFill>
+              <a:srgbClr val="FF0000"/>
+            </a:solidFill>
+          </a:ln>
+        </p:spPr>
+        <p:style>
+          <a:lnRef idx="2">
+            <a:schemeClr val="accent1">
+              <a:shade val="50000"/>
+            </a:schemeClr>
+          </a:lnRef>
+          <a:fillRef idx="1">
+            <a:schemeClr val="accent1"/>
+          </a:fillRef>
+          <a:effectRef idx="0">
+            <a:schemeClr val="accent1"/>
+          </a:effectRef>
+          <a:fontRef idx="minor">
+            <a:schemeClr val="lt1"/>
+          </a:fontRef>
+        </p:style>
+        <p:txBody>
+          <a:bodyPr rtlCol="0" anchor="ctr"/>
+          <a:lstStyle/>
+          <a:p>
+            <a:pPr algn="ctr"/>
+            <a:endParaRPr lang="en-US"/>
+          </a:p>
+        </p:txBody>
+      </p:sp>
+      <p:cxnSp>
+        <p:nvCxnSpPr>
+          <p:cNvPr id="6" name="Straight Arrow Connector 5"/>
+          <p:cNvCxnSpPr>
+            <a:stCxn id="2" idx="4"/>
+          </p:cNvCxnSpPr>
+          <p:nvPr/>
+        </p:nvCxnSpPr>
+        <p:spPr>
+          <a:xfrm>
+            <a:off x="2887888" y="2051211"/>
+            <a:ext cx="0" cy="553093"/>
+          </a:xfrm>
+          <a:prstGeom prst="straightConnector1">
+            <a:avLst/>
+          </a:prstGeom>
+          <a:ln>
+            <a:solidFill>
+              <a:srgbClr val="FF0000"/>
+            </a:solidFill>
+            <a:tailEnd type="triangle"/>
+          </a:ln>
+        </p:spPr>
+        <p:style>
+          <a:lnRef idx="1">
+            <a:schemeClr val="accent1"/>
+          </a:lnRef>
+          <a:fillRef idx="0">
+            <a:schemeClr val="accent1"/>
+          </a:fillRef>
+          <a:effectRef idx="0">
+            <a:schemeClr val="accent1"/>
+          </a:effectRef>
+          <a:fontRef idx="minor">
+            <a:schemeClr val="tx1"/>
+          </a:fontRef>
+        </p:style>
+      </p:cxnSp>
+    </p:spTree>
+    <p:extLst>
+      <p:ext uri="{BB962C8B-B14F-4D97-AF65-F5344CB8AC3E}">
+        <p14:creationId xmlns:p14="http://schemas.microsoft.com/office/powerpoint/2010/main" val="2162580699"/>
+      </p:ext>
+    </p:extLst>
+  </p:cSld>
+  <p:clrMapOvr>
+    <a:masterClrMapping/>
+  </p:clrMapOvr>
+  <p:transition advClick="0"/>
+</p:sld>
+</file>
+
+<file path=ppt/slides/slide11.xml><?xml version="1.0" encoding="utf-8"?>
+<p:sld xmlns:a="http://schemas.openxmlformats.org/drawingml/2006/main" xmlns:r="http://schemas.openxmlformats.org/officeDocument/2006/relationships" xmlns:p="http://schemas.openxmlformats.org/presentationml/2006/main">
+  <p:cSld>
+    <p:spTree>
+      <p:nvGrpSpPr>
+        <p:cNvPr id="1" name=""/>
+        <p:cNvGrpSpPr/>
+        <p:nvPr/>
+      </p:nvGrpSpPr>
+      <p:grpSpPr>
+        <a:xfrm>
+          <a:off x="0" y="0"/>
+          <a:ext cx="0" cy="0"/>
+          <a:chOff x="0" y="0"/>
+          <a:chExt cx="0" cy="0"/>
+        </a:xfrm>
+      </p:grpSpPr>
+      <p:sp>
+        <p:nvSpPr>
+          <p:cNvPr id="4" name="Rectangle 3"/>
+          <p:cNvSpPr>
+            <a:spLocks/>
+          </p:cNvSpPr>
+          <p:nvPr/>
+        </p:nvSpPr>
+        <p:spPr bwMode="auto">
+          <a:xfrm>
+            <a:off x="0" y="228078"/>
+            <a:ext cx="9143999" cy="461665"/>
+          </a:xfrm>
+          <a:prstGeom prst="rect">
+            <a:avLst/>
+          </a:prstGeom>
+          <a:noFill/>
+          <a:ln>
+            <a:noFill/>
+          </a:ln>
+          <a:extLst>
+            <a:ext uri="{909E8E84-426E-40dd-AFC4-6F175D3DCCD1}">
+              <a14:hiddenFill xmlns="" xmlns:a14="http://schemas.microsoft.com/office/drawing/2010/main">
+                <a:solidFill>
+                  <a:srgbClr val="FFFFFF"/>
+                </a:solidFill>
+              </a14:hiddenFill>
+            </a:ext>
+            <a:ext uri="{91240B29-F687-4f45-9708-019B960494DF}">
+              <a14:hiddenLine xmlns="" xmlns:a14="http://schemas.microsoft.com/office/drawing/2010/main" w="12700">
+                <a:solidFill>
+                  <a:schemeClr val="tx1"/>
+                </a:solidFill>
+                <a:miter lim="800000"/>
+                <a:headEnd/>
+                <a:tailEnd/>
+              </a14:hiddenLine>
+            </a:ext>
+          </a:extLst>
+        </p:spPr>
+        <p:txBody>
+          <a:bodyPr wrap="square" lIns="0" tIns="0" rIns="0" bIns="0" anchor="ctr">
+            <a:spAutoFit/>
+          </a:bodyPr>
+          <a:lstStyle/>
+          <a:p>
+            <a:pPr algn="ctr"/>
+            <a:r>
+              <a:rPr lang="en-US" sz="3000" b="1" spc="113" dirty="0">
+                <a:solidFill>
+                  <a:schemeClr val="tx2"/>
+                </a:solidFill>
+                <a:latin typeface="Roboto" charset="0"/>
+                <a:ea typeface="Roboto" charset="0"/>
+                <a:cs typeface="Roboto" charset="0"/>
+                <a:sym typeface="Bebas Neue" charset="0"/>
+              </a:rPr>
+              <a:t>SOLUTION – Solving a Custom Example</a:t>
+            </a:r>
+            <a:endParaRPr lang="en-US" sz="3000" b="1" spc="113" dirty="0">
+              <a:solidFill>
+                <a:schemeClr val="accent2"/>
+              </a:solidFill>
+              <a:latin typeface="Roboto" charset="0"/>
+              <a:ea typeface="Roboto" charset="0"/>
+              <a:cs typeface="Roboto" charset="0"/>
+              <a:sym typeface="Bebas Neue" charset="0"/>
+            </a:endParaRPr>
+          </a:p>
+        </p:txBody>
+      </p:sp>
+      <p:sp>
+        <p:nvSpPr>
+          <p:cNvPr id="5" name="TextBox 4"/>
+          <p:cNvSpPr txBox="1"/>
+          <p:nvPr/>
+        </p:nvSpPr>
+        <p:spPr>
+          <a:xfrm>
+            <a:off x="428263" y="1574157"/>
+            <a:ext cx="8264324" cy="2015936"/>
+          </a:xfrm>
+          <a:prstGeom prst="rect">
+            <a:avLst/>
+          </a:prstGeom>
+          <a:noFill/>
+        </p:spPr>
+        <p:txBody>
+          <a:bodyPr wrap="square" rtlCol="0">
+            <a:spAutoFit/>
+          </a:bodyPr>
+          <a:lstStyle/>
+          <a:p>
+            <a:r>
+              <a:rPr lang="en-US" sz="2500" dirty="0">
+                <a:solidFill>
+                  <a:srgbClr val="000000"/>
+                </a:solidFill>
+              </a:rPr>
+              <a:t>lines = [  1,  2,  3,  4,  5  ]  			max_intersections = 3</a:t>
+            </a:r>
+            <a:br>
+              <a:rPr lang="en-US" sz="2500" dirty="0">
+                <a:solidFill>
+                  <a:srgbClr val="000000"/>
+                </a:solidFill>
+              </a:rPr>
+            </a:br>
+            <a:r>
+              <a:rPr lang="en-US" sz="2500" dirty="0">
+                <a:solidFill>
+                  <a:srgbClr val="000000"/>
+                </a:solidFill>
+              </a:rPr>
+              <a:t>							max_line = Line 4 object</a:t>
+            </a:r>
+          </a:p>
+          <a:p>
+            <a:endParaRPr lang="en-US" sz="2500" dirty="0">
+              <a:solidFill>
+                <a:srgbClr val="000000"/>
+              </a:solidFill>
+            </a:endParaRPr>
+          </a:p>
+          <a:p>
+            <a:r>
+              <a:rPr lang="en-US" sz="2500" dirty="0">
+                <a:solidFill>
+                  <a:srgbClr val="000000"/>
+                </a:solidFill>
+              </a:rPr>
+              <a:t> 	5 has 0 intersections			lwi = [5]	 		                    </a:t>
+            </a:r>
+            <a:br>
+              <a:rPr lang="en-US" sz="2500" dirty="0">
+                <a:solidFill>
+                  <a:srgbClr val="000000"/>
+                </a:solidFill>
+              </a:rPr>
+            </a:br>
+            <a:r>
+              <a:rPr lang="en-US" sz="2500" dirty="0">
+                <a:solidFill>
+                  <a:srgbClr val="000000"/>
+                </a:solidFill>
+              </a:rPr>
+              <a:t>						</a:t>
+            </a:r>
+            <a:endParaRPr lang="en-US" sz="2500" dirty="0">
+              <a:solidFill>
+                <a:srgbClr val="FF0000"/>
+              </a:solidFill>
+            </a:endParaRPr>
+          </a:p>
+        </p:txBody>
+      </p:sp>
+      <p:sp>
+        <p:nvSpPr>
+          <p:cNvPr id="2" name="Oval 1"/>
+          <p:cNvSpPr/>
+          <p:nvPr/>
+        </p:nvSpPr>
+        <p:spPr>
+          <a:xfrm>
+            <a:off x="3055723" y="1646097"/>
+            <a:ext cx="405114" cy="405114"/>
+          </a:xfrm>
+          <a:prstGeom prst="ellipse">
+            <a:avLst/>
+          </a:prstGeom>
+          <a:noFill/>
+          <a:ln>
+            <a:solidFill>
+              <a:srgbClr val="FF0000"/>
+            </a:solidFill>
+          </a:ln>
+        </p:spPr>
+        <p:style>
+          <a:lnRef idx="2">
+            <a:schemeClr val="accent1">
+              <a:shade val="50000"/>
+            </a:schemeClr>
+          </a:lnRef>
+          <a:fillRef idx="1">
+            <a:schemeClr val="accent1"/>
+          </a:fillRef>
+          <a:effectRef idx="0">
+            <a:schemeClr val="accent1"/>
+          </a:effectRef>
+          <a:fontRef idx="minor">
+            <a:schemeClr val="lt1"/>
+          </a:fontRef>
+        </p:style>
+        <p:txBody>
+          <a:bodyPr rtlCol="0" anchor="ctr"/>
+          <a:lstStyle/>
+          <a:p>
+            <a:pPr algn="ctr"/>
+            <a:endParaRPr lang="en-US"/>
+          </a:p>
+        </p:txBody>
+      </p:sp>
+      <p:cxnSp>
+        <p:nvCxnSpPr>
+          <p:cNvPr id="6" name="Straight Arrow Connector 5"/>
+          <p:cNvCxnSpPr>
+            <a:stCxn id="2" idx="4"/>
+          </p:cNvCxnSpPr>
+          <p:nvPr/>
+        </p:nvCxnSpPr>
+        <p:spPr>
+          <a:xfrm>
+            <a:off x="3258280" y="2051211"/>
+            <a:ext cx="0" cy="553093"/>
+          </a:xfrm>
+          <a:prstGeom prst="straightConnector1">
+            <a:avLst/>
+          </a:prstGeom>
+          <a:ln>
+            <a:solidFill>
+              <a:srgbClr val="FF0000"/>
+            </a:solidFill>
+            <a:tailEnd type="triangle"/>
+          </a:ln>
+        </p:spPr>
+        <p:style>
+          <a:lnRef idx="1">
+            <a:schemeClr val="accent1"/>
+          </a:lnRef>
+          <a:fillRef idx="0">
+            <a:schemeClr val="accent1"/>
+          </a:fillRef>
+          <a:effectRef idx="0">
+            <a:schemeClr val="accent1"/>
+          </a:effectRef>
+          <a:fontRef idx="minor">
+            <a:schemeClr val="tx1"/>
+          </a:fontRef>
+        </p:style>
+      </p:cxnSp>
+    </p:spTree>
+    <p:extLst>
+      <p:ext uri="{BB962C8B-B14F-4D97-AF65-F5344CB8AC3E}">
+        <p14:creationId xmlns:p14="http://schemas.microsoft.com/office/powerpoint/2010/main" val="2924496728"/>
+      </p:ext>
+    </p:extLst>
+  </p:cSld>
+  <p:clrMapOvr>
+    <a:masterClrMapping/>
+  </p:clrMapOvr>
+  <p:transition advClick="0"/>
+</p:sld>
+</file>
+
+<file path=ppt/slides/slide12.xml><?xml version="1.0" encoding="utf-8"?>
+<p:sld xmlns:a="http://schemas.openxmlformats.org/drawingml/2006/main" xmlns:r="http://schemas.openxmlformats.org/officeDocument/2006/relationships" xmlns:p="http://schemas.openxmlformats.org/presentationml/2006/main">
+  <p:cSld>
+    <p:spTree>
+      <p:nvGrpSpPr>
+        <p:cNvPr id="1" name=""/>
+        <p:cNvGrpSpPr/>
+        <p:nvPr/>
+      </p:nvGrpSpPr>
+      <p:grpSpPr>
+        <a:xfrm>
+          <a:off x="0" y="0"/>
+          <a:ext cx="0" cy="0"/>
+          <a:chOff x="0" y="0"/>
+          <a:chExt cx="0" cy="0"/>
+        </a:xfrm>
+      </p:grpSpPr>
+      <p:sp>
+        <p:nvSpPr>
+          <p:cNvPr id="4" name="Rectangle 3"/>
+          <p:cNvSpPr>
+            <a:spLocks/>
+          </p:cNvSpPr>
+          <p:nvPr/>
+        </p:nvSpPr>
+        <p:spPr bwMode="auto">
+          <a:xfrm>
+            <a:off x="0" y="228078"/>
+            <a:ext cx="9143999" cy="461665"/>
+          </a:xfrm>
+          <a:prstGeom prst="rect">
+            <a:avLst/>
+          </a:prstGeom>
+          <a:noFill/>
+          <a:ln>
+            <a:noFill/>
+          </a:ln>
+          <a:extLst>
+            <a:ext uri="{909E8E84-426E-40dd-AFC4-6F175D3DCCD1}">
+              <a14:hiddenFill xmlns="" xmlns:a14="http://schemas.microsoft.com/office/drawing/2010/main">
+                <a:solidFill>
+                  <a:srgbClr val="FFFFFF"/>
+                </a:solidFill>
+              </a14:hiddenFill>
+            </a:ext>
+            <a:ext uri="{91240B29-F687-4f45-9708-019B960494DF}">
+              <a14:hiddenLine xmlns="" xmlns:a14="http://schemas.microsoft.com/office/drawing/2010/main" w="12700">
+                <a:solidFill>
+                  <a:schemeClr val="tx1"/>
+                </a:solidFill>
+                <a:miter lim="800000"/>
+                <a:headEnd/>
+                <a:tailEnd/>
+              </a14:hiddenLine>
+            </a:ext>
+          </a:extLst>
+        </p:spPr>
+        <p:txBody>
+          <a:bodyPr wrap="square" lIns="0" tIns="0" rIns="0" bIns="0" anchor="ctr">
+            <a:spAutoFit/>
+          </a:bodyPr>
+          <a:lstStyle/>
+          <a:p>
+            <a:pPr algn="ctr"/>
+            <a:r>
+              <a:rPr lang="en-US" sz="3000" b="1" spc="113" dirty="0">
+                <a:solidFill>
+                  <a:schemeClr val="tx2"/>
+                </a:solidFill>
+                <a:latin typeface="Roboto" charset="0"/>
+                <a:ea typeface="Roboto" charset="0"/>
+                <a:cs typeface="Roboto" charset="0"/>
+                <a:sym typeface="Bebas Neue" charset="0"/>
+              </a:rPr>
+              <a:t>SOLUTION – Solving a Custom Example</a:t>
+            </a:r>
+            <a:endParaRPr lang="en-US" sz="3000" b="1" spc="113" dirty="0">
+              <a:solidFill>
+                <a:schemeClr val="accent2"/>
+              </a:solidFill>
+              <a:latin typeface="Roboto" charset="0"/>
+              <a:ea typeface="Roboto" charset="0"/>
+              <a:cs typeface="Roboto" charset="0"/>
+              <a:sym typeface="Bebas Neue" charset="0"/>
+            </a:endParaRPr>
+          </a:p>
+        </p:txBody>
+      </p:sp>
+      <p:sp>
+        <p:nvSpPr>
+          <p:cNvPr id="5" name="TextBox 4"/>
+          <p:cNvSpPr txBox="1"/>
+          <p:nvPr/>
+        </p:nvSpPr>
+        <p:spPr>
+          <a:xfrm>
+            <a:off x="428263" y="1574157"/>
+            <a:ext cx="8264324" cy="2400657"/>
+          </a:xfrm>
+          <a:prstGeom prst="rect">
+            <a:avLst/>
+          </a:prstGeom>
+          <a:noFill/>
+        </p:spPr>
+        <p:txBody>
+          <a:bodyPr wrap="square" rtlCol="0">
+            <a:spAutoFit/>
+          </a:bodyPr>
+          <a:lstStyle/>
+          <a:p>
+            <a:r>
+              <a:rPr lang="en-US" sz="2500" dirty="0">
+                <a:solidFill>
+                  <a:srgbClr val="000000"/>
+                </a:solidFill>
+              </a:rPr>
+              <a:t>Does max_line hold something?	max_intersections = 3</a:t>
+            </a:r>
+            <a:br>
+              <a:rPr lang="en-US" sz="2500" dirty="0">
+                <a:solidFill>
+                  <a:srgbClr val="000000"/>
+                </a:solidFill>
+              </a:rPr>
+            </a:br>
+            <a:r>
+              <a:rPr lang="en-US" sz="2500" dirty="0">
+                <a:solidFill>
+                  <a:srgbClr val="000000"/>
+                </a:solidFill>
+              </a:rPr>
+              <a:t>							</a:t>
+            </a:r>
+            <a:r>
+              <a:rPr lang="en-US" sz="2500" dirty="0">
+                <a:solidFill>
+                  <a:srgbClr val="FF0000"/>
+                </a:solidFill>
+              </a:rPr>
+              <a:t>max_line = Line 4 object</a:t>
+            </a:r>
+          </a:p>
+          <a:p>
+            <a:endParaRPr lang="en-US" sz="2500" dirty="0">
+              <a:solidFill>
+                <a:srgbClr val="000000"/>
+              </a:solidFill>
+            </a:endParaRPr>
+          </a:p>
+          <a:p>
+            <a:r>
+              <a:rPr lang="en-US" sz="2500" dirty="0">
+                <a:solidFill>
+                  <a:srgbClr val="000000"/>
+                </a:solidFill>
+              </a:rPr>
+              <a:t>lines = [1, 2, 3, 5] 						</a:t>
+            </a:r>
+            <a:br>
+              <a:rPr lang="en-US" sz="2500" dirty="0">
+                <a:solidFill>
+                  <a:srgbClr val="000000"/>
+                </a:solidFill>
+              </a:rPr>
+            </a:br>
+            <a:br>
+              <a:rPr lang="en-US" sz="2500" dirty="0">
+                <a:solidFill>
+                  <a:srgbClr val="000000"/>
+                </a:solidFill>
+              </a:rPr>
+            </a:br>
+            <a:endParaRPr lang="en-US" sz="2500" dirty="0">
+              <a:solidFill>
+                <a:srgbClr val="FF0000"/>
+              </a:solidFill>
+            </a:endParaRPr>
+          </a:p>
+        </p:txBody>
+      </p:sp>
+    </p:spTree>
+    <p:extLst>
+      <p:ext uri="{BB962C8B-B14F-4D97-AF65-F5344CB8AC3E}">
+        <p14:creationId xmlns:p14="http://schemas.microsoft.com/office/powerpoint/2010/main" val="3734596192"/>
+      </p:ext>
+    </p:extLst>
+  </p:cSld>
+  <p:clrMapOvr>
+    <a:masterClrMapping/>
+  </p:clrMapOvr>
+  <p:transition advClick="0"/>
+</p:sld>
+</file>
+
+<file path=ppt/slides/slide13.xml><?xml version="1.0" encoding="utf-8"?>
+<p:sld xmlns:a="http://schemas.openxmlformats.org/drawingml/2006/main" xmlns:r="http://schemas.openxmlformats.org/officeDocument/2006/relationships" xmlns:p="http://schemas.openxmlformats.org/presentationml/2006/main">
+  <p:cSld>
+    <p:spTree>
+      <p:nvGrpSpPr>
+        <p:cNvPr id="1" name=""/>
+        <p:cNvGrpSpPr/>
+        <p:nvPr/>
+      </p:nvGrpSpPr>
+      <p:grpSpPr>
+        <a:xfrm>
+          <a:off x="0" y="0"/>
+          <a:ext cx="0" cy="0"/>
+          <a:chOff x="0" y="0"/>
+          <a:chExt cx="0" cy="0"/>
+        </a:xfrm>
+      </p:grpSpPr>
+      <p:sp>
+        <p:nvSpPr>
+          <p:cNvPr id="4" name="Rectangle 3"/>
+          <p:cNvSpPr>
+            <a:spLocks/>
+          </p:cNvSpPr>
+          <p:nvPr/>
+        </p:nvSpPr>
+        <p:spPr bwMode="auto">
+          <a:xfrm>
+            <a:off x="0" y="228078"/>
+            <a:ext cx="9143999" cy="461665"/>
+          </a:xfrm>
+          <a:prstGeom prst="rect">
+            <a:avLst/>
+          </a:prstGeom>
+          <a:noFill/>
+          <a:ln>
+            <a:noFill/>
+          </a:ln>
+          <a:extLst>
+            <a:ext uri="{909E8E84-426E-40dd-AFC4-6F175D3DCCD1}">
+              <a14:hiddenFill xmlns="" xmlns:a14="http://schemas.microsoft.com/office/drawing/2010/main">
+                <a:solidFill>
+                  <a:srgbClr val="FFFFFF"/>
+                </a:solidFill>
+              </a14:hiddenFill>
+            </a:ext>
+            <a:ext uri="{91240B29-F687-4f45-9708-019B960494DF}">
+              <a14:hiddenLine xmlns="" xmlns:a14="http://schemas.microsoft.com/office/drawing/2010/main" w="12700">
+                <a:solidFill>
+                  <a:schemeClr val="tx1"/>
+                </a:solidFill>
+                <a:miter lim="800000"/>
+                <a:headEnd/>
+                <a:tailEnd/>
+              </a14:hiddenLine>
+            </a:ext>
+          </a:extLst>
+        </p:spPr>
+        <p:txBody>
+          <a:bodyPr wrap="square" lIns="0" tIns="0" rIns="0" bIns="0" anchor="ctr">
+            <a:spAutoFit/>
+          </a:bodyPr>
+          <a:lstStyle/>
+          <a:p>
+            <a:pPr algn="ctr"/>
+            <a:r>
+              <a:rPr lang="en-US" sz="3000" b="1" spc="113" dirty="0">
+                <a:solidFill>
+                  <a:schemeClr val="tx2"/>
+                </a:solidFill>
+                <a:latin typeface="Roboto" charset="0"/>
+                <a:ea typeface="Roboto" charset="0"/>
+                <a:cs typeface="Roboto" charset="0"/>
+                <a:sym typeface="Bebas Neue" charset="0"/>
+              </a:rPr>
+              <a:t>SOLUTION – Solving a Custom Example</a:t>
+            </a:r>
+            <a:endParaRPr lang="en-US" sz="3000" b="1" spc="113" dirty="0">
+              <a:solidFill>
+                <a:schemeClr val="accent2"/>
+              </a:solidFill>
+              <a:latin typeface="Roboto" charset="0"/>
+              <a:ea typeface="Roboto" charset="0"/>
+              <a:cs typeface="Roboto" charset="0"/>
+              <a:sym typeface="Bebas Neue" charset="0"/>
+            </a:endParaRPr>
+          </a:p>
+        </p:txBody>
+      </p:sp>
+      <p:sp>
+        <p:nvSpPr>
+          <p:cNvPr id="5" name="TextBox 4"/>
+          <p:cNvSpPr txBox="1"/>
+          <p:nvPr/>
+        </p:nvSpPr>
+        <p:spPr>
+          <a:xfrm>
+            <a:off x="428263" y="1574157"/>
+            <a:ext cx="8264324" cy="3170099"/>
+          </a:xfrm>
+          <a:prstGeom prst="rect">
+            <a:avLst/>
+          </a:prstGeom>
+          <a:noFill/>
+        </p:spPr>
+        <p:txBody>
+          <a:bodyPr wrap="square" rtlCol="0">
+            <a:spAutoFit/>
+          </a:bodyPr>
+          <a:lstStyle/>
+          <a:p>
+            <a:r>
+              <a:rPr lang="en-US" sz="2500" dirty="0">
+                <a:solidFill>
+                  <a:srgbClr val="000000"/>
+                </a:solidFill>
+              </a:rPr>
+              <a:t>What values are in lwi that are also in lines?	</a:t>
+            </a:r>
+          </a:p>
+          <a:p>
+            <a:endParaRPr lang="en-US" sz="2500" dirty="0">
+              <a:solidFill>
+                <a:srgbClr val="000000"/>
+              </a:solidFill>
+            </a:endParaRPr>
+          </a:p>
+          <a:p>
+            <a:r>
+              <a:rPr lang="en-US" sz="2500" dirty="0">
+                <a:solidFill>
+                  <a:srgbClr val="000000"/>
+                </a:solidFill>
+              </a:rPr>
+              <a:t>lines = [1, 2, 3, 5] 						</a:t>
+            </a:r>
+            <a:br>
+              <a:rPr lang="en-US" sz="2500" dirty="0">
+                <a:solidFill>
+                  <a:srgbClr val="000000"/>
+                </a:solidFill>
+              </a:rPr>
+            </a:br>
+            <a:r>
+              <a:rPr lang="en-US" sz="2500" dirty="0">
+                <a:solidFill>
+                  <a:srgbClr val="000000"/>
+                </a:solidFill>
+              </a:rPr>
+              <a:t>lwi = [5]</a:t>
+            </a:r>
+          </a:p>
+          <a:p>
+            <a:endParaRPr lang="en-US" sz="2500" dirty="0">
+              <a:solidFill>
+                <a:srgbClr val="000000"/>
+              </a:solidFill>
+            </a:endParaRPr>
+          </a:p>
+          <a:p>
+            <a:r>
+              <a:rPr lang="en-US" sz="2500" dirty="0">
+                <a:solidFill>
+                  <a:srgbClr val="FF0000"/>
+                </a:solidFill>
+              </a:rPr>
+              <a:t>lines = [1, 2, 3]</a:t>
+            </a:r>
+            <a:br>
+              <a:rPr lang="en-US" sz="2500" dirty="0">
+                <a:solidFill>
+                  <a:srgbClr val="000000"/>
+                </a:solidFill>
+              </a:rPr>
+            </a:br>
+            <a:br>
+              <a:rPr lang="en-US" sz="2500" dirty="0">
+                <a:solidFill>
+                  <a:srgbClr val="000000"/>
+                </a:solidFill>
+              </a:rPr>
+            </a:br>
+            <a:endParaRPr lang="en-US" sz="2500" dirty="0">
+              <a:solidFill>
+                <a:srgbClr val="FF0000"/>
+              </a:solidFill>
+            </a:endParaRPr>
+          </a:p>
+        </p:txBody>
+      </p:sp>
+    </p:spTree>
+    <p:extLst>
+      <p:ext uri="{BB962C8B-B14F-4D97-AF65-F5344CB8AC3E}">
+        <p14:creationId xmlns:p14="http://schemas.microsoft.com/office/powerpoint/2010/main" val="1656079511"/>
+      </p:ext>
+    </p:extLst>
+  </p:cSld>
+  <p:clrMapOvr>
+    <a:masterClrMapping/>
+  </p:clrMapOvr>
+  <p:transition advClick="0"/>
+</p:sld>
+</file>
+
+<file path=ppt/slides/slide14.xml><?xml version="1.0" encoding="utf-8"?>
+<p:sld xmlns:a="http://schemas.openxmlformats.org/drawingml/2006/main" xmlns:r="http://schemas.openxmlformats.org/officeDocument/2006/relationships" xmlns:p="http://schemas.openxmlformats.org/presentationml/2006/main">
+  <p:cSld>
+    <p:spTree>
+      <p:nvGrpSpPr>
+        <p:cNvPr id="1" name=""/>
+        <p:cNvGrpSpPr/>
+        <p:nvPr/>
+      </p:nvGrpSpPr>
+      <p:grpSpPr>
+        <a:xfrm>
+          <a:off x="0" y="0"/>
+          <a:ext cx="0" cy="0"/>
+          <a:chOff x="0" y="0"/>
+          <a:chExt cx="0" cy="0"/>
+        </a:xfrm>
+      </p:grpSpPr>
+      <p:sp>
+        <p:nvSpPr>
+          <p:cNvPr id="4" name="Rectangle 3"/>
+          <p:cNvSpPr>
+            <a:spLocks/>
+          </p:cNvSpPr>
+          <p:nvPr/>
+        </p:nvSpPr>
+        <p:spPr bwMode="auto">
+          <a:xfrm>
+            <a:off x="0" y="228078"/>
+            <a:ext cx="9143999" cy="461665"/>
+          </a:xfrm>
+          <a:prstGeom prst="rect">
+            <a:avLst/>
+          </a:prstGeom>
+          <a:noFill/>
+          <a:ln>
+            <a:noFill/>
+          </a:ln>
+          <a:extLst>
+            <a:ext uri="{909E8E84-426E-40dd-AFC4-6F175D3DCCD1}">
+              <a14:hiddenFill xmlns="" xmlns:a14="http://schemas.microsoft.com/office/drawing/2010/main">
+                <a:solidFill>
+                  <a:srgbClr val="FFFFFF"/>
+                </a:solidFill>
+              </a14:hiddenFill>
+            </a:ext>
+            <a:ext uri="{91240B29-F687-4f45-9708-019B960494DF}">
+              <a14:hiddenLine xmlns="" xmlns:a14="http://schemas.microsoft.com/office/drawing/2010/main" w="12700">
+                <a:solidFill>
+                  <a:schemeClr val="tx1"/>
+                </a:solidFill>
+                <a:miter lim="800000"/>
+                <a:headEnd/>
+                <a:tailEnd/>
+              </a14:hiddenLine>
+            </a:ext>
+          </a:extLst>
+        </p:spPr>
+        <p:txBody>
+          <a:bodyPr wrap="square" lIns="0" tIns="0" rIns="0" bIns="0" anchor="ctr">
+            <a:spAutoFit/>
+          </a:bodyPr>
+          <a:lstStyle/>
+          <a:p>
+            <a:pPr algn="ctr"/>
+            <a:r>
+              <a:rPr lang="en-US" sz="3000" b="1" spc="113" dirty="0">
+                <a:solidFill>
+                  <a:schemeClr val="tx2"/>
+                </a:solidFill>
+                <a:latin typeface="Roboto" charset="0"/>
+                <a:ea typeface="Roboto" charset="0"/>
+                <a:cs typeface="Roboto" charset="0"/>
+                <a:sym typeface="Bebas Neue" charset="0"/>
+              </a:rPr>
+              <a:t>SOLUTION – Solving a Custom Example</a:t>
+            </a:r>
+            <a:endParaRPr lang="en-US" sz="3000" b="1" spc="113" dirty="0">
+              <a:solidFill>
+                <a:schemeClr val="accent2"/>
+              </a:solidFill>
+              <a:latin typeface="Roboto" charset="0"/>
+              <a:ea typeface="Roboto" charset="0"/>
+              <a:cs typeface="Roboto" charset="0"/>
+              <a:sym typeface="Bebas Neue" charset="0"/>
+            </a:endParaRPr>
+          </a:p>
+        </p:txBody>
+      </p:sp>
+      <p:sp>
+        <p:nvSpPr>
+          <p:cNvPr id="5" name="TextBox 4"/>
+          <p:cNvSpPr txBox="1"/>
+          <p:nvPr/>
+        </p:nvSpPr>
+        <p:spPr>
+          <a:xfrm>
+            <a:off x="671331" y="527695"/>
+            <a:ext cx="8264324" cy="2015936"/>
+          </a:xfrm>
+          <a:prstGeom prst="rect">
+            <a:avLst/>
+          </a:prstGeom>
+          <a:noFill/>
+        </p:spPr>
+        <p:txBody>
+          <a:bodyPr wrap="square" rtlCol="0">
+            <a:spAutoFit/>
+          </a:bodyPr>
+          <a:lstStyle/>
+          <a:p>
+            <a:pPr algn="ctr"/>
+            <a:r>
+              <a:rPr lang="en-US" sz="2500" dirty="0">
+                <a:solidFill>
+                  <a:srgbClr val="000000"/>
+                </a:solidFill>
+              </a:rPr>
+              <a:t>						</a:t>
+            </a:r>
+            <a:br>
+              <a:rPr lang="en-US" sz="2500" dirty="0">
+                <a:solidFill>
+                  <a:srgbClr val="000000"/>
+                </a:solidFill>
+              </a:rPr>
+            </a:br>
+            <a:r>
+              <a:rPr lang="en-US" sz="2500" dirty="0">
+                <a:solidFill>
+                  <a:srgbClr val="000000"/>
+                </a:solidFill>
+              </a:rPr>
+              <a:t>lines = [1, 2, 3]</a:t>
+            </a:r>
+          </a:p>
+          <a:p>
+            <a:endParaRPr lang="en-US" sz="2500" dirty="0">
+              <a:solidFill>
+                <a:srgbClr val="000000"/>
+              </a:solidFill>
+            </a:endParaRPr>
+          </a:p>
+          <a:p>
+            <a:br>
+              <a:rPr lang="en-US" sz="2500" dirty="0">
+                <a:solidFill>
+                  <a:srgbClr val="000000"/>
+                </a:solidFill>
+              </a:rPr>
+            </a:br>
+            <a:endParaRPr lang="en-US" sz="2500" dirty="0">
+              <a:solidFill>
+                <a:srgbClr val="FF0000"/>
+              </a:solidFill>
+            </a:endParaRPr>
+          </a:p>
+        </p:txBody>
+      </p:sp>
+      <p:pic>
+        <p:nvPicPr>
+          <p:cNvPr id="2" name="Picture 1"/>
+          <p:cNvPicPr>
+            <a:picLocks noChangeAspect="1"/>
+          </p:cNvPicPr>
+          <p:nvPr/>
+        </p:nvPicPr>
+        <p:blipFill>
+          <a:blip r:embed="rId3" cstate="email">
+            <a:extLst>
+              <a:ext uri="{28A0092B-C50C-407E-A947-70E740481C1C}">
+                <a14:useLocalDpi xmlns:a14="http://schemas.microsoft.com/office/drawing/2010/main" val="0"/>
+              </a:ext>
+            </a:extLst>
+          </a:blip>
+          <a:stretch>
+            <a:fillRect/>
+          </a:stretch>
+        </p:blipFill>
+        <p:spPr>
+          <a:xfrm>
+            <a:off x="2370618" y="1546220"/>
+            <a:ext cx="4875133" cy="3402938"/>
+          </a:xfrm>
+          <a:prstGeom prst="rect">
+            <a:avLst/>
+          </a:prstGeom>
+        </p:spPr>
+      </p:pic>
+    </p:spTree>
+    <p:extLst>
+      <p:ext uri="{BB962C8B-B14F-4D97-AF65-F5344CB8AC3E}">
+        <p14:creationId xmlns:p14="http://schemas.microsoft.com/office/powerpoint/2010/main" val="4272124493"/>
+      </p:ext>
+    </p:extLst>
+  </p:cSld>
+  <p:clrMapOvr>
+    <a:masterClrMapping/>
+  </p:clrMapOvr>
+  <p:transition advClick="0"/>
+</p:sld>
+</file>
+
+<file path=ppt/slides/slide15.xml><?xml version="1.0" encoding="utf-8"?>
+<p:sld xmlns:a="http://schemas.openxmlformats.org/drawingml/2006/main" xmlns:r="http://schemas.openxmlformats.org/officeDocument/2006/relationships" xmlns:p="http://schemas.openxmlformats.org/presentationml/2006/main">
+  <p:cSld>
+    <p:spTree>
+      <p:nvGrpSpPr>
+        <p:cNvPr id="1" name=""/>
+        <p:cNvGrpSpPr/>
+        <p:nvPr/>
+      </p:nvGrpSpPr>
+      <p:grpSpPr>
+        <a:xfrm>
+          <a:off x="0" y="0"/>
+          <a:ext cx="0" cy="0"/>
+          <a:chOff x="0" y="0"/>
+          <a:chExt cx="0" cy="0"/>
+        </a:xfrm>
+      </p:grpSpPr>
+      <p:sp>
+        <p:nvSpPr>
+          <p:cNvPr id="4" name="Rectangle 3"/>
+          <p:cNvSpPr>
+            <a:spLocks/>
+          </p:cNvSpPr>
+          <p:nvPr/>
+        </p:nvSpPr>
+        <p:spPr bwMode="auto">
+          <a:xfrm>
+            <a:off x="0" y="228078"/>
+            <a:ext cx="9143999" cy="461665"/>
+          </a:xfrm>
+          <a:prstGeom prst="rect">
+            <a:avLst/>
+          </a:prstGeom>
+          <a:noFill/>
+          <a:ln>
+            <a:noFill/>
+          </a:ln>
+          <a:extLst>
+            <a:ext uri="{909E8E84-426E-40dd-AFC4-6F175D3DCCD1}">
+              <a14:hiddenFill xmlns="" xmlns:a14="http://schemas.microsoft.com/office/drawing/2010/main">
+                <a:solidFill>
+                  <a:srgbClr val="FFFFFF"/>
+                </a:solidFill>
+              </a14:hiddenFill>
+            </a:ext>
+            <a:ext uri="{91240B29-F687-4f45-9708-019B960494DF}">
+              <a14:hiddenLine xmlns="" xmlns:a14="http://schemas.microsoft.com/office/drawing/2010/main" w="12700">
+                <a:solidFill>
+                  <a:schemeClr val="tx1"/>
+                </a:solidFill>
+                <a:miter lim="800000"/>
+                <a:headEnd/>
+                <a:tailEnd/>
+              </a14:hiddenLine>
+            </a:ext>
+          </a:extLst>
+        </p:spPr>
+        <p:txBody>
+          <a:bodyPr wrap="square" lIns="0" tIns="0" rIns="0" bIns="0" anchor="ctr">
+            <a:spAutoFit/>
+          </a:bodyPr>
+          <a:lstStyle/>
+          <a:p>
+            <a:pPr algn="ctr"/>
+            <a:r>
+              <a:rPr lang="en-US" sz="3000" b="1" spc="113" dirty="0">
+                <a:solidFill>
+                  <a:schemeClr val="tx2"/>
+                </a:solidFill>
+                <a:latin typeface="Roboto" charset="0"/>
+                <a:ea typeface="Roboto" charset="0"/>
+                <a:cs typeface="Roboto" charset="0"/>
+                <a:sym typeface="Bebas Neue" charset="0"/>
+              </a:rPr>
+              <a:t>SOLUTION – Solving a Custom Example</a:t>
+            </a:r>
+            <a:endParaRPr lang="en-US" sz="3000" b="1" spc="113" dirty="0">
+              <a:solidFill>
+                <a:schemeClr val="accent2"/>
+              </a:solidFill>
+              <a:latin typeface="Roboto" charset="0"/>
+              <a:ea typeface="Roboto" charset="0"/>
+              <a:cs typeface="Roboto" charset="0"/>
+              <a:sym typeface="Bebas Neue" charset="0"/>
+            </a:endParaRPr>
+          </a:p>
+        </p:txBody>
+      </p:sp>
+      <p:sp>
+        <p:nvSpPr>
+          <p:cNvPr id="5" name="TextBox 4"/>
+          <p:cNvSpPr txBox="1"/>
+          <p:nvPr/>
+        </p:nvSpPr>
+        <p:spPr>
+          <a:xfrm>
+            <a:off x="428263" y="1307942"/>
+            <a:ext cx="8264324" cy="1631216"/>
+          </a:xfrm>
+          <a:prstGeom prst="rect">
+            <a:avLst/>
+          </a:prstGeom>
+          <a:noFill/>
+        </p:spPr>
+        <p:txBody>
+          <a:bodyPr wrap="square" rtlCol="0">
+            <a:spAutoFit/>
+          </a:bodyPr>
+          <a:lstStyle/>
+          <a:p>
+            <a:r>
+              <a:rPr lang="en-US" sz="2500" dirty="0">
+                <a:solidFill>
+                  <a:srgbClr val="000000"/>
+                </a:solidFill>
+              </a:rPr>
+              <a:t>lines = [  1,  2,  3  ]  				max_intersections = 0</a:t>
+            </a:r>
+            <a:br>
+              <a:rPr lang="en-US" sz="2500" dirty="0">
+                <a:solidFill>
+                  <a:srgbClr val="000000"/>
+                </a:solidFill>
+              </a:rPr>
+            </a:br>
+            <a:r>
+              <a:rPr lang="en-US" sz="2500" dirty="0">
+                <a:solidFill>
+                  <a:srgbClr val="000000"/>
+                </a:solidFill>
+              </a:rPr>
+              <a:t>							max_line = None</a:t>
+            </a:r>
+          </a:p>
+          <a:p>
+            <a:endParaRPr lang="en-US" sz="2500" dirty="0">
+              <a:solidFill>
+                <a:srgbClr val="000000"/>
+              </a:solidFill>
+            </a:endParaRPr>
+          </a:p>
+          <a:p>
+            <a:r>
+              <a:rPr lang="en-US" sz="2500" dirty="0">
+                <a:solidFill>
+                  <a:srgbClr val="000000"/>
+                </a:solidFill>
+              </a:rPr>
+              <a:t> 1 has 0 intersections				lwi = [5, 1]</a:t>
+            </a:r>
+            <a:endParaRPr lang="en-US" sz="2500" dirty="0">
+              <a:solidFill>
+                <a:srgbClr val="FF0000"/>
+              </a:solidFill>
+            </a:endParaRPr>
+          </a:p>
+        </p:txBody>
+      </p:sp>
+      <p:sp>
+        <p:nvSpPr>
+          <p:cNvPr id="2" name="Oval 1"/>
+          <p:cNvSpPr/>
+          <p:nvPr/>
+        </p:nvSpPr>
+        <p:spPr>
+          <a:xfrm>
+            <a:off x="1539435" y="1391449"/>
+            <a:ext cx="405114" cy="405114"/>
+          </a:xfrm>
+          <a:prstGeom prst="ellipse">
+            <a:avLst/>
+          </a:prstGeom>
+          <a:noFill/>
+          <a:ln>
+            <a:solidFill>
+              <a:srgbClr val="FF0000"/>
+            </a:solidFill>
+          </a:ln>
+        </p:spPr>
+        <p:style>
+          <a:lnRef idx="2">
+            <a:schemeClr val="accent1">
+              <a:shade val="50000"/>
+            </a:schemeClr>
+          </a:lnRef>
+          <a:fillRef idx="1">
+            <a:schemeClr val="accent1"/>
+          </a:fillRef>
+          <a:effectRef idx="0">
+            <a:schemeClr val="accent1"/>
+          </a:effectRef>
+          <a:fontRef idx="minor">
+            <a:schemeClr val="lt1"/>
+          </a:fontRef>
+        </p:style>
+        <p:txBody>
+          <a:bodyPr rtlCol="0" anchor="ctr"/>
+          <a:lstStyle/>
+          <a:p>
+            <a:pPr algn="ctr"/>
+            <a:endParaRPr lang="en-US"/>
+          </a:p>
+        </p:txBody>
+      </p:sp>
+      <p:cxnSp>
+        <p:nvCxnSpPr>
+          <p:cNvPr id="6" name="Straight Arrow Connector 5"/>
+          <p:cNvCxnSpPr>
+            <a:stCxn id="2" idx="4"/>
+          </p:cNvCxnSpPr>
+          <p:nvPr/>
+        </p:nvCxnSpPr>
+        <p:spPr>
+          <a:xfrm>
+            <a:off x="1741992" y="1796563"/>
+            <a:ext cx="0" cy="553093"/>
+          </a:xfrm>
+          <a:prstGeom prst="straightConnector1">
+            <a:avLst/>
+          </a:prstGeom>
+          <a:ln>
+            <a:solidFill>
+              <a:srgbClr val="FF0000"/>
+            </a:solidFill>
+            <a:tailEnd type="triangle"/>
+          </a:ln>
+        </p:spPr>
+        <p:style>
+          <a:lnRef idx="1">
+            <a:schemeClr val="accent1"/>
+          </a:lnRef>
+          <a:fillRef idx="0">
+            <a:schemeClr val="accent1"/>
+          </a:fillRef>
+          <a:effectRef idx="0">
+            <a:schemeClr val="accent1"/>
+          </a:effectRef>
+          <a:fontRef idx="minor">
+            <a:schemeClr val="tx1"/>
+          </a:fontRef>
+        </p:style>
+      </p:cxnSp>
+    </p:spTree>
+    <p:extLst>
+      <p:ext uri="{BB962C8B-B14F-4D97-AF65-F5344CB8AC3E}">
+        <p14:creationId xmlns:p14="http://schemas.microsoft.com/office/powerpoint/2010/main" val="2683587233"/>
+      </p:ext>
+    </p:extLst>
+  </p:cSld>
+  <p:clrMapOvr>
+    <a:masterClrMapping/>
+  </p:clrMapOvr>
+  <p:transition advClick="0"/>
+</p:sld>
+</file>
+
+<file path=ppt/slides/slide16.xml><?xml version="1.0" encoding="utf-8"?>
+<p:sld xmlns:a="http://schemas.openxmlformats.org/drawingml/2006/main" xmlns:r="http://schemas.openxmlformats.org/officeDocument/2006/relationships" xmlns:p="http://schemas.openxmlformats.org/presentationml/2006/main">
+  <p:cSld>
+    <p:spTree>
+      <p:nvGrpSpPr>
+        <p:cNvPr id="1" name=""/>
+        <p:cNvGrpSpPr/>
+        <p:nvPr/>
+      </p:nvGrpSpPr>
+      <p:grpSpPr>
+        <a:xfrm>
+          <a:off x="0" y="0"/>
+          <a:ext cx="0" cy="0"/>
+          <a:chOff x="0" y="0"/>
+          <a:chExt cx="0" cy="0"/>
+        </a:xfrm>
+      </p:grpSpPr>
+      <p:sp>
+        <p:nvSpPr>
+          <p:cNvPr id="4" name="Rectangle 3"/>
+          <p:cNvSpPr>
+            <a:spLocks/>
+          </p:cNvSpPr>
+          <p:nvPr/>
+        </p:nvSpPr>
+        <p:spPr bwMode="auto">
+          <a:xfrm>
+            <a:off x="0" y="228078"/>
+            <a:ext cx="9143999" cy="461665"/>
+          </a:xfrm>
+          <a:prstGeom prst="rect">
+            <a:avLst/>
+          </a:prstGeom>
+          <a:noFill/>
+          <a:ln>
+            <a:noFill/>
+          </a:ln>
+          <a:extLst>
+            <a:ext uri="{909E8E84-426E-40dd-AFC4-6F175D3DCCD1}">
+              <a14:hiddenFill xmlns="" xmlns:a14="http://schemas.microsoft.com/office/drawing/2010/main">
+                <a:solidFill>
+                  <a:srgbClr val="FFFFFF"/>
+                </a:solidFill>
+              </a14:hiddenFill>
+            </a:ext>
+            <a:ext uri="{91240B29-F687-4f45-9708-019B960494DF}">
+              <a14:hiddenLine xmlns="" xmlns:a14="http://schemas.microsoft.com/office/drawing/2010/main" w="12700">
+                <a:solidFill>
+                  <a:schemeClr val="tx1"/>
+                </a:solidFill>
+                <a:miter lim="800000"/>
+                <a:headEnd/>
+                <a:tailEnd/>
+              </a14:hiddenLine>
+            </a:ext>
+          </a:extLst>
+        </p:spPr>
+        <p:txBody>
+          <a:bodyPr wrap="square" lIns="0" tIns="0" rIns="0" bIns="0" anchor="ctr">
+            <a:spAutoFit/>
+          </a:bodyPr>
+          <a:lstStyle/>
+          <a:p>
+            <a:pPr algn="ctr"/>
+            <a:r>
+              <a:rPr lang="en-US" sz="3000" b="1" spc="113" dirty="0">
+                <a:solidFill>
+                  <a:schemeClr val="tx2"/>
+                </a:solidFill>
+                <a:latin typeface="Roboto" charset="0"/>
+                <a:ea typeface="Roboto" charset="0"/>
+                <a:cs typeface="Roboto" charset="0"/>
+                <a:sym typeface="Bebas Neue" charset="0"/>
+              </a:rPr>
+              <a:t>SOLUTION – Solving a Custom Example</a:t>
+            </a:r>
+            <a:endParaRPr lang="en-US" sz="3000" b="1" spc="113" dirty="0">
+              <a:solidFill>
+                <a:schemeClr val="accent2"/>
+              </a:solidFill>
+              <a:latin typeface="Roboto" charset="0"/>
+              <a:ea typeface="Roboto" charset="0"/>
+              <a:cs typeface="Roboto" charset="0"/>
+              <a:sym typeface="Bebas Neue" charset="0"/>
+            </a:endParaRPr>
+          </a:p>
+        </p:txBody>
+      </p:sp>
+      <p:sp>
+        <p:nvSpPr>
+          <p:cNvPr id="5" name="TextBox 4"/>
+          <p:cNvSpPr txBox="1"/>
+          <p:nvPr/>
+        </p:nvSpPr>
+        <p:spPr>
+          <a:xfrm>
+            <a:off x="428263" y="1307942"/>
+            <a:ext cx="8264324" cy="2015936"/>
+          </a:xfrm>
+          <a:prstGeom prst="rect">
+            <a:avLst/>
+          </a:prstGeom>
+          <a:noFill/>
+        </p:spPr>
+        <p:txBody>
+          <a:bodyPr wrap="square" rtlCol="0">
+            <a:spAutoFit/>
+          </a:bodyPr>
+          <a:lstStyle/>
+          <a:p>
+            <a:r>
+              <a:rPr lang="en-US" sz="2500" dirty="0">
+                <a:solidFill>
+                  <a:srgbClr val="000000"/>
+                </a:solidFill>
+              </a:rPr>
+              <a:t>lines = [  1,  2,  3  ]  				max_intersections = 0</a:t>
+            </a:r>
+            <a:br>
+              <a:rPr lang="en-US" sz="2500" dirty="0">
+                <a:solidFill>
+                  <a:srgbClr val="000000"/>
+                </a:solidFill>
+              </a:rPr>
+            </a:br>
+            <a:r>
+              <a:rPr lang="en-US" sz="2500" dirty="0">
+                <a:solidFill>
+                  <a:srgbClr val="000000"/>
+                </a:solidFill>
+              </a:rPr>
+              <a:t>							max_line = None</a:t>
+            </a:r>
+          </a:p>
+          <a:p>
+            <a:endParaRPr lang="en-US" sz="2500" dirty="0">
+              <a:solidFill>
+                <a:srgbClr val="000000"/>
+              </a:solidFill>
+            </a:endParaRPr>
+          </a:p>
+          <a:p>
+            <a:r>
+              <a:rPr lang="en-US" sz="2500" dirty="0">
+                <a:solidFill>
+                  <a:srgbClr val="000000"/>
+                </a:solidFill>
+              </a:rPr>
+              <a:t> 2 has 1 intersection				max_intersections = </a:t>
+            </a:r>
+            <a:r>
+              <a:rPr lang="en-US" sz="2500" dirty="0">
+                <a:solidFill>
+                  <a:srgbClr val="FF0000"/>
+                </a:solidFill>
+              </a:rPr>
+              <a:t>1</a:t>
+            </a:r>
+            <a:br>
+              <a:rPr lang="en-US" sz="2500" dirty="0">
+                <a:solidFill>
+                  <a:srgbClr val="000000"/>
+                </a:solidFill>
+              </a:rPr>
+            </a:br>
+            <a:r>
+              <a:rPr lang="en-US" sz="2500" dirty="0">
+                <a:solidFill>
+                  <a:srgbClr val="000000"/>
+                </a:solidFill>
+              </a:rPr>
+              <a:t>							max_line = </a:t>
+            </a:r>
+            <a:r>
+              <a:rPr lang="en-US" sz="2500" dirty="0">
+                <a:solidFill>
+                  <a:srgbClr val="FF0000"/>
+                </a:solidFill>
+              </a:rPr>
+              <a:t>Line 2 object</a:t>
+            </a:r>
+          </a:p>
+        </p:txBody>
+      </p:sp>
+      <p:sp>
+        <p:nvSpPr>
+          <p:cNvPr id="2" name="Oval 1"/>
+          <p:cNvSpPr/>
+          <p:nvPr/>
+        </p:nvSpPr>
+        <p:spPr>
+          <a:xfrm>
+            <a:off x="1921395" y="1391449"/>
+            <a:ext cx="405114" cy="405114"/>
+          </a:xfrm>
+          <a:prstGeom prst="ellipse">
+            <a:avLst/>
+          </a:prstGeom>
+          <a:noFill/>
+          <a:ln>
+            <a:solidFill>
+              <a:srgbClr val="FF0000"/>
+            </a:solidFill>
+          </a:ln>
+        </p:spPr>
+        <p:style>
+          <a:lnRef idx="2">
+            <a:schemeClr val="accent1">
+              <a:shade val="50000"/>
+            </a:schemeClr>
+          </a:lnRef>
+          <a:fillRef idx="1">
+            <a:schemeClr val="accent1"/>
+          </a:fillRef>
+          <a:effectRef idx="0">
+            <a:schemeClr val="accent1"/>
+          </a:effectRef>
+          <a:fontRef idx="minor">
+            <a:schemeClr val="lt1"/>
+          </a:fontRef>
+        </p:style>
+        <p:txBody>
+          <a:bodyPr rtlCol="0" anchor="ctr"/>
+          <a:lstStyle/>
+          <a:p>
+            <a:pPr algn="ctr"/>
+            <a:endParaRPr lang="en-US"/>
+          </a:p>
+        </p:txBody>
+      </p:sp>
+      <p:cxnSp>
+        <p:nvCxnSpPr>
+          <p:cNvPr id="6" name="Straight Arrow Connector 5"/>
+          <p:cNvCxnSpPr>
+            <a:stCxn id="2" idx="4"/>
+          </p:cNvCxnSpPr>
+          <p:nvPr/>
+        </p:nvCxnSpPr>
+        <p:spPr>
+          <a:xfrm>
+            <a:off x="2123952" y="1796563"/>
+            <a:ext cx="0" cy="553093"/>
+          </a:xfrm>
+          <a:prstGeom prst="straightConnector1">
+            <a:avLst/>
+          </a:prstGeom>
+          <a:ln>
+            <a:solidFill>
+              <a:srgbClr val="FF0000"/>
+            </a:solidFill>
+            <a:tailEnd type="triangle"/>
+          </a:ln>
+        </p:spPr>
+        <p:style>
+          <a:lnRef idx="1">
+            <a:schemeClr val="accent1"/>
+          </a:lnRef>
+          <a:fillRef idx="0">
+            <a:schemeClr val="accent1"/>
+          </a:fillRef>
+          <a:effectRef idx="0">
+            <a:schemeClr val="accent1"/>
+          </a:effectRef>
+          <a:fontRef idx="minor">
+            <a:schemeClr val="tx1"/>
+          </a:fontRef>
+        </p:style>
+      </p:cxnSp>
+    </p:spTree>
+    <p:extLst>
+      <p:ext uri="{BB962C8B-B14F-4D97-AF65-F5344CB8AC3E}">
+        <p14:creationId xmlns:p14="http://schemas.microsoft.com/office/powerpoint/2010/main" val="2088086186"/>
+      </p:ext>
+    </p:extLst>
+  </p:cSld>
+  <p:clrMapOvr>
+    <a:masterClrMapping/>
+  </p:clrMapOvr>
+  <p:transition advClick="0"/>
+</p:sld>
+</file>
+
+<file path=ppt/slides/slide17.xml><?xml version="1.0" encoding="utf-8"?>
+<p:sld xmlns:a="http://schemas.openxmlformats.org/drawingml/2006/main" xmlns:r="http://schemas.openxmlformats.org/officeDocument/2006/relationships" xmlns:p="http://schemas.openxmlformats.org/presentationml/2006/main">
+  <p:cSld>
+    <p:spTree>
+      <p:nvGrpSpPr>
+        <p:cNvPr id="1" name=""/>
+        <p:cNvGrpSpPr/>
+        <p:nvPr/>
+      </p:nvGrpSpPr>
+      <p:grpSpPr>
+        <a:xfrm>
+          <a:off x="0" y="0"/>
+          <a:ext cx="0" cy="0"/>
+          <a:chOff x="0" y="0"/>
+          <a:chExt cx="0" cy="0"/>
+        </a:xfrm>
+      </p:grpSpPr>
+      <p:sp>
+        <p:nvSpPr>
+          <p:cNvPr id="4" name="Rectangle 3"/>
+          <p:cNvSpPr>
+            <a:spLocks/>
+          </p:cNvSpPr>
+          <p:nvPr/>
+        </p:nvSpPr>
+        <p:spPr bwMode="auto">
+          <a:xfrm>
+            <a:off x="0" y="228078"/>
+            <a:ext cx="9143999" cy="461665"/>
+          </a:xfrm>
+          <a:prstGeom prst="rect">
+            <a:avLst/>
+          </a:prstGeom>
+          <a:noFill/>
+          <a:ln>
+            <a:noFill/>
+          </a:ln>
+          <a:extLst>
+            <a:ext uri="{909E8E84-426E-40dd-AFC4-6F175D3DCCD1}">
+              <a14:hiddenFill xmlns="" xmlns:a14="http://schemas.microsoft.com/office/drawing/2010/main">
+                <a:solidFill>
+                  <a:srgbClr val="FFFFFF"/>
+                </a:solidFill>
+              </a14:hiddenFill>
+            </a:ext>
+            <a:ext uri="{91240B29-F687-4f45-9708-019B960494DF}">
+              <a14:hiddenLine xmlns="" xmlns:a14="http://schemas.microsoft.com/office/drawing/2010/main" w="12700">
+                <a:solidFill>
+                  <a:schemeClr val="tx1"/>
+                </a:solidFill>
+                <a:miter lim="800000"/>
+                <a:headEnd/>
+                <a:tailEnd/>
+              </a14:hiddenLine>
+            </a:ext>
+          </a:extLst>
+        </p:spPr>
+        <p:txBody>
+          <a:bodyPr wrap="square" lIns="0" tIns="0" rIns="0" bIns="0" anchor="ctr">
+            <a:spAutoFit/>
+          </a:bodyPr>
+          <a:lstStyle/>
+          <a:p>
+            <a:pPr algn="ctr"/>
+            <a:r>
+              <a:rPr lang="en-US" sz="3000" b="1" spc="113" dirty="0">
+                <a:solidFill>
+                  <a:schemeClr val="tx2"/>
+                </a:solidFill>
+                <a:latin typeface="Roboto" charset="0"/>
+                <a:ea typeface="Roboto" charset="0"/>
+                <a:cs typeface="Roboto" charset="0"/>
+                <a:sym typeface="Bebas Neue" charset="0"/>
+              </a:rPr>
+              <a:t>SOLUTION – Solving a Custom Example</a:t>
+            </a:r>
+            <a:endParaRPr lang="en-US" sz="3000" b="1" spc="113" dirty="0">
+              <a:solidFill>
+                <a:schemeClr val="accent2"/>
+              </a:solidFill>
+              <a:latin typeface="Roboto" charset="0"/>
+              <a:ea typeface="Roboto" charset="0"/>
+              <a:cs typeface="Roboto" charset="0"/>
+              <a:sym typeface="Bebas Neue" charset="0"/>
+            </a:endParaRPr>
+          </a:p>
+        </p:txBody>
+      </p:sp>
+      <p:sp>
+        <p:nvSpPr>
+          <p:cNvPr id="5" name="TextBox 4"/>
+          <p:cNvSpPr txBox="1"/>
+          <p:nvPr/>
+        </p:nvSpPr>
+        <p:spPr>
+          <a:xfrm>
+            <a:off x="428263" y="1307942"/>
+            <a:ext cx="8264324" cy="2015936"/>
+          </a:xfrm>
+          <a:prstGeom prst="rect">
+            <a:avLst/>
+          </a:prstGeom>
+          <a:noFill/>
+        </p:spPr>
+        <p:txBody>
+          <a:bodyPr wrap="square" rtlCol="0">
+            <a:spAutoFit/>
+          </a:bodyPr>
+          <a:lstStyle/>
+          <a:p>
+            <a:r>
+              <a:rPr lang="en-US" sz="2500" dirty="0">
+                <a:solidFill>
+                  <a:srgbClr val="000000"/>
+                </a:solidFill>
+              </a:rPr>
+              <a:t>lines = [  1,  2,  3  ]  				max_intersections = 1</a:t>
+            </a:r>
+            <a:br>
+              <a:rPr lang="en-US" sz="2500" dirty="0">
+                <a:solidFill>
+                  <a:srgbClr val="000000"/>
+                </a:solidFill>
+              </a:rPr>
+            </a:br>
+            <a:r>
+              <a:rPr lang="en-US" sz="2500" dirty="0">
+                <a:solidFill>
+                  <a:srgbClr val="000000"/>
+                </a:solidFill>
+              </a:rPr>
+              <a:t>							max_line = Line 2 object</a:t>
+            </a:r>
+          </a:p>
+          <a:p>
+            <a:endParaRPr lang="en-US" sz="2500" dirty="0">
+              <a:solidFill>
+                <a:srgbClr val="000000"/>
+              </a:solidFill>
+            </a:endParaRPr>
+          </a:p>
+          <a:p>
+            <a:r>
+              <a:rPr lang="en-US" sz="2500" dirty="0">
+                <a:solidFill>
+                  <a:srgbClr val="000000"/>
+                </a:solidFill>
+              </a:rPr>
+              <a:t> 3 has 1 intersection				max_intersections = </a:t>
+            </a:r>
+            <a:r>
+              <a:rPr lang="en-US" sz="2500" dirty="0">
+                <a:solidFill>
+                  <a:srgbClr val="FF0000"/>
+                </a:solidFill>
+              </a:rPr>
+              <a:t>1</a:t>
+            </a:r>
+            <a:br>
+              <a:rPr lang="en-US" sz="2500" dirty="0">
+                <a:solidFill>
+                  <a:srgbClr val="000000"/>
+                </a:solidFill>
+              </a:rPr>
+            </a:br>
+            <a:r>
+              <a:rPr lang="en-US" sz="2500" dirty="0">
+                <a:solidFill>
+                  <a:srgbClr val="000000"/>
+                </a:solidFill>
+              </a:rPr>
+              <a:t>							max_line = </a:t>
+            </a:r>
+            <a:r>
+              <a:rPr lang="en-US" sz="2500" dirty="0">
+                <a:solidFill>
+                  <a:srgbClr val="FF0000"/>
+                </a:solidFill>
+              </a:rPr>
+              <a:t>Line 3 object</a:t>
+            </a:r>
+          </a:p>
+        </p:txBody>
+      </p:sp>
+      <p:sp>
+        <p:nvSpPr>
+          <p:cNvPr id="2" name="Oval 1"/>
+          <p:cNvSpPr/>
+          <p:nvPr/>
+        </p:nvSpPr>
+        <p:spPr>
+          <a:xfrm>
+            <a:off x="2291789" y="1391449"/>
+            <a:ext cx="405114" cy="405114"/>
+          </a:xfrm>
+          <a:prstGeom prst="ellipse">
+            <a:avLst/>
+          </a:prstGeom>
+          <a:noFill/>
+          <a:ln>
+            <a:solidFill>
+              <a:srgbClr val="FF0000"/>
+            </a:solidFill>
+          </a:ln>
+        </p:spPr>
+        <p:style>
+          <a:lnRef idx="2">
+            <a:schemeClr val="accent1">
+              <a:shade val="50000"/>
+            </a:schemeClr>
+          </a:lnRef>
+          <a:fillRef idx="1">
+            <a:schemeClr val="accent1"/>
+          </a:fillRef>
+          <a:effectRef idx="0">
+            <a:schemeClr val="accent1"/>
+          </a:effectRef>
+          <a:fontRef idx="minor">
+            <a:schemeClr val="lt1"/>
+          </a:fontRef>
+        </p:style>
+        <p:txBody>
+          <a:bodyPr rtlCol="0" anchor="ctr"/>
+          <a:lstStyle/>
+          <a:p>
+            <a:pPr algn="ctr"/>
+            <a:endParaRPr lang="en-US"/>
+          </a:p>
+        </p:txBody>
+      </p:sp>
+      <p:cxnSp>
+        <p:nvCxnSpPr>
+          <p:cNvPr id="6" name="Straight Arrow Connector 5"/>
+          <p:cNvCxnSpPr>
+            <a:stCxn id="2" idx="4"/>
+          </p:cNvCxnSpPr>
+          <p:nvPr/>
+        </p:nvCxnSpPr>
+        <p:spPr>
+          <a:xfrm>
+            <a:off x="2494346" y="1796563"/>
+            <a:ext cx="0" cy="553093"/>
+          </a:xfrm>
+          <a:prstGeom prst="straightConnector1">
+            <a:avLst/>
+          </a:prstGeom>
+          <a:ln>
+            <a:solidFill>
+              <a:srgbClr val="FF0000"/>
+            </a:solidFill>
+            <a:tailEnd type="triangle"/>
+          </a:ln>
+        </p:spPr>
+        <p:style>
+          <a:lnRef idx="1">
+            <a:schemeClr val="accent1"/>
+          </a:lnRef>
+          <a:fillRef idx="0">
+            <a:schemeClr val="accent1"/>
+          </a:fillRef>
+          <a:effectRef idx="0">
+            <a:schemeClr val="accent1"/>
+          </a:effectRef>
+          <a:fontRef idx="minor">
+            <a:schemeClr val="tx1"/>
+          </a:fontRef>
+        </p:style>
+      </p:cxnSp>
+    </p:spTree>
+    <p:extLst>
+      <p:ext uri="{BB962C8B-B14F-4D97-AF65-F5344CB8AC3E}">
+        <p14:creationId xmlns:p14="http://schemas.microsoft.com/office/powerpoint/2010/main" val="4093512773"/>
+      </p:ext>
+    </p:extLst>
+  </p:cSld>
+  <p:clrMapOvr>
+    <a:masterClrMapping/>
+  </p:clrMapOvr>
+  <p:transition advClick="0"/>
+</p:sld>
+</file>
+
+<file path=ppt/slides/slide18.xml><?xml version="1.0" encoding="utf-8"?>
+<p:sld xmlns:a="http://schemas.openxmlformats.org/drawingml/2006/main" xmlns:r="http://schemas.openxmlformats.org/officeDocument/2006/relationships" xmlns:p="http://schemas.openxmlformats.org/presentationml/2006/main">
+  <p:cSld>
+    <p:spTree>
+      <p:nvGrpSpPr>
+        <p:cNvPr id="1" name=""/>
+        <p:cNvGrpSpPr/>
+        <p:nvPr/>
+      </p:nvGrpSpPr>
+      <p:grpSpPr>
+        <a:xfrm>
+          <a:off x="0" y="0"/>
+          <a:ext cx="0" cy="0"/>
+          <a:chOff x="0" y="0"/>
+          <a:chExt cx="0" cy="0"/>
+        </a:xfrm>
+      </p:grpSpPr>
+      <p:sp>
+        <p:nvSpPr>
+          <p:cNvPr id="4" name="Rectangle 3"/>
+          <p:cNvSpPr>
+            <a:spLocks/>
+          </p:cNvSpPr>
+          <p:nvPr/>
+        </p:nvSpPr>
+        <p:spPr bwMode="auto">
+          <a:xfrm>
+            <a:off x="0" y="228078"/>
+            <a:ext cx="9143999" cy="461665"/>
+          </a:xfrm>
+          <a:prstGeom prst="rect">
+            <a:avLst/>
+          </a:prstGeom>
+          <a:noFill/>
+          <a:ln>
+            <a:noFill/>
+          </a:ln>
+          <a:extLst>
+            <a:ext uri="{909E8E84-426E-40dd-AFC4-6F175D3DCCD1}">
+              <a14:hiddenFill xmlns="" xmlns:a14="http://schemas.microsoft.com/office/drawing/2010/main">
+                <a:solidFill>
+                  <a:srgbClr val="FFFFFF"/>
+                </a:solidFill>
+              </a14:hiddenFill>
+            </a:ext>
+            <a:ext uri="{91240B29-F687-4f45-9708-019B960494DF}">
+              <a14:hiddenLine xmlns="" xmlns:a14="http://schemas.microsoft.com/office/drawing/2010/main" w="12700">
+                <a:solidFill>
+                  <a:schemeClr val="tx1"/>
+                </a:solidFill>
+                <a:miter lim="800000"/>
+                <a:headEnd/>
+                <a:tailEnd/>
+              </a14:hiddenLine>
+            </a:ext>
+          </a:extLst>
+        </p:spPr>
+        <p:txBody>
+          <a:bodyPr wrap="square" lIns="0" tIns="0" rIns="0" bIns="0" anchor="ctr">
+            <a:spAutoFit/>
+          </a:bodyPr>
+          <a:lstStyle/>
+          <a:p>
+            <a:pPr algn="ctr"/>
+            <a:r>
+              <a:rPr lang="en-US" sz="3000" b="1" spc="113" dirty="0">
+                <a:solidFill>
+                  <a:schemeClr val="tx2"/>
+                </a:solidFill>
+                <a:latin typeface="Roboto" charset="0"/>
+                <a:ea typeface="Roboto" charset="0"/>
+                <a:cs typeface="Roboto" charset="0"/>
+                <a:sym typeface="Bebas Neue" charset="0"/>
+              </a:rPr>
+              <a:t>SOLUTION – Solving a Custom Example</a:t>
+            </a:r>
+            <a:endParaRPr lang="en-US" sz="3000" b="1" spc="113" dirty="0">
+              <a:solidFill>
+                <a:schemeClr val="accent2"/>
+              </a:solidFill>
+              <a:latin typeface="Roboto" charset="0"/>
+              <a:ea typeface="Roboto" charset="0"/>
+              <a:cs typeface="Roboto" charset="0"/>
+              <a:sym typeface="Bebas Neue" charset="0"/>
+            </a:endParaRPr>
+          </a:p>
+        </p:txBody>
+      </p:sp>
+      <p:sp>
+        <p:nvSpPr>
+          <p:cNvPr id="5" name="TextBox 4"/>
+          <p:cNvSpPr txBox="1"/>
+          <p:nvPr/>
+        </p:nvSpPr>
+        <p:spPr>
+          <a:xfrm>
+            <a:off x="428263" y="1574157"/>
+            <a:ext cx="8264324" cy="2785378"/>
+          </a:xfrm>
+          <a:prstGeom prst="rect">
+            <a:avLst/>
+          </a:prstGeom>
+          <a:noFill/>
+        </p:spPr>
+        <p:txBody>
+          <a:bodyPr wrap="square" rtlCol="0">
+            <a:spAutoFit/>
+          </a:bodyPr>
+          <a:lstStyle/>
+          <a:p>
+            <a:r>
+              <a:rPr lang="en-US" sz="2500" dirty="0">
+                <a:solidFill>
+                  <a:srgbClr val="000000"/>
+                </a:solidFill>
+              </a:rPr>
+              <a:t>Does max_line hold something?	max_intersections = 1</a:t>
+            </a:r>
+            <a:br>
+              <a:rPr lang="en-US" sz="2500" dirty="0">
+                <a:solidFill>
+                  <a:srgbClr val="000000"/>
+                </a:solidFill>
+              </a:rPr>
+            </a:br>
+            <a:r>
+              <a:rPr lang="en-US" sz="2500" dirty="0">
+                <a:solidFill>
+                  <a:srgbClr val="000000"/>
+                </a:solidFill>
+              </a:rPr>
+              <a:t>							</a:t>
+            </a:r>
+            <a:r>
+              <a:rPr lang="en-US" sz="2500" dirty="0">
+                <a:solidFill>
+                  <a:srgbClr val="FF0000"/>
+                </a:solidFill>
+              </a:rPr>
+              <a:t>max_line = Line 3 object</a:t>
+            </a:r>
+          </a:p>
+          <a:p>
+            <a:endParaRPr lang="en-US" sz="2500" dirty="0">
+              <a:solidFill>
+                <a:srgbClr val="000000"/>
+              </a:solidFill>
+            </a:endParaRPr>
+          </a:p>
+          <a:p>
+            <a:r>
+              <a:rPr lang="en-US" sz="2500" dirty="0">
+                <a:solidFill>
+                  <a:srgbClr val="000000"/>
+                </a:solidFill>
+              </a:rPr>
+              <a:t>lines = [1, 2, 3] </a:t>
+            </a:r>
+            <a:r>
+              <a:rPr lang="en-US" sz="2500" dirty="0">
+                <a:solidFill>
+                  <a:srgbClr val="000000"/>
+                </a:solidFill>
+                <a:sym typeface="Wingdings" panose="05000000000000000000" pitchFamily="2" charset="2"/>
+              </a:rPr>
+              <a:t> lines = [1, 2]</a:t>
+            </a:r>
+            <a:r>
+              <a:rPr lang="en-US" sz="2500" dirty="0">
+                <a:solidFill>
+                  <a:srgbClr val="000000"/>
+                </a:solidFill>
+              </a:rPr>
+              <a:t> 						</a:t>
+            </a:r>
+          </a:p>
+          <a:p>
+            <a:br>
+              <a:rPr lang="en-US" sz="2500" dirty="0">
+                <a:solidFill>
+                  <a:srgbClr val="000000"/>
+                </a:solidFill>
+              </a:rPr>
+            </a:br>
+            <a:br>
+              <a:rPr lang="en-US" sz="2500" dirty="0">
+                <a:solidFill>
+                  <a:srgbClr val="000000"/>
+                </a:solidFill>
+              </a:rPr>
+            </a:br>
+            <a:endParaRPr lang="en-US" sz="2500" dirty="0">
+              <a:solidFill>
+                <a:srgbClr val="FF0000"/>
+              </a:solidFill>
+            </a:endParaRPr>
+          </a:p>
+        </p:txBody>
+      </p:sp>
+    </p:spTree>
+    <p:extLst>
+      <p:ext uri="{BB962C8B-B14F-4D97-AF65-F5344CB8AC3E}">
+        <p14:creationId xmlns:p14="http://schemas.microsoft.com/office/powerpoint/2010/main" val="2420654969"/>
+      </p:ext>
+    </p:extLst>
+  </p:cSld>
+  <p:clrMapOvr>
+    <a:masterClrMapping/>
+  </p:clrMapOvr>
+  <p:transition advClick="0"/>
+</p:sld>
+</file>
+
+<file path=ppt/slides/slide19.xml><?xml version="1.0" encoding="utf-8"?>
+<p:sld xmlns:a="http://schemas.openxmlformats.org/drawingml/2006/main" xmlns:r="http://schemas.openxmlformats.org/officeDocument/2006/relationships" xmlns:p="http://schemas.openxmlformats.org/presentationml/2006/main">
+  <p:cSld>
+    <p:spTree>
+      <p:nvGrpSpPr>
+        <p:cNvPr id="1" name=""/>
+        <p:cNvGrpSpPr/>
+        <p:nvPr/>
+      </p:nvGrpSpPr>
+      <p:grpSpPr>
+        <a:xfrm>
+          <a:off x="0" y="0"/>
+          <a:ext cx="0" cy="0"/>
+          <a:chOff x="0" y="0"/>
+          <a:chExt cx="0" cy="0"/>
+        </a:xfrm>
+      </p:grpSpPr>
+      <p:sp>
+        <p:nvSpPr>
+          <p:cNvPr id="4" name="Rectangle 3"/>
+          <p:cNvSpPr>
+            <a:spLocks/>
+          </p:cNvSpPr>
+          <p:nvPr/>
+        </p:nvSpPr>
+        <p:spPr bwMode="auto">
+          <a:xfrm>
+            <a:off x="0" y="228078"/>
+            <a:ext cx="9143999" cy="461665"/>
+          </a:xfrm>
+          <a:prstGeom prst="rect">
+            <a:avLst/>
+          </a:prstGeom>
+          <a:noFill/>
+          <a:ln>
+            <a:noFill/>
+          </a:ln>
+          <a:extLst>
+            <a:ext uri="{909E8E84-426E-40dd-AFC4-6F175D3DCCD1}">
+              <a14:hiddenFill xmlns="" xmlns:a14="http://schemas.microsoft.com/office/drawing/2010/main">
+                <a:solidFill>
+                  <a:srgbClr val="FFFFFF"/>
+                </a:solidFill>
+              </a14:hiddenFill>
+            </a:ext>
+            <a:ext uri="{91240B29-F687-4f45-9708-019B960494DF}">
+              <a14:hiddenLine xmlns="" xmlns:a14="http://schemas.microsoft.com/office/drawing/2010/main" w="12700">
+                <a:solidFill>
+                  <a:schemeClr val="tx1"/>
+                </a:solidFill>
+                <a:miter lim="800000"/>
+                <a:headEnd/>
+                <a:tailEnd/>
+              </a14:hiddenLine>
+            </a:ext>
+          </a:extLst>
+        </p:spPr>
+        <p:txBody>
+          <a:bodyPr wrap="square" lIns="0" tIns="0" rIns="0" bIns="0" anchor="ctr">
+            <a:spAutoFit/>
+          </a:bodyPr>
+          <a:lstStyle/>
+          <a:p>
+            <a:pPr algn="ctr"/>
+            <a:r>
+              <a:rPr lang="en-US" sz="3000" b="1" spc="113" dirty="0">
+                <a:solidFill>
+                  <a:schemeClr val="tx2"/>
+                </a:solidFill>
+                <a:latin typeface="Roboto" charset="0"/>
+                <a:ea typeface="Roboto" charset="0"/>
+                <a:cs typeface="Roboto" charset="0"/>
+                <a:sym typeface="Bebas Neue" charset="0"/>
+              </a:rPr>
+              <a:t>SOLUTION – Solving a Custom Example</a:t>
+            </a:r>
+            <a:endParaRPr lang="en-US" sz="3000" b="1" spc="113" dirty="0">
+              <a:solidFill>
+                <a:schemeClr val="accent2"/>
+              </a:solidFill>
+              <a:latin typeface="Roboto" charset="0"/>
+              <a:ea typeface="Roboto" charset="0"/>
+              <a:cs typeface="Roboto" charset="0"/>
+              <a:sym typeface="Bebas Neue" charset="0"/>
+            </a:endParaRPr>
+          </a:p>
+        </p:txBody>
+      </p:sp>
+      <p:sp>
+        <p:nvSpPr>
+          <p:cNvPr id="5" name="TextBox 4"/>
+          <p:cNvSpPr txBox="1"/>
+          <p:nvPr/>
+        </p:nvSpPr>
+        <p:spPr>
+          <a:xfrm>
+            <a:off x="428263" y="1574157"/>
+            <a:ext cx="8264324" cy="3170099"/>
+          </a:xfrm>
+          <a:prstGeom prst="rect">
+            <a:avLst/>
+          </a:prstGeom>
+          <a:noFill/>
+        </p:spPr>
+        <p:txBody>
+          <a:bodyPr wrap="square" rtlCol="0">
+            <a:spAutoFit/>
+          </a:bodyPr>
+          <a:lstStyle/>
+          <a:p>
+            <a:r>
+              <a:rPr lang="en-US" sz="2500" dirty="0">
+                <a:solidFill>
+                  <a:srgbClr val="000000"/>
+                </a:solidFill>
+              </a:rPr>
+              <a:t>What values are in lwi that are also in lines?	</a:t>
+            </a:r>
+          </a:p>
+          <a:p>
+            <a:endParaRPr lang="en-US" sz="2500" dirty="0">
+              <a:solidFill>
+                <a:srgbClr val="000000"/>
+              </a:solidFill>
+            </a:endParaRPr>
+          </a:p>
+          <a:p>
+            <a:r>
+              <a:rPr lang="en-US" sz="2500" dirty="0">
+                <a:solidFill>
+                  <a:srgbClr val="000000"/>
+                </a:solidFill>
+              </a:rPr>
+              <a:t>lines = [1, 2] 						</a:t>
+            </a:r>
+            <a:br>
+              <a:rPr lang="en-US" sz="2500" dirty="0">
+                <a:solidFill>
+                  <a:srgbClr val="000000"/>
+                </a:solidFill>
+              </a:rPr>
+            </a:br>
+            <a:r>
+              <a:rPr lang="en-US" sz="2500" dirty="0">
+                <a:solidFill>
+                  <a:srgbClr val="000000"/>
+                </a:solidFill>
+              </a:rPr>
+              <a:t>lwi = [5, 1]</a:t>
+            </a:r>
+          </a:p>
+          <a:p>
+            <a:endParaRPr lang="en-US" sz="2500" dirty="0">
+              <a:solidFill>
+                <a:srgbClr val="000000"/>
+              </a:solidFill>
+            </a:endParaRPr>
+          </a:p>
+          <a:p>
+            <a:r>
+              <a:rPr lang="en-US" sz="2500" dirty="0">
+                <a:solidFill>
+                  <a:srgbClr val="FF0000"/>
+                </a:solidFill>
+              </a:rPr>
+              <a:t>lines = [2]</a:t>
+            </a:r>
+            <a:br>
+              <a:rPr lang="en-US" sz="2500" dirty="0">
+                <a:solidFill>
+                  <a:srgbClr val="000000"/>
+                </a:solidFill>
+              </a:rPr>
+            </a:br>
+            <a:br>
+              <a:rPr lang="en-US" sz="2500" dirty="0">
+                <a:solidFill>
+                  <a:srgbClr val="000000"/>
+                </a:solidFill>
+              </a:rPr>
+            </a:br>
+            <a:endParaRPr lang="en-US" sz="2500" dirty="0">
+              <a:solidFill>
+                <a:srgbClr val="FF0000"/>
+              </a:solidFill>
+            </a:endParaRPr>
+          </a:p>
+        </p:txBody>
+      </p:sp>
+    </p:spTree>
+    <p:extLst>
+      <p:ext uri="{BB962C8B-B14F-4D97-AF65-F5344CB8AC3E}">
+        <p14:creationId xmlns:p14="http://schemas.microsoft.com/office/powerpoint/2010/main" val="3753425690"/>
+      </p:ext>
+    </p:extLst>
+  </p:cSld>
+  <p:clrMapOvr>
+    <a:masterClrMapping/>
+  </p:clrMapOvr>
+  <p:transition advClick="0"/>
+</p:sld>
+</file>
+
 <file path=ppt/slides/slide2.xml><?xml version="1.0" encoding="utf-8"?>
 <p:sld xmlns:a="http://schemas.openxmlformats.org/drawingml/2006/main" xmlns:r="http://schemas.openxmlformats.org/officeDocument/2006/relationships" xmlns:p="http://schemas.openxmlformats.org/presentationml/2006/main">
   <p:cSld>
@@ -1930,14 +5874,14 @@
           </a:ln>
           <a:extLst>
             <a:ext uri="{909E8E84-426E-40dd-AFC4-6F175D3DCCD1}">
-              <a14:hiddenFill xmlns:a14="http://schemas.microsoft.com/office/drawing/2010/main" xmlns="">
+              <a14:hiddenFill xmlns="" xmlns:a14="http://schemas.microsoft.com/office/drawing/2010/main">
                 <a:solidFill>
                   <a:srgbClr val="FFFFFF"/>
                 </a:solidFill>
               </a14:hiddenFill>
             </a:ext>
             <a:ext uri="{91240B29-F687-4f45-9708-019B960494DF}">
-              <a14:hiddenLine xmlns:a14="http://schemas.microsoft.com/office/drawing/2010/main" xmlns="" w="12700">
+              <a14:hiddenLine xmlns="" xmlns:a14="http://schemas.microsoft.com/office/drawing/2010/main" w="12700">
                 <a:solidFill>
                   <a:schemeClr val="tx1"/>
                 </a:solidFill>
@@ -3195,6 +7139,1147 @@
 </p:sld>
 </file>
 
+<file path=ppt/slides/slide20.xml><?xml version="1.0" encoding="utf-8"?>
+<p:sld xmlns:a="http://schemas.openxmlformats.org/drawingml/2006/main" xmlns:r="http://schemas.openxmlformats.org/officeDocument/2006/relationships" xmlns:p="http://schemas.openxmlformats.org/presentationml/2006/main">
+  <p:cSld>
+    <p:spTree>
+      <p:nvGrpSpPr>
+        <p:cNvPr id="1" name=""/>
+        <p:cNvGrpSpPr/>
+        <p:nvPr/>
+      </p:nvGrpSpPr>
+      <p:grpSpPr>
+        <a:xfrm>
+          <a:off x="0" y="0"/>
+          <a:ext cx="0" cy="0"/>
+          <a:chOff x="0" y="0"/>
+          <a:chExt cx="0" cy="0"/>
+        </a:xfrm>
+      </p:grpSpPr>
+      <p:sp>
+        <p:nvSpPr>
+          <p:cNvPr id="4" name="Rectangle 3"/>
+          <p:cNvSpPr>
+            <a:spLocks/>
+          </p:cNvSpPr>
+          <p:nvPr/>
+        </p:nvSpPr>
+        <p:spPr bwMode="auto">
+          <a:xfrm>
+            <a:off x="0" y="228078"/>
+            <a:ext cx="9143999" cy="461665"/>
+          </a:xfrm>
+          <a:prstGeom prst="rect">
+            <a:avLst/>
+          </a:prstGeom>
+          <a:noFill/>
+          <a:ln>
+            <a:noFill/>
+          </a:ln>
+          <a:extLst>
+            <a:ext uri="{909E8E84-426E-40dd-AFC4-6F175D3DCCD1}">
+              <a14:hiddenFill xmlns="" xmlns:a14="http://schemas.microsoft.com/office/drawing/2010/main">
+                <a:solidFill>
+                  <a:srgbClr val="FFFFFF"/>
+                </a:solidFill>
+              </a14:hiddenFill>
+            </a:ext>
+            <a:ext uri="{91240B29-F687-4f45-9708-019B960494DF}">
+              <a14:hiddenLine xmlns="" xmlns:a14="http://schemas.microsoft.com/office/drawing/2010/main" w="12700">
+                <a:solidFill>
+                  <a:schemeClr val="tx1"/>
+                </a:solidFill>
+                <a:miter lim="800000"/>
+                <a:headEnd/>
+                <a:tailEnd/>
+              </a14:hiddenLine>
+            </a:ext>
+          </a:extLst>
+        </p:spPr>
+        <p:txBody>
+          <a:bodyPr wrap="square" lIns="0" tIns="0" rIns="0" bIns="0" anchor="ctr">
+            <a:spAutoFit/>
+          </a:bodyPr>
+          <a:lstStyle/>
+          <a:p>
+            <a:pPr algn="ctr"/>
+            <a:r>
+              <a:rPr lang="en-US" sz="3000" b="1" spc="113" dirty="0">
+                <a:solidFill>
+                  <a:schemeClr val="tx2"/>
+                </a:solidFill>
+                <a:latin typeface="Roboto" charset="0"/>
+                <a:ea typeface="Roboto" charset="0"/>
+                <a:cs typeface="Roboto" charset="0"/>
+                <a:sym typeface="Bebas Neue" charset="0"/>
+              </a:rPr>
+              <a:t>SOLUTION – Solving a Custom Example</a:t>
+            </a:r>
+            <a:endParaRPr lang="en-US" sz="3000" b="1" spc="113" dirty="0">
+              <a:solidFill>
+                <a:schemeClr val="accent2"/>
+              </a:solidFill>
+              <a:latin typeface="Roboto" charset="0"/>
+              <a:ea typeface="Roboto" charset="0"/>
+              <a:cs typeface="Roboto" charset="0"/>
+              <a:sym typeface="Bebas Neue" charset="0"/>
+            </a:endParaRPr>
+          </a:p>
+        </p:txBody>
+      </p:sp>
+      <p:sp>
+        <p:nvSpPr>
+          <p:cNvPr id="5" name="TextBox 4"/>
+          <p:cNvSpPr txBox="1"/>
+          <p:nvPr/>
+        </p:nvSpPr>
+        <p:spPr>
+          <a:xfrm>
+            <a:off x="428263" y="1307942"/>
+            <a:ext cx="8264324" cy="1631216"/>
+          </a:xfrm>
+          <a:prstGeom prst="rect">
+            <a:avLst/>
+          </a:prstGeom>
+          <a:noFill/>
+        </p:spPr>
+        <p:txBody>
+          <a:bodyPr wrap="square" rtlCol="0">
+            <a:spAutoFit/>
+          </a:bodyPr>
+          <a:lstStyle/>
+          <a:p>
+            <a:r>
+              <a:rPr lang="en-US" sz="2500" dirty="0">
+                <a:solidFill>
+                  <a:srgbClr val="000000"/>
+                </a:solidFill>
+              </a:rPr>
+              <a:t>lines = [  2  ]  					max_intersections = 0</a:t>
+            </a:r>
+            <a:br>
+              <a:rPr lang="en-US" sz="2500" dirty="0">
+                <a:solidFill>
+                  <a:srgbClr val="000000"/>
+                </a:solidFill>
+              </a:rPr>
+            </a:br>
+            <a:r>
+              <a:rPr lang="en-US" sz="2500" dirty="0">
+                <a:solidFill>
+                  <a:srgbClr val="000000"/>
+                </a:solidFill>
+              </a:rPr>
+              <a:t>							max_line = None</a:t>
+            </a:r>
+          </a:p>
+          <a:p>
+            <a:endParaRPr lang="en-US" sz="2500" dirty="0">
+              <a:solidFill>
+                <a:srgbClr val="000000"/>
+              </a:solidFill>
+            </a:endParaRPr>
+          </a:p>
+          <a:p>
+            <a:r>
+              <a:rPr lang="en-US" sz="2500" dirty="0">
+                <a:solidFill>
+                  <a:srgbClr val="000000"/>
+                </a:solidFill>
+              </a:rPr>
+              <a:t> 2 has 0 intersections				lwi = [5, 1, 2]</a:t>
+            </a:r>
+            <a:endParaRPr lang="en-US" sz="2500" dirty="0">
+              <a:solidFill>
+                <a:srgbClr val="FF0000"/>
+              </a:solidFill>
+            </a:endParaRPr>
+          </a:p>
+        </p:txBody>
+      </p:sp>
+      <p:sp>
+        <p:nvSpPr>
+          <p:cNvPr id="2" name="Oval 1"/>
+          <p:cNvSpPr/>
+          <p:nvPr/>
+        </p:nvSpPr>
+        <p:spPr>
+          <a:xfrm>
+            <a:off x="1527860" y="1391449"/>
+            <a:ext cx="405114" cy="405114"/>
+          </a:xfrm>
+          <a:prstGeom prst="ellipse">
+            <a:avLst/>
+          </a:prstGeom>
+          <a:noFill/>
+          <a:ln>
+            <a:solidFill>
+              <a:srgbClr val="FF0000"/>
+            </a:solidFill>
+          </a:ln>
+        </p:spPr>
+        <p:style>
+          <a:lnRef idx="2">
+            <a:schemeClr val="accent1">
+              <a:shade val="50000"/>
+            </a:schemeClr>
+          </a:lnRef>
+          <a:fillRef idx="1">
+            <a:schemeClr val="accent1"/>
+          </a:fillRef>
+          <a:effectRef idx="0">
+            <a:schemeClr val="accent1"/>
+          </a:effectRef>
+          <a:fontRef idx="minor">
+            <a:schemeClr val="lt1"/>
+          </a:fontRef>
+        </p:style>
+        <p:txBody>
+          <a:bodyPr rtlCol="0" anchor="ctr"/>
+          <a:lstStyle/>
+          <a:p>
+            <a:pPr algn="ctr"/>
+            <a:endParaRPr lang="en-US"/>
+          </a:p>
+        </p:txBody>
+      </p:sp>
+      <p:cxnSp>
+        <p:nvCxnSpPr>
+          <p:cNvPr id="6" name="Straight Arrow Connector 5"/>
+          <p:cNvCxnSpPr>
+            <a:stCxn id="2" idx="4"/>
+          </p:cNvCxnSpPr>
+          <p:nvPr/>
+        </p:nvCxnSpPr>
+        <p:spPr>
+          <a:xfrm>
+            <a:off x="1730417" y="1796563"/>
+            <a:ext cx="0" cy="553093"/>
+          </a:xfrm>
+          <a:prstGeom prst="straightConnector1">
+            <a:avLst/>
+          </a:prstGeom>
+          <a:ln>
+            <a:solidFill>
+              <a:srgbClr val="FF0000"/>
+            </a:solidFill>
+            <a:tailEnd type="triangle"/>
+          </a:ln>
+        </p:spPr>
+        <p:style>
+          <a:lnRef idx="1">
+            <a:schemeClr val="accent1"/>
+          </a:lnRef>
+          <a:fillRef idx="0">
+            <a:schemeClr val="accent1"/>
+          </a:fillRef>
+          <a:effectRef idx="0">
+            <a:schemeClr val="accent1"/>
+          </a:effectRef>
+          <a:fontRef idx="minor">
+            <a:schemeClr val="tx1"/>
+          </a:fontRef>
+        </p:style>
+      </p:cxnSp>
+    </p:spTree>
+    <p:extLst>
+      <p:ext uri="{BB962C8B-B14F-4D97-AF65-F5344CB8AC3E}">
+        <p14:creationId xmlns:p14="http://schemas.microsoft.com/office/powerpoint/2010/main" val="2759123187"/>
+      </p:ext>
+    </p:extLst>
+  </p:cSld>
+  <p:clrMapOvr>
+    <a:masterClrMapping/>
+  </p:clrMapOvr>
+  <p:transition advClick="0"/>
+</p:sld>
+</file>
+
+<file path=ppt/slides/slide21.xml><?xml version="1.0" encoding="utf-8"?>
+<p:sld xmlns:a="http://schemas.openxmlformats.org/drawingml/2006/main" xmlns:r="http://schemas.openxmlformats.org/officeDocument/2006/relationships" xmlns:p="http://schemas.openxmlformats.org/presentationml/2006/main">
+  <p:cSld>
+    <p:spTree>
+      <p:nvGrpSpPr>
+        <p:cNvPr id="1" name=""/>
+        <p:cNvGrpSpPr/>
+        <p:nvPr/>
+      </p:nvGrpSpPr>
+      <p:grpSpPr>
+        <a:xfrm>
+          <a:off x="0" y="0"/>
+          <a:ext cx="0" cy="0"/>
+          <a:chOff x="0" y="0"/>
+          <a:chExt cx="0" cy="0"/>
+        </a:xfrm>
+      </p:grpSpPr>
+      <p:sp>
+        <p:nvSpPr>
+          <p:cNvPr id="4" name="Rectangle 3"/>
+          <p:cNvSpPr>
+            <a:spLocks/>
+          </p:cNvSpPr>
+          <p:nvPr/>
+        </p:nvSpPr>
+        <p:spPr bwMode="auto">
+          <a:xfrm>
+            <a:off x="0" y="228078"/>
+            <a:ext cx="9143999" cy="461665"/>
+          </a:xfrm>
+          <a:prstGeom prst="rect">
+            <a:avLst/>
+          </a:prstGeom>
+          <a:noFill/>
+          <a:ln>
+            <a:noFill/>
+          </a:ln>
+          <a:extLst>
+            <a:ext uri="{909E8E84-426E-40dd-AFC4-6F175D3DCCD1}">
+              <a14:hiddenFill xmlns="" xmlns:a14="http://schemas.microsoft.com/office/drawing/2010/main">
+                <a:solidFill>
+                  <a:srgbClr val="FFFFFF"/>
+                </a:solidFill>
+              </a14:hiddenFill>
+            </a:ext>
+            <a:ext uri="{91240B29-F687-4f45-9708-019B960494DF}">
+              <a14:hiddenLine xmlns="" xmlns:a14="http://schemas.microsoft.com/office/drawing/2010/main" w="12700">
+                <a:solidFill>
+                  <a:schemeClr val="tx1"/>
+                </a:solidFill>
+                <a:miter lim="800000"/>
+                <a:headEnd/>
+                <a:tailEnd/>
+              </a14:hiddenLine>
+            </a:ext>
+          </a:extLst>
+        </p:spPr>
+        <p:txBody>
+          <a:bodyPr wrap="square" lIns="0" tIns="0" rIns="0" bIns="0" anchor="ctr">
+            <a:spAutoFit/>
+          </a:bodyPr>
+          <a:lstStyle/>
+          <a:p>
+            <a:pPr algn="ctr"/>
+            <a:r>
+              <a:rPr lang="en-US" sz="3000" b="1" spc="113" dirty="0">
+                <a:solidFill>
+                  <a:schemeClr val="tx2"/>
+                </a:solidFill>
+                <a:latin typeface="Roboto" charset="0"/>
+                <a:ea typeface="Roboto" charset="0"/>
+                <a:cs typeface="Roboto" charset="0"/>
+                <a:sym typeface="Bebas Neue" charset="0"/>
+              </a:rPr>
+              <a:t>SOLUTION – Solving a Custom Example</a:t>
+            </a:r>
+            <a:endParaRPr lang="en-US" sz="3000" b="1" spc="113" dirty="0">
+              <a:solidFill>
+                <a:schemeClr val="accent2"/>
+              </a:solidFill>
+              <a:latin typeface="Roboto" charset="0"/>
+              <a:ea typeface="Roboto" charset="0"/>
+              <a:cs typeface="Roboto" charset="0"/>
+              <a:sym typeface="Bebas Neue" charset="0"/>
+            </a:endParaRPr>
+          </a:p>
+        </p:txBody>
+      </p:sp>
+      <p:sp>
+        <p:nvSpPr>
+          <p:cNvPr id="5" name="TextBox 4"/>
+          <p:cNvSpPr txBox="1"/>
+          <p:nvPr/>
+        </p:nvSpPr>
+        <p:spPr>
+          <a:xfrm>
+            <a:off x="428263" y="1574157"/>
+            <a:ext cx="8264324" cy="2785378"/>
+          </a:xfrm>
+          <a:prstGeom prst="rect">
+            <a:avLst/>
+          </a:prstGeom>
+          <a:noFill/>
+        </p:spPr>
+        <p:txBody>
+          <a:bodyPr wrap="square" rtlCol="0">
+            <a:spAutoFit/>
+          </a:bodyPr>
+          <a:lstStyle/>
+          <a:p>
+            <a:r>
+              <a:rPr lang="en-US" sz="2500" dirty="0">
+                <a:solidFill>
+                  <a:srgbClr val="000000"/>
+                </a:solidFill>
+              </a:rPr>
+              <a:t>Does max_line hold something?	max_intersections = 0</a:t>
+            </a:r>
+            <a:br>
+              <a:rPr lang="en-US" sz="2500" dirty="0">
+                <a:solidFill>
+                  <a:srgbClr val="000000"/>
+                </a:solidFill>
+              </a:rPr>
+            </a:br>
+            <a:r>
+              <a:rPr lang="en-US" sz="2500" dirty="0">
+                <a:solidFill>
+                  <a:srgbClr val="000000"/>
+                </a:solidFill>
+              </a:rPr>
+              <a:t>							</a:t>
+            </a:r>
+            <a:r>
+              <a:rPr lang="en-US" sz="2500" dirty="0">
+                <a:solidFill>
+                  <a:srgbClr val="FF0000"/>
+                </a:solidFill>
+              </a:rPr>
+              <a:t>max_line = None</a:t>
+            </a:r>
+          </a:p>
+          <a:p>
+            <a:endParaRPr lang="en-US" sz="2500" dirty="0">
+              <a:solidFill>
+                <a:srgbClr val="000000"/>
+              </a:solidFill>
+            </a:endParaRPr>
+          </a:p>
+          <a:p>
+            <a:r>
+              <a:rPr lang="en-US" sz="2500" dirty="0">
+                <a:solidFill>
+                  <a:srgbClr val="000000"/>
+                </a:solidFill>
+              </a:rPr>
+              <a:t>lines = [2] </a:t>
+            </a:r>
+            <a:r>
+              <a:rPr lang="en-US" sz="2500" dirty="0">
+                <a:solidFill>
+                  <a:srgbClr val="000000"/>
+                </a:solidFill>
+                <a:sym typeface="Wingdings" panose="05000000000000000000" pitchFamily="2" charset="2"/>
+              </a:rPr>
+              <a:t> lines = [2]</a:t>
+            </a:r>
+            <a:r>
+              <a:rPr lang="en-US" sz="2500" dirty="0">
+                <a:solidFill>
+                  <a:srgbClr val="000000"/>
+                </a:solidFill>
+              </a:rPr>
+              <a:t> 						</a:t>
+            </a:r>
+          </a:p>
+          <a:p>
+            <a:br>
+              <a:rPr lang="en-US" sz="2500" dirty="0">
+                <a:solidFill>
+                  <a:srgbClr val="000000"/>
+                </a:solidFill>
+              </a:rPr>
+            </a:br>
+            <a:br>
+              <a:rPr lang="en-US" sz="2500" dirty="0">
+                <a:solidFill>
+                  <a:srgbClr val="000000"/>
+                </a:solidFill>
+              </a:rPr>
+            </a:br>
+            <a:endParaRPr lang="en-US" sz="2500" dirty="0">
+              <a:solidFill>
+                <a:srgbClr val="FF0000"/>
+              </a:solidFill>
+            </a:endParaRPr>
+          </a:p>
+        </p:txBody>
+      </p:sp>
+    </p:spTree>
+    <p:extLst>
+      <p:ext uri="{BB962C8B-B14F-4D97-AF65-F5344CB8AC3E}">
+        <p14:creationId xmlns:p14="http://schemas.microsoft.com/office/powerpoint/2010/main" val="3053821419"/>
+      </p:ext>
+    </p:extLst>
+  </p:cSld>
+  <p:clrMapOvr>
+    <a:masterClrMapping/>
+  </p:clrMapOvr>
+  <p:transition advClick="0"/>
+</p:sld>
+</file>
+
+<file path=ppt/slides/slide22.xml><?xml version="1.0" encoding="utf-8"?>
+<p:sld xmlns:a="http://schemas.openxmlformats.org/drawingml/2006/main" xmlns:r="http://schemas.openxmlformats.org/officeDocument/2006/relationships" xmlns:p="http://schemas.openxmlformats.org/presentationml/2006/main">
+  <p:cSld>
+    <p:spTree>
+      <p:nvGrpSpPr>
+        <p:cNvPr id="1" name=""/>
+        <p:cNvGrpSpPr/>
+        <p:nvPr/>
+      </p:nvGrpSpPr>
+      <p:grpSpPr>
+        <a:xfrm>
+          <a:off x="0" y="0"/>
+          <a:ext cx="0" cy="0"/>
+          <a:chOff x="0" y="0"/>
+          <a:chExt cx="0" cy="0"/>
+        </a:xfrm>
+      </p:grpSpPr>
+      <p:sp>
+        <p:nvSpPr>
+          <p:cNvPr id="4" name="Rectangle 3"/>
+          <p:cNvSpPr>
+            <a:spLocks/>
+          </p:cNvSpPr>
+          <p:nvPr/>
+        </p:nvSpPr>
+        <p:spPr bwMode="auto">
+          <a:xfrm>
+            <a:off x="0" y="228078"/>
+            <a:ext cx="9143999" cy="461665"/>
+          </a:xfrm>
+          <a:prstGeom prst="rect">
+            <a:avLst/>
+          </a:prstGeom>
+          <a:noFill/>
+          <a:ln>
+            <a:noFill/>
+          </a:ln>
+          <a:extLst>
+            <a:ext uri="{909E8E84-426E-40dd-AFC4-6F175D3DCCD1}">
+              <a14:hiddenFill xmlns="" xmlns:a14="http://schemas.microsoft.com/office/drawing/2010/main">
+                <a:solidFill>
+                  <a:srgbClr val="FFFFFF"/>
+                </a:solidFill>
+              </a14:hiddenFill>
+            </a:ext>
+            <a:ext uri="{91240B29-F687-4f45-9708-019B960494DF}">
+              <a14:hiddenLine xmlns="" xmlns:a14="http://schemas.microsoft.com/office/drawing/2010/main" w="12700">
+                <a:solidFill>
+                  <a:schemeClr val="tx1"/>
+                </a:solidFill>
+                <a:miter lim="800000"/>
+                <a:headEnd/>
+                <a:tailEnd/>
+              </a14:hiddenLine>
+            </a:ext>
+          </a:extLst>
+        </p:spPr>
+        <p:txBody>
+          <a:bodyPr wrap="square" lIns="0" tIns="0" rIns="0" bIns="0" anchor="ctr">
+            <a:spAutoFit/>
+          </a:bodyPr>
+          <a:lstStyle/>
+          <a:p>
+            <a:pPr algn="ctr"/>
+            <a:r>
+              <a:rPr lang="en-US" sz="3000" b="1" spc="113" dirty="0">
+                <a:solidFill>
+                  <a:schemeClr val="tx2"/>
+                </a:solidFill>
+                <a:latin typeface="Roboto" charset="0"/>
+                <a:ea typeface="Roboto" charset="0"/>
+                <a:cs typeface="Roboto" charset="0"/>
+                <a:sym typeface="Bebas Neue" charset="0"/>
+              </a:rPr>
+              <a:t>SOLUTION – Solving a Custom Example</a:t>
+            </a:r>
+            <a:endParaRPr lang="en-US" sz="3000" b="1" spc="113" dirty="0">
+              <a:solidFill>
+                <a:schemeClr val="accent2"/>
+              </a:solidFill>
+              <a:latin typeface="Roboto" charset="0"/>
+              <a:ea typeface="Roboto" charset="0"/>
+              <a:cs typeface="Roboto" charset="0"/>
+              <a:sym typeface="Bebas Neue" charset="0"/>
+            </a:endParaRPr>
+          </a:p>
+        </p:txBody>
+      </p:sp>
+      <p:sp>
+        <p:nvSpPr>
+          <p:cNvPr id="5" name="TextBox 4"/>
+          <p:cNvSpPr txBox="1"/>
+          <p:nvPr/>
+        </p:nvSpPr>
+        <p:spPr>
+          <a:xfrm>
+            <a:off x="428263" y="1574157"/>
+            <a:ext cx="8264324" cy="3170099"/>
+          </a:xfrm>
+          <a:prstGeom prst="rect">
+            <a:avLst/>
+          </a:prstGeom>
+          <a:noFill/>
+        </p:spPr>
+        <p:txBody>
+          <a:bodyPr wrap="square" rtlCol="0">
+            <a:spAutoFit/>
+          </a:bodyPr>
+          <a:lstStyle/>
+          <a:p>
+            <a:r>
+              <a:rPr lang="en-US" sz="2500" dirty="0">
+                <a:solidFill>
+                  <a:srgbClr val="000000"/>
+                </a:solidFill>
+              </a:rPr>
+              <a:t>What values are in lwi that are also in lines?	</a:t>
+            </a:r>
+          </a:p>
+          <a:p>
+            <a:endParaRPr lang="en-US" sz="2500" dirty="0">
+              <a:solidFill>
+                <a:srgbClr val="000000"/>
+              </a:solidFill>
+            </a:endParaRPr>
+          </a:p>
+          <a:p>
+            <a:r>
+              <a:rPr lang="en-US" sz="2500" dirty="0">
+                <a:solidFill>
+                  <a:srgbClr val="000000"/>
+                </a:solidFill>
+              </a:rPr>
+              <a:t>lines = [2] 						</a:t>
+            </a:r>
+            <a:br>
+              <a:rPr lang="en-US" sz="2500" dirty="0">
+                <a:solidFill>
+                  <a:srgbClr val="000000"/>
+                </a:solidFill>
+              </a:rPr>
+            </a:br>
+            <a:r>
+              <a:rPr lang="en-US" sz="2500" dirty="0">
+                <a:solidFill>
+                  <a:srgbClr val="000000"/>
+                </a:solidFill>
+              </a:rPr>
+              <a:t>lwi = [5, 1, 2]</a:t>
+            </a:r>
+          </a:p>
+          <a:p>
+            <a:endParaRPr lang="en-US" sz="2500" dirty="0">
+              <a:solidFill>
+                <a:srgbClr val="000000"/>
+              </a:solidFill>
+            </a:endParaRPr>
+          </a:p>
+          <a:p>
+            <a:r>
+              <a:rPr lang="en-US" sz="2500" dirty="0">
+                <a:solidFill>
+                  <a:srgbClr val="FF0000"/>
+                </a:solidFill>
+              </a:rPr>
+              <a:t>lines = []   </a:t>
+            </a:r>
+            <a:r>
+              <a:rPr lang="en-US" sz="2500" dirty="0">
+                <a:solidFill>
+                  <a:srgbClr val="000000"/>
+                </a:solidFill>
+                <a:sym typeface="Wingdings" panose="05000000000000000000" pitchFamily="2" charset="2"/>
+              </a:rPr>
+              <a:t> lines length is now 0, break out of infinite loop.</a:t>
+            </a:r>
+            <a:br>
+              <a:rPr lang="en-US" sz="2500" dirty="0">
+                <a:solidFill>
+                  <a:srgbClr val="000000"/>
+                </a:solidFill>
+              </a:rPr>
+            </a:br>
+            <a:br>
+              <a:rPr lang="en-US" sz="2500" dirty="0">
+                <a:solidFill>
+                  <a:srgbClr val="000000"/>
+                </a:solidFill>
+              </a:rPr>
+            </a:br>
+            <a:endParaRPr lang="en-US" sz="2500" dirty="0">
+              <a:solidFill>
+                <a:srgbClr val="FF0000"/>
+              </a:solidFill>
+            </a:endParaRPr>
+          </a:p>
+        </p:txBody>
+      </p:sp>
+    </p:spTree>
+    <p:extLst>
+      <p:ext uri="{BB962C8B-B14F-4D97-AF65-F5344CB8AC3E}">
+        <p14:creationId xmlns:p14="http://schemas.microsoft.com/office/powerpoint/2010/main" val="3492305686"/>
+      </p:ext>
+    </p:extLst>
+  </p:cSld>
+  <p:clrMapOvr>
+    <a:masterClrMapping/>
+  </p:clrMapOvr>
+  <p:transition advClick="0"/>
+</p:sld>
+</file>
+
+<file path=ppt/slides/slide23.xml><?xml version="1.0" encoding="utf-8"?>
+<p:sld xmlns:a="http://schemas.openxmlformats.org/drawingml/2006/main" xmlns:r="http://schemas.openxmlformats.org/officeDocument/2006/relationships" xmlns:p="http://schemas.openxmlformats.org/presentationml/2006/main">
+  <p:cSld>
+    <p:spTree>
+      <p:nvGrpSpPr>
+        <p:cNvPr id="1" name=""/>
+        <p:cNvGrpSpPr/>
+        <p:nvPr/>
+      </p:nvGrpSpPr>
+      <p:grpSpPr>
+        <a:xfrm>
+          <a:off x="0" y="0"/>
+          <a:ext cx="0" cy="0"/>
+          <a:chOff x="0" y="0"/>
+          <a:chExt cx="0" cy="0"/>
+        </a:xfrm>
+      </p:grpSpPr>
+      <p:sp>
+        <p:nvSpPr>
+          <p:cNvPr id="4" name="Rectangle 3"/>
+          <p:cNvSpPr>
+            <a:spLocks/>
+          </p:cNvSpPr>
+          <p:nvPr/>
+        </p:nvSpPr>
+        <p:spPr bwMode="auto">
+          <a:xfrm>
+            <a:off x="0" y="228078"/>
+            <a:ext cx="9143999" cy="461665"/>
+          </a:xfrm>
+          <a:prstGeom prst="rect">
+            <a:avLst/>
+          </a:prstGeom>
+          <a:noFill/>
+          <a:ln>
+            <a:noFill/>
+          </a:ln>
+          <a:extLst>
+            <a:ext uri="{909E8E84-426E-40dd-AFC4-6F175D3DCCD1}">
+              <a14:hiddenFill xmlns="" xmlns:a14="http://schemas.microsoft.com/office/drawing/2010/main">
+                <a:solidFill>
+                  <a:srgbClr val="FFFFFF"/>
+                </a:solidFill>
+              </a14:hiddenFill>
+            </a:ext>
+            <a:ext uri="{91240B29-F687-4f45-9708-019B960494DF}">
+              <a14:hiddenLine xmlns="" xmlns:a14="http://schemas.microsoft.com/office/drawing/2010/main" w="12700">
+                <a:solidFill>
+                  <a:schemeClr val="tx1"/>
+                </a:solidFill>
+                <a:miter lim="800000"/>
+                <a:headEnd/>
+                <a:tailEnd/>
+              </a14:hiddenLine>
+            </a:ext>
+          </a:extLst>
+        </p:spPr>
+        <p:txBody>
+          <a:bodyPr wrap="square" lIns="0" tIns="0" rIns="0" bIns="0" anchor="ctr">
+            <a:spAutoFit/>
+          </a:bodyPr>
+          <a:lstStyle/>
+          <a:p>
+            <a:pPr algn="ctr"/>
+            <a:r>
+              <a:rPr lang="en-US" sz="3000" b="1" spc="113" dirty="0">
+                <a:solidFill>
+                  <a:schemeClr val="tx2"/>
+                </a:solidFill>
+                <a:latin typeface="Roboto" charset="0"/>
+                <a:ea typeface="Roboto" charset="0"/>
+                <a:cs typeface="Roboto" charset="0"/>
+                <a:sym typeface="Bebas Neue" charset="0"/>
+              </a:rPr>
+              <a:t>SOLUTION – Solving a Custom Example</a:t>
+            </a:r>
+            <a:endParaRPr lang="en-US" sz="3000" b="1" spc="113" dirty="0">
+              <a:solidFill>
+                <a:schemeClr val="accent2"/>
+              </a:solidFill>
+              <a:latin typeface="Roboto" charset="0"/>
+              <a:ea typeface="Roboto" charset="0"/>
+              <a:cs typeface="Roboto" charset="0"/>
+              <a:sym typeface="Bebas Neue" charset="0"/>
+            </a:endParaRPr>
+          </a:p>
+        </p:txBody>
+      </p:sp>
+      <p:sp>
+        <p:nvSpPr>
+          <p:cNvPr id="5" name="TextBox 4"/>
+          <p:cNvSpPr txBox="1"/>
+          <p:nvPr/>
+        </p:nvSpPr>
+        <p:spPr>
+          <a:xfrm>
+            <a:off x="428263" y="1574157"/>
+            <a:ext cx="8264324" cy="1631216"/>
+          </a:xfrm>
+          <a:prstGeom prst="rect">
+            <a:avLst/>
+          </a:prstGeom>
+          <a:noFill/>
+        </p:spPr>
+        <p:txBody>
+          <a:bodyPr wrap="square" rtlCol="0">
+            <a:spAutoFit/>
+          </a:bodyPr>
+          <a:lstStyle/>
+          <a:p>
+            <a:r>
+              <a:rPr lang="en-US" sz="2500" dirty="0">
+                <a:solidFill>
+                  <a:srgbClr val="000000"/>
+                </a:solidFill>
+              </a:rPr>
+              <a:t>lwi = [5, 1, 2] </a:t>
+            </a:r>
+            <a:r>
+              <a:rPr lang="en-US" sz="2500" dirty="0">
+                <a:solidFill>
+                  <a:srgbClr val="000000"/>
+                </a:solidFill>
+                <a:sym typeface="Wingdings" panose="05000000000000000000" pitchFamily="2" charset="2"/>
+              </a:rPr>
+              <a:t> INSERTION SORT  </a:t>
+            </a:r>
+            <a:r>
+              <a:rPr lang="en-US" sz="2500" dirty="0">
+                <a:solidFill>
+                  <a:srgbClr val="FF0000"/>
+                </a:solidFill>
+                <a:sym typeface="Wingdings" panose="05000000000000000000" pitchFamily="2" charset="2"/>
+              </a:rPr>
+              <a:t>lwi = [1, 2, 5]</a:t>
+            </a:r>
+          </a:p>
+          <a:p>
+            <a:endParaRPr lang="en-US" sz="2500" dirty="0">
+              <a:solidFill>
+                <a:srgbClr val="FF0000"/>
+              </a:solidFill>
+              <a:sym typeface="Wingdings" panose="05000000000000000000" pitchFamily="2" charset="2"/>
+            </a:endParaRPr>
+          </a:p>
+          <a:p>
+            <a:r>
+              <a:rPr lang="en-US" sz="2500" dirty="0">
+                <a:solidFill>
+                  <a:srgbClr val="000000"/>
+                </a:solidFill>
+                <a:sym typeface="Wingdings" panose="05000000000000000000" pitchFamily="2" charset="2"/>
+              </a:rPr>
+              <a:t>OUTPUT: </a:t>
+            </a:r>
+          </a:p>
+          <a:p>
+            <a:r>
+              <a:rPr lang="en-US" sz="2500" dirty="0">
+                <a:solidFill>
+                  <a:srgbClr val="000000"/>
+                </a:solidFill>
+                <a:sym typeface="Wingdings" panose="05000000000000000000" pitchFamily="2" charset="2"/>
+              </a:rPr>
+              <a:t>		1 2 5</a:t>
+            </a:r>
+            <a:endParaRPr lang="en-US" sz="2500" dirty="0">
+              <a:solidFill>
+                <a:srgbClr val="000000"/>
+              </a:solidFill>
+            </a:endParaRPr>
+          </a:p>
+        </p:txBody>
+      </p:sp>
+      <p:pic>
+        <p:nvPicPr>
+          <p:cNvPr id="2" name="Picture 1"/>
+          <p:cNvPicPr>
+            <a:picLocks noChangeAspect="1"/>
+          </p:cNvPicPr>
+          <p:nvPr/>
+        </p:nvPicPr>
+        <p:blipFill>
+          <a:blip r:embed="rId3" cstate="email">
+            <a:extLst>
+              <a:ext uri="{28A0092B-C50C-407E-A947-70E740481C1C}">
+                <a14:useLocalDpi xmlns:a14="http://schemas.microsoft.com/office/drawing/2010/main" val="0"/>
+              </a:ext>
+            </a:extLst>
+          </a:blip>
+          <a:stretch>
+            <a:fillRect/>
+          </a:stretch>
+        </p:blipFill>
+        <p:spPr>
+          <a:xfrm>
+            <a:off x="2997844" y="2228121"/>
+            <a:ext cx="4889789" cy="2568888"/>
+          </a:xfrm>
+          <a:prstGeom prst="rect">
+            <a:avLst/>
+          </a:prstGeom>
+        </p:spPr>
+      </p:pic>
+    </p:spTree>
+    <p:extLst>
+      <p:ext uri="{BB962C8B-B14F-4D97-AF65-F5344CB8AC3E}">
+        <p14:creationId xmlns:p14="http://schemas.microsoft.com/office/powerpoint/2010/main" val="2807763049"/>
+      </p:ext>
+    </p:extLst>
+  </p:cSld>
+  <p:clrMapOvr>
+    <a:masterClrMapping/>
+  </p:clrMapOvr>
+  <p:transition advClick="0"/>
+</p:sld>
+</file>
+
+<file path=ppt/slides/slide24.xml><?xml version="1.0" encoding="utf-8"?>
+<p:sld xmlns:a="http://schemas.openxmlformats.org/drawingml/2006/main" xmlns:r="http://schemas.openxmlformats.org/officeDocument/2006/relationships" xmlns:p="http://schemas.openxmlformats.org/presentationml/2006/main">
+  <p:cSld>
+    <p:spTree>
+      <p:nvGrpSpPr>
+        <p:cNvPr id="1" name=""/>
+        <p:cNvGrpSpPr/>
+        <p:nvPr/>
+      </p:nvGrpSpPr>
+      <p:grpSpPr>
+        <a:xfrm>
+          <a:off x="0" y="0"/>
+          <a:ext cx="0" cy="0"/>
+          <a:chOff x="0" y="0"/>
+          <a:chExt cx="0" cy="0"/>
+        </a:xfrm>
+      </p:grpSpPr>
+      <p:sp>
+        <p:nvSpPr>
+          <p:cNvPr id="2" name="Rectangle 1">
+            <a:extLst>
+              <a:ext uri="{FF2B5EF4-FFF2-40B4-BE49-F238E27FC236}">
+                <a16:creationId xmlns:a16="http://schemas.microsoft.com/office/drawing/2014/main" id="{569B2C2E-2C1C-425C-8AF9-820815B51FCF}"/>
+              </a:ext>
+            </a:extLst>
+          </p:cNvPr>
+          <p:cNvSpPr/>
+          <p:nvPr/>
+        </p:nvSpPr>
+        <p:spPr>
+          <a:xfrm>
+            <a:off x="4460431" y="2421709"/>
+            <a:ext cx="223138" cy="300082"/>
+          </a:xfrm>
+          <a:prstGeom prst="rect">
+            <a:avLst/>
+          </a:prstGeom>
+        </p:spPr>
+        <p:txBody>
+          <a:bodyPr wrap="none">
+            <a:spAutoFit/>
+          </a:bodyPr>
+          <a:lstStyle/>
+          <a:p>
+            <a:r>
+              <a:rPr lang="en-US" dirty="0"/>
+              <a:t> </a:t>
+            </a:r>
+          </a:p>
+        </p:txBody>
+      </p:sp>
+      <p:pic>
+        <p:nvPicPr>
+          <p:cNvPr id="17" name="Picture 16">
+            <a:extLst>
+              <a:ext uri="{FF2B5EF4-FFF2-40B4-BE49-F238E27FC236}">
+                <a16:creationId xmlns:a16="http://schemas.microsoft.com/office/drawing/2014/main" id="{F37F039B-0701-44D9-ABF0-497C87732783}"/>
+              </a:ext>
+            </a:extLst>
+          </p:cNvPr>
+          <p:cNvPicPr>
+            <a:picLocks noChangeAspect="1"/>
+          </p:cNvPicPr>
+          <p:nvPr/>
+        </p:nvPicPr>
+        <p:blipFill>
+          <a:blip r:embed="rId3" cstate="email">
+            <a:extLst>
+              <a:ext uri="{28A0092B-C50C-407E-A947-70E740481C1C}">
+                <a14:useLocalDpi xmlns:a14="http://schemas.microsoft.com/office/drawing/2010/main" val="0"/>
+              </a:ext>
+            </a:extLst>
+          </a:blip>
+          <a:stretch>
+            <a:fillRect/>
+          </a:stretch>
+        </p:blipFill>
+        <p:spPr>
+          <a:xfrm>
+            <a:off x="738675" y="219506"/>
+            <a:ext cx="2077449" cy="2077449"/>
+          </a:xfrm>
+          <a:prstGeom prst="rect">
+            <a:avLst/>
+          </a:prstGeom>
+        </p:spPr>
+      </p:pic>
+      <p:pic>
+        <p:nvPicPr>
+          <p:cNvPr id="21" name="Graphic 20">
+            <a:extLst>
+              <a:ext uri="{FF2B5EF4-FFF2-40B4-BE49-F238E27FC236}">
+                <a16:creationId xmlns:a16="http://schemas.microsoft.com/office/drawing/2014/main" id="{6AE85101-E128-4496-80B8-9939092EE057}"/>
+              </a:ext>
+            </a:extLst>
+          </p:cNvPr>
+          <p:cNvPicPr>
+            <a:picLocks noChangeAspect="1"/>
+          </p:cNvPicPr>
+          <p:nvPr/>
+        </p:nvPicPr>
+        <p:blipFill>
+          <a:blip r:embed="rId4" cstate="email">
+            <a:extLst>
+              <a:ext uri="{28A0092B-C50C-407E-A947-70E740481C1C}">
+                <a14:useLocalDpi xmlns:a14="http://schemas.microsoft.com/office/drawing/2010/main" val="0"/>
+              </a:ext>
+              <a:ext uri="{96DAC541-7B7A-43D3-8B79-37D633B846F1}">
+                <asvg:svgBlip xmlns="" xmlns:asvg="http://schemas.microsoft.com/office/drawing/2016/SVG/main" r:embed="rId5"/>
+              </a:ext>
+            </a:extLst>
+          </a:blip>
+          <a:stretch>
+            <a:fillRect/>
+          </a:stretch>
+        </p:blipFill>
+        <p:spPr>
+          <a:xfrm>
+            <a:off x="5179671" y="129688"/>
+            <a:ext cx="3097369" cy="1959790"/>
+          </a:xfrm>
+          <a:prstGeom prst="rect">
+            <a:avLst/>
+          </a:prstGeom>
+        </p:spPr>
+      </p:pic>
+      <p:pic>
+        <p:nvPicPr>
+          <p:cNvPr id="24" name="Picture 23">
+            <a:extLst>
+              <a:ext uri="{FF2B5EF4-FFF2-40B4-BE49-F238E27FC236}">
+                <a16:creationId xmlns:a16="http://schemas.microsoft.com/office/drawing/2014/main" id="{B12619DC-B472-47B1-842F-FE8A3BE7E2A8}"/>
+              </a:ext>
+            </a:extLst>
+          </p:cNvPr>
+          <p:cNvPicPr>
+            <a:picLocks noChangeAspect="1"/>
+          </p:cNvPicPr>
+          <p:nvPr/>
+        </p:nvPicPr>
+        <p:blipFill>
+          <a:blip r:embed="rId6" cstate="email">
+            <a:extLst>
+              <a:ext uri="{28A0092B-C50C-407E-A947-70E740481C1C}">
+                <a14:useLocalDpi xmlns:a14="http://schemas.microsoft.com/office/drawing/2010/main" val="0"/>
+              </a:ext>
+            </a:extLst>
+          </a:blip>
+          <a:stretch>
+            <a:fillRect/>
+          </a:stretch>
+        </p:blipFill>
+        <p:spPr>
+          <a:xfrm>
+            <a:off x="371830" y="3281704"/>
+            <a:ext cx="3371631" cy="1407933"/>
+          </a:xfrm>
+          <a:prstGeom prst="rect">
+            <a:avLst/>
+          </a:prstGeom>
+        </p:spPr>
+      </p:pic>
+      <p:pic>
+        <p:nvPicPr>
+          <p:cNvPr id="26" name="Picture 25">
+            <a:extLst>
+              <a:ext uri="{FF2B5EF4-FFF2-40B4-BE49-F238E27FC236}">
+                <a16:creationId xmlns:a16="http://schemas.microsoft.com/office/drawing/2014/main" id="{12C0C110-2F83-4203-A021-97D4CAA90AA7}"/>
+              </a:ext>
+            </a:extLst>
+          </p:cNvPr>
+          <p:cNvPicPr>
+            <a:picLocks noChangeAspect="1"/>
+          </p:cNvPicPr>
+          <p:nvPr/>
+        </p:nvPicPr>
+        <p:blipFill>
+          <a:blip r:embed="rId7" cstate="email">
+            <a:extLst>
+              <a:ext uri="{28A0092B-C50C-407E-A947-70E740481C1C}">
+                <a14:useLocalDpi xmlns:a14="http://schemas.microsoft.com/office/drawing/2010/main" val="0"/>
+              </a:ext>
+            </a:extLst>
+          </a:blip>
+          <a:stretch>
+            <a:fillRect/>
+          </a:stretch>
+        </p:blipFill>
+        <p:spPr>
+          <a:xfrm>
+            <a:off x="3752974" y="2883940"/>
+            <a:ext cx="5764513" cy="2136712"/>
+          </a:xfrm>
+          <a:prstGeom prst="rect">
+            <a:avLst/>
+          </a:prstGeom>
+        </p:spPr>
+      </p:pic>
+      <p:pic>
+        <p:nvPicPr>
+          <p:cNvPr id="3" name="Picture 2"/>
+          <p:cNvPicPr>
+            <a:picLocks noChangeAspect="1"/>
+          </p:cNvPicPr>
+          <p:nvPr/>
+        </p:nvPicPr>
+        <p:blipFill>
+          <a:blip r:embed="rId8" cstate="email">
+            <a:extLst>
+              <a:ext uri="{28A0092B-C50C-407E-A947-70E740481C1C}">
+                <a14:useLocalDpi xmlns:a14="http://schemas.microsoft.com/office/drawing/2010/main" val="0"/>
+              </a:ext>
+            </a:extLst>
+          </a:blip>
+          <a:stretch>
+            <a:fillRect/>
+          </a:stretch>
+        </p:blipFill>
+        <p:spPr>
+          <a:xfrm>
+            <a:off x="2444386" y="2089478"/>
+            <a:ext cx="4317659" cy="1119598"/>
+          </a:xfrm>
+          <a:prstGeom prst="rect">
+            <a:avLst/>
+          </a:prstGeom>
+        </p:spPr>
+      </p:pic>
+    </p:spTree>
+    <p:extLst>
+      <p:ext uri="{BB962C8B-B14F-4D97-AF65-F5344CB8AC3E}">
+        <p14:creationId xmlns:p14="http://schemas.microsoft.com/office/powerpoint/2010/main" val="1031817762"/>
+      </p:ext>
+    </p:extLst>
+  </p:cSld>
+  <p:clrMapOvr>
+    <a:masterClrMapping/>
+  </p:clrMapOvr>
+  <p:transition/>
+</p:sld>
+</file>
+
 <file path=ppt/slides/slide3.xml><?xml version="1.0" encoding="utf-8"?>
 <p:sld xmlns:a="http://schemas.openxmlformats.org/drawingml/2006/main" xmlns:r="http://schemas.openxmlformats.org/officeDocument/2006/relationships" xmlns:p="http://schemas.openxmlformats.org/presentationml/2006/main">
   <p:cSld>
@@ -3268,14 +8353,14 @@
           </a:ln>
           <a:extLst>
             <a:ext uri="{909E8E84-426E-40dd-AFC4-6F175D3DCCD1}">
-              <a14:hiddenFill xmlns:a14="http://schemas.microsoft.com/office/drawing/2010/main" xmlns="">
+              <a14:hiddenFill xmlns="" xmlns:a14="http://schemas.microsoft.com/office/drawing/2010/main">
                 <a:solidFill>
                   <a:srgbClr val="FFFFFF"/>
                 </a:solidFill>
               </a14:hiddenFill>
             </a:ext>
             <a:ext uri="{91240B29-F687-4f45-9708-019B960494DF}">
-              <a14:hiddenLine xmlns:a14="http://schemas.microsoft.com/office/drawing/2010/main" xmlns="" w="12700">
+              <a14:hiddenLine xmlns="" xmlns:a14="http://schemas.microsoft.com/office/drawing/2010/main" w="12700">
                 <a:solidFill>
                   <a:schemeClr val="tx1"/>
                 </a:solidFill>
@@ -3339,14 +8424,14 @@
           </a:ln>
           <a:extLst>
             <a:ext uri="{909E8E84-426E-40dd-AFC4-6F175D3DCCD1}">
-              <a14:hiddenFill xmlns:a14="http://schemas.microsoft.com/office/drawing/2010/main" xmlns="">
+              <a14:hiddenFill xmlns="" xmlns:a14="http://schemas.microsoft.com/office/drawing/2010/main">
                 <a:solidFill>
                   <a:srgbClr val="FFFFFF"/>
                 </a:solidFill>
               </a14:hiddenFill>
             </a:ext>
             <a:ext uri="{91240B29-F687-4f45-9708-019B960494DF}">
-              <a14:hiddenLine xmlns:a14="http://schemas.microsoft.com/office/drawing/2010/main" xmlns="" w="12700">
+              <a14:hiddenLine xmlns="" xmlns:a14="http://schemas.microsoft.com/office/drawing/2010/main" w="12700">
                 <a:solidFill>
                   <a:schemeClr val="tx1"/>
                 </a:solidFill>
@@ -3544,14 +8629,14 @@
           </a:ln>
           <a:extLst>
             <a:ext uri="{909E8E84-426E-40dd-AFC4-6F175D3DCCD1}">
-              <a14:hiddenFill xmlns:a14="http://schemas.microsoft.com/office/drawing/2010/main" xmlns="">
+              <a14:hiddenFill xmlns="" xmlns:a14="http://schemas.microsoft.com/office/drawing/2010/main">
                 <a:solidFill>
                   <a:srgbClr val="FFFFFF"/>
                 </a:solidFill>
               </a14:hiddenFill>
             </a:ext>
             <a:ext uri="{91240B29-F687-4f45-9708-019B960494DF}">
-              <a14:hiddenLine xmlns:a14="http://schemas.microsoft.com/office/drawing/2010/main" xmlns="" w="12700">
+              <a14:hiddenLine xmlns="" xmlns:a14="http://schemas.microsoft.com/office/drawing/2010/main" w="12700">
                 <a:solidFill>
                   <a:schemeClr val="tx1"/>
                 </a:solidFill>
@@ -3758,14 +8843,14 @@
           </a:ln>
           <a:extLst>
             <a:ext uri="{909E8E84-426E-40dd-AFC4-6F175D3DCCD1}">
-              <a14:hiddenFill xmlns:a14="http://schemas.microsoft.com/office/drawing/2010/main" xmlns="">
+              <a14:hiddenFill xmlns="" xmlns:a14="http://schemas.microsoft.com/office/drawing/2010/main">
                 <a:solidFill>
                   <a:srgbClr val="FFFFFF"/>
                 </a:solidFill>
               </a14:hiddenFill>
             </a:ext>
             <a:ext uri="{91240B29-F687-4f45-9708-019B960494DF}">
-              <a14:hiddenLine xmlns:a14="http://schemas.microsoft.com/office/drawing/2010/main" xmlns="" w="12700">
+              <a14:hiddenLine xmlns="" xmlns:a14="http://schemas.microsoft.com/office/drawing/2010/main" w="12700">
                 <a:solidFill>
                   <a:schemeClr val="tx1"/>
                 </a:solidFill>
@@ -3870,226 +8955,1051 @@
       </p:grpSpPr>
       <p:sp>
         <p:nvSpPr>
-          <p:cNvPr id="2" name="Rectangle 1">
-            <a:extLst>
-              <a:ext uri="{FF2B5EF4-FFF2-40B4-BE49-F238E27FC236}">
-                <a16:creationId xmlns:a16="http://schemas.microsoft.com/office/drawing/2014/main" id="{569B2C2E-2C1C-425C-8AF9-820815B51FCF}"/>
-              </a:ext>
-            </a:extLst>
-          </p:cNvPr>
-          <p:cNvSpPr/>
+          <p:cNvPr id="4" name="Rectangle 3"/>
+          <p:cNvSpPr>
+            <a:spLocks/>
+          </p:cNvSpPr>
           <p:nvPr/>
         </p:nvSpPr>
-        <p:spPr>
+        <p:spPr bwMode="auto">
           <a:xfrm>
-            <a:off x="4460431" y="2421709"/>
-            <a:ext cx="223138" cy="300082"/>
+            <a:off x="0" y="228078"/>
+            <a:ext cx="9143999" cy="461665"/>
           </a:xfrm>
           <a:prstGeom prst="rect">
             <a:avLst/>
           </a:prstGeom>
-        </p:spPr>
-        <p:txBody>
-          <a:bodyPr wrap="none">
+          <a:noFill/>
+          <a:ln>
+            <a:noFill/>
+          </a:ln>
+          <a:extLst>
+            <a:ext uri="{909E8E84-426E-40dd-AFC4-6F175D3DCCD1}">
+              <a14:hiddenFill xmlns="" xmlns:a14="http://schemas.microsoft.com/office/drawing/2010/main">
+                <a:solidFill>
+                  <a:srgbClr val="FFFFFF"/>
+                </a:solidFill>
+              </a14:hiddenFill>
+            </a:ext>
+            <a:ext uri="{91240B29-F687-4f45-9708-019B960494DF}">
+              <a14:hiddenLine xmlns="" xmlns:a14="http://schemas.microsoft.com/office/drawing/2010/main" w="12700">
+                <a:solidFill>
+                  <a:schemeClr val="tx1"/>
+                </a:solidFill>
+                <a:miter lim="800000"/>
+                <a:headEnd/>
+                <a:tailEnd/>
+              </a14:hiddenLine>
+            </a:ext>
+          </a:extLst>
+        </p:spPr>
+        <p:txBody>
+          <a:bodyPr wrap="square" lIns="0" tIns="0" rIns="0" bIns="0" anchor="ctr">
             <a:spAutoFit/>
           </a:bodyPr>
           <a:lstStyle/>
           <a:p>
-            <a:r>
-              <a:rPr lang="en-US" dirty="0"/>
-              <a:t> </a:t>
-            </a:r>
-          </a:p>
-        </p:txBody>
-      </p:sp>
-      <p:pic>
-        <p:nvPicPr>
-          <p:cNvPr id="17" name="Picture 16">
-            <a:extLst>
-              <a:ext uri="{FF2B5EF4-FFF2-40B4-BE49-F238E27FC236}">
-                <a16:creationId xmlns:a16="http://schemas.microsoft.com/office/drawing/2014/main" id="{F37F039B-0701-44D9-ABF0-497C87732783}"/>
-              </a:ext>
-            </a:extLst>
-          </p:cNvPr>
-          <p:cNvPicPr>
-            <a:picLocks noChangeAspect="1"/>
-          </p:cNvPicPr>
+            <a:pPr algn="ctr"/>
+            <a:r>
+              <a:rPr lang="en-US" sz="3000" b="1" spc="113" dirty="0">
+                <a:solidFill>
+                  <a:schemeClr val="tx2"/>
+                </a:solidFill>
+                <a:latin typeface="Roboto" charset="0"/>
+                <a:ea typeface="Roboto" charset="0"/>
+                <a:cs typeface="Roboto" charset="0"/>
+                <a:sym typeface="Bebas Neue" charset="0"/>
+              </a:rPr>
+              <a:t>SOLUTION – Solving a Custom Example</a:t>
+            </a:r>
+            <a:endParaRPr lang="en-US" sz="3000" b="1" spc="113" dirty="0">
+              <a:solidFill>
+                <a:schemeClr val="accent2"/>
+              </a:solidFill>
+              <a:latin typeface="Roboto" charset="0"/>
+              <a:ea typeface="Roboto" charset="0"/>
+              <a:cs typeface="Roboto" charset="0"/>
+              <a:sym typeface="Bebas Neue" charset="0"/>
+            </a:endParaRPr>
+          </a:p>
+        </p:txBody>
+      </p:sp>
+      <p:sp>
+        <p:nvSpPr>
+          <p:cNvPr id="5" name="TextBox 4"/>
+          <p:cNvSpPr txBox="1"/>
           <p:nvPr/>
-        </p:nvPicPr>
-        <p:blipFill>
-          <a:blip r:embed="rId3" cstate="email">
-            <a:extLst>
-              <a:ext uri="{28A0092B-C50C-407E-A947-70E740481C1C}">
-                <a14:useLocalDpi xmlns:a14="http://schemas.microsoft.com/office/drawing/2010/main" val="0"/>
-              </a:ext>
-            </a:extLst>
-          </a:blip>
-          <a:stretch>
-            <a:fillRect/>
-          </a:stretch>
-        </p:blipFill>
+        </p:nvSpPr>
         <p:spPr>
           <a:xfrm>
-            <a:off x="738675" y="219506"/>
-            <a:ext cx="2077449" cy="2077449"/>
+            <a:off x="428263" y="1655180"/>
+            <a:ext cx="8264324" cy="1246495"/>
           </a:xfrm>
           <a:prstGeom prst="rect">
             <a:avLst/>
           </a:prstGeom>
-        </p:spPr>
-      </p:pic>
-      <p:pic>
-        <p:nvPicPr>
-          <p:cNvPr id="21" name="Graphic 20">
-            <a:extLst>
-              <a:ext uri="{FF2B5EF4-FFF2-40B4-BE49-F238E27FC236}">
-                <a16:creationId xmlns:a16="http://schemas.microsoft.com/office/drawing/2014/main" id="{6AE85101-E128-4496-80B8-9939092EE057}"/>
-              </a:ext>
-            </a:extLst>
-          </p:cNvPr>
-          <p:cNvPicPr>
-            <a:picLocks noChangeAspect="1"/>
-          </p:cNvPicPr>
-          <p:nvPr/>
-        </p:nvPicPr>
-        <p:blipFill>
-          <a:blip r:embed="rId4" cstate="email">
-            <a:extLst>
-              <a:ext uri="{28A0092B-C50C-407E-A947-70E740481C1C}">
-                <a14:useLocalDpi xmlns:a14="http://schemas.microsoft.com/office/drawing/2010/main" val="0"/>
-              </a:ext>
-              <a:ext uri="{96DAC541-7B7A-43D3-8B79-37D633B846F1}">
-                <asvg:svgBlip xmlns:asvg="http://schemas.microsoft.com/office/drawing/2016/SVG/main" xmlns="" r:embed="rId5"/>
-              </a:ext>
-            </a:extLst>
-          </a:blip>
-          <a:stretch>
-            <a:fillRect/>
-          </a:stretch>
-        </p:blipFill>
-        <p:spPr>
-          <a:xfrm>
-            <a:off x="5179671" y="129688"/>
-            <a:ext cx="3097369" cy="1959790"/>
-          </a:xfrm>
-          <a:prstGeom prst="rect">
-            <a:avLst/>
-          </a:prstGeom>
-        </p:spPr>
-      </p:pic>
-      <p:pic>
-        <p:nvPicPr>
-          <p:cNvPr id="24" name="Picture 23">
-            <a:extLst>
-              <a:ext uri="{FF2B5EF4-FFF2-40B4-BE49-F238E27FC236}">
-                <a16:creationId xmlns:a16="http://schemas.microsoft.com/office/drawing/2014/main" id="{B12619DC-B472-47B1-842F-FE8A3BE7E2A8}"/>
-              </a:ext>
-            </a:extLst>
-          </p:cNvPr>
-          <p:cNvPicPr>
-            <a:picLocks noChangeAspect="1"/>
-          </p:cNvPicPr>
-          <p:nvPr/>
-        </p:nvPicPr>
-        <p:blipFill>
-          <a:blip r:embed="rId6" cstate="email">
-            <a:extLst>
-              <a:ext uri="{28A0092B-C50C-407E-A947-70E740481C1C}">
-                <a14:useLocalDpi xmlns:a14="http://schemas.microsoft.com/office/drawing/2010/main" val="0"/>
-              </a:ext>
-            </a:extLst>
-          </a:blip>
-          <a:stretch>
-            <a:fillRect/>
-          </a:stretch>
-        </p:blipFill>
-        <p:spPr>
-          <a:xfrm>
-            <a:off x="371830" y="3281704"/>
-            <a:ext cx="3371631" cy="1407933"/>
-          </a:xfrm>
-          <a:prstGeom prst="rect">
-            <a:avLst/>
-          </a:prstGeom>
-        </p:spPr>
-      </p:pic>
-      <p:pic>
-        <p:nvPicPr>
-          <p:cNvPr id="26" name="Picture 25">
-            <a:extLst>
-              <a:ext uri="{FF2B5EF4-FFF2-40B4-BE49-F238E27FC236}">
-                <a16:creationId xmlns:a16="http://schemas.microsoft.com/office/drawing/2014/main" id="{12C0C110-2F83-4203-A021-97D4CAA90AA7}"/>
-              </a:ext>
-            </a:extLst>
-          </p:cNvPr>
-          <p:cNvPicPr>
-            <a:picLocks noChangeAspect="1"/>
-          </p:cNvPicPr>
-          <p:nvPr/>
-        </p:nvPicPr>
-        <p:blipFill>
-          <a:blip r:embed="rId7" cstate="email">
-            <a:extLst>
-              <a:ext uri="{28A0092B-C50C-407E-A947-70E740481C1C}">
-                <a14:useLocalDpi xmlns:a14="http://schemas.microsoft.com/office/drawing/2010/main" val="0"/>
-              </a:ext>
-            </a:extLst>
-          </a:blip>
-          <a:stretch>
-            <a:fillRect/>
-          </a:stretch>
-        </p:blipFill>
-        <p:spPr>
-          <a:xfrm>
-            <a:off x="3752974" y="2883940"/>
-            <a:ext cx="5764513" cy="2136712"/>
-          </a:xfrm>
-          <a:prstGeom prst="rect">
-            <a:avLst/>
-          </a:prstGeom>
-        </p:spPr>
-      </p:pic>
-      <p:pic>
-        <p:nvPicPr>
-          <p:cNvPr id="3" name="Picture 2"/>
-          <p:cNvPicPr>
-            <a:picLocks noChangeAspect="1"/>
-          </p:cNvPicPr>
-          <p:nvPr/>
-        </p:nvPicPr>
-        <p:blipFill>
-          <a:blip r:embed="rId8" cstate="email">
-            <a:extLst>
-              <a:ext uri="{28A0092B-C50C-407E-A947-70E740481C1C}">
-                <a14:useLocalDpi xmlns:a14="http://schemas.microsoft.com/office/drawing/2010/main" val="0"/>
-              </a:ext>
-            </a:extLst>
-          </a:blip>
-          <a:stretch>
-            <a:fillRect/>
-          </a:stretch>
-        </p:blipFill>
-        <p:spPr>
-          <a:xfrm>
-            <a:off x="2444386" y="2089478"/>
-            <a:ext cx="4317659" cy="1119598"/>
-          </a:xfrm>
-          <a:prstGeom prst="rect">
-            <a:avLst/>
-          </a:prstGeom>
-        </p:spPr>
-      </p:pic>
+          <a:noFill/>
+        </p:spPr>
+        <p:txBody>
+          <a:bodyPr wrap="square" rtlCol="0">
+            <a:spAutoFit/>
+          </a:bodyPr>
+          <a:lstStyle/>
+          <a:p>
+            <a:pPr algn="ctr"/>
+            <a:r>
+              <a:rPr lang="en-US" sz="2500" dirty="0">
+                <a:solidFill>
+                  <a:srgbClr val="000000"/>
+                </a:solidFill>
+              </a:rPr>
+              <a:t>lines = [Line(index, Coordinate(x1, y1), Coordinate(x2, y2))]</a:t>
+            </a:r>
+          </a:p>
+          <a:p>
+            <a:pPr algn="ctr"/>
+            <a:endParaRPr lang="en-US" sz="2500" dirty="0">
+              <a:solidFill>
+                <a:srgbClr val="000000"/>
+              </a:solidFill>
+            </a:endParaRPr>
+          </a:p>
+          <a:p>
+            <a:pPr algn="ctr"/>
+            <a:r>
+              <a:rPr lang="en-US" sz="2500" dirty="0">
+                <a:solidFill>
+                  <a:srgbClr val="000000"/>
+                </a:solidFill>
+              </a:rPr>
+              <a:t>lines = [1, 2, 3, 4, 5]</a:t>
+            </a:r>
+          </a:p>
+        </p:txBody>
+      </p:sp>
     </p:spTree>
     <p:extLst>
       <p:ext uri="{BB962C8B-B14F-4D97-AF65-F5344CB8AC3E}">
-        <p14:creationId xmlns:p14="http://schemas.microsoft.com/office/powerpoint/2010/main" val="1031817762"/>
+        <p14:creationId xmlns:p14="http://schemas.microsoft.com/office/powerpoint/2010/main" val="2587340419"/>
       </p:ext>
     </p:extLst>
   </p:cSld>
   <p:clrMapOvr>
     <a:masterClrMapping/>
   </p:clrMapOvr>
-  <p:transition/>
+  <p:transition advClick="0"/>
+</p:sld>
+</file>
+
+<file path=ppt/slides/slide7.xml><?xml version="1.0" encoding="utf-8"?>
+<p:sld xmlns:a="http://schemas.openxmlformats.org/drawingml/2006/main" xmlns:r="http://schemas.openxmlformats.org/officeDocument/2006/relationships" xmlns:p="http://schemas.openxmlformats.org/presentationml/2006/main">
+  <p:cSld>
+    <p:spTree>
+      <p:nvGrpSpPr>
+        <p:cNvPr id="1" name=""/>
+        <p:cNvGrpSpPr/>
+        <p:nvPr/>
+      </p:nvGrpSpPr>
+      <p:grpSpPr>
+        <a:xfrm>
+          <a:off x="0" y="0"/>
+          <a:ext cx="0" cy="0"/>
+          <a:chOff x="0" y="0"/>
+          <a:chExt cx="0" cy="0"/>
+        </a:xfrm>
+      </p:grpSpPr>
+      <p:sp>
+        <p:nvSpPr>
+          <p:cNvPr id="4" name="Rectangle 3"/>
+          <p:cNvSpPr>
+            <a:spLocks/>
+          </p:cNvSpPr>
+          <p:nvPr/>
+        </p:nvSpPr>
+        <p:spPr bwMode="auto">
+          <a:xfrm>
+            <a:off x="0" y="228078"/>
+            <a:ext cx="9143999" cy="461665"/>
+          </a:xfrm>
+          <a:prstGeom prst="rect">
+            <a:avLst/>
+          </a:prstGeom>
+          <a:noFill/>
+          <a:ln>
+            <a:noFill/>
+          </a:ln>
+          <a:extLst>
+            <a:ext uri="{909E8E84-426E-40dd-AFC4-6F175D3DCCD1}">
+              <a14:hiddenFill xmlns="" xmlns:a14="http://schemas.microsoft.com/office/drawing/2010/main">
+                <a:solidFill>
+                  <a:srgbClr val="FFFFFF"/>
+                </a:solidFill>
+              </a14:hiddenFill>
+            </a:ext>
+            <a:ext uri="{91240B29-F687-4f45-9708-019B960494DF}">
+              <a14:hiddenLine xmlns="" xmlns:a14="http://schemas.microsoft.com/office/drawing/2010/main" w="12700">
+                <a:solidFill>
+                  <a:schemeClr val="tx1"/>
+                </a:solidFill>
+                <a:miter lim="800000"/>
+                <a:headEnd/>
+                <a:tailEnd/>
+              </a14:hiddenLine>
+            </a:ext>
+          </a:extLst>
+        </p:spPr>
+        <p:txBody>
+          <a:bodyPr wrap="square" lIns="0" tIns="0" rIns="0" bIns="0" anchor="ctr">
+            <a:spAutoFit/>
+          </a:bodyPr>
+          <a:lstStyle/>
+          <a:p>
+            <a:pPr algn="ctr"/>
+            <a:r>
+              <a:rPr lang="en-US" sz="3000" b="1" spc="113" dirty="0">
+                <a:solidFill>
+                  <a:schemeClr val="tx2"/>
+                </a:solidFill>
+                <a:latin typeface="Roboto" charset="0"/>
+                <a:ea typeface="Roboto" charset="0"/>
+                <a:cs typeface="Roboto" charset="0"/>
+                <a:sym typeface="Bebas Neue" charset="0"/>
+              </a:rPr>
+              <a:t>SOLUTION – Solving a Custom Example</a:t>
+            </a:r>
+            <a:endParaRPr lang="en-US" sz="3000" b="1" spc="113" dirty="0">
+              <a:solidFill>
+                <a:schemeClr val="accent2"/>
+              </a:solidFill>
+              <a:latin typeface="Roboto" charset="0"/>
+              <a:ea typeface="Roboto" charset="0"/>
+              <a:cs typeface="Roboto" charset="0"/>
+              <a:sym typeface="Bebas Neue" charset="0"/>
+            </a:endParaRPr>
+          </a:p>
+        </p:txBody>
+      </p:sp>
+      <p:sp>
+        <p:nvSpPr>
+          <p:cNvPr id="5" name="TextBox 4"/>
+          <p:cNvSpPr txBox="1"/>
+          <p:nvPr/>
+        </p:nvSpPr>
+        <p:spPr>
+          <a:xfrm>
+            <a:off x="428263" y="2326511"/>
+            <a:ext cx="8264324" cy="2015936"/>
+          </a:xfrm>
+          <a:prstGeom prst="rect">
+            <a:avLst/>
+          </a:prstGeom>
+          <a:noFill/>
+        </p:spPr>
+        <p:txBody>
+          <a:bodyPr wrap="square" rtlCol="0">
+            <a:spAutoFit/>
+          </a:bodyPr>
+          <a:lstStyle/>
+          <a:p>
+            <a:r>
+              <a:rPr lang="en-US" sz="2500" dirty="0">
+                <a:solidFill>
+                  <a:srgbClr val="000000"/>
+                </a:solidFill>
+              </a:rPr>
+              <a:t>lines = [  1,  2,  3,  4,  5  ]  			max_intersections = 0</a:t>
+            </a:r>
+            <a:br>
+              <a:rPr lang="en-US" sz="2500" dirty="0">
+                <a:solidFill>
+                  <a:srgbClr val="000000"/>
+                </a:solidFill>
+              </a:rPr>
+            </a:br>
+            <a:r>
+              <a:rPr lang="en-US" sz="2500" dirty="0">
+                <a:solidFill>
+                  <a:srgbClr val="000000"/>
+                </a:solidFill>
+              </a:rPr>
+              <a:t>							max_line = None</a:t>
+            </a:r>
+          </a:p>
+          <a:p>
+            <a:endParaRPr lang="en-US" sz="2500" dirty="0">
+              <a:solidFill>
+                <a:srgbClr val="000000"/>
+              </a:solidFill>
+            </a:endParaRPr>
+          </a:p>
+          <a:p>
+            <a:r>
+              <a:rPr lang="en-US" sz="2500" dirty="0">
+                <a:solidFill>
+                  <a:srgbClr val="000000"/>
+                </a:solidFill>
+              </a:rPr>
+              <a:t> 1 has 1 intersection				max_intersections = </a:t>
+            </a:r>
+            <a:r>
+              <a:rPr lang="en-US" sz="2500" dirty="0">
+                <a:solidFill>
+                  <a:srgbClr val="FF0000"/>
+                </a:solidFill>
+              </a:rPr>
+              <a:t>1</a:t>
+            </a:r>
+            <a:br>
+              <a:rPr lang="en-US" sz="2500" dirty="0">
+                <a:solidFill>
+                  <a:srgbClr val="000000"/>
+                </a:solidFill>
+              </a:rPr>
+            </a:br>
+            <a:r>
+              <a:rPr lang="en-US" sz="2500" dirty="0">
+                <a:solidFill>
+                  <a:srgbClr val="000000"/>
+                </a:solidFill>
+              </a:rPr>
+              <a:t>							max_line = </a:t>
+            </a:r>
+            <a:r>
+              <a:rPr lang="en-US" sz="2500" dirty="0">
+                <a:solidFill>
+                  <a:srgbClr val="FF0000"/>
+                </a:solidFill>
+              </a:rPr>
+              <a:t>Line 1 object</a:t>
+            </a:r>
+          </a:p>
+        </p:txBody>
+      </p:sp>
+      <p:sp>
+        <p:nvSpPr>
+          <p:cNvPr id="2" name="Oval 1"/>
+          <p:cNvSpPr/>
+          <p:nvPr/>
+        </p:nvSpPr>
+        <p:spPr>
+          <a:xfrm>
+            <a:off x="1527860" y="2398451"/>
+            <a:ext cx="405114" cy="405114"/>
+          </a:xfrm>
+          <a:prstGeom prst="ellipse">
+            <a:avLst/>
+          </a:prstGeom>
+          <a:noFill/>
+          <a:ln>
+            <a:solidFill>
+              <a:srgbClr val="FF0000"/>
+            </a:solidFill>
+          </a:ln>
+        </p:spPr>
+        <p:style>
+          <a:lnRef idx="2">
+            <a:schemeClr val="accent1">
+              <a:shade val="50000"/>
+            </a:schemeClr>
+          </a:lnRef>
+          <a:fillRef idx="1">
+            <a:schemeClr val="accent1"/>
+          </a:fillRef>
+          <a:effectRef idx="0">
+            <a:schemeClr val="accent1"/>
+          </a:effectRef>
+          <a:fontRef idx="minor">
+            <a:schemeClr val="lt1"/>
+          </a:fontRef>
+        </p:style>
+        <p:txBody>
+          <a:bodyPr rtlCol="0" anchor="ctr"/>
+          <a:lstStyle/>
+          <a:p>
+            <a:pPr algn="ctr"/>
+            <a:endParaRPr lang="en-US"/>
+          </a:p>
+        </p:txBody>
+      </p:sp>
+      <p:cxnSp>
+        <p:nvCxnSpPr>
+          <p:cNvPr id="6" name="Straight Arrow Connector 5"/>
+          <p:cNvCxnSpPr>
+            <a:stCxn id="2" idx="4"/>
+          </p:cNvCxnSpPr>
+          <p:nvPr/>
+        </p:nvCxnSpPr>
+        <p:spPr>
+          <a:xfrm>
+            <a:off x="1730417" y="2803565"/>
+            <a:ext cx="0" cy="553093"/>
+          </a:xfrm>
+          <a:prstGeom prst="straightConnector1">
+            <a:avLst/>
+          </a:prstGeom>
+          <a:ln>
+            <a:solidFill>
+              <a:srgbClr val="FF0000"/>
+            </a:solidFill>
+            <a:tailEnd type="triangle"/>
+          </a:ln>
+        </p:spPr>
+        <p:style>
+          <a:lnRef idx="1">
+            <a:schemeClr val="accent1"/>
+          </a:lnRef>
+          <a:fillRef idx="0">
+            <a:schemeClr val="accent1"/>
+          </a:fillRef>
+          <a:effectRef idx="0">
+            <a:schemeClr val="accent1"/>
+          </a:effectRef>
+          <a:fontRef idx="minor">
+            <a:schemeClr val="tx1"/>
+          </a:fontRef>
+        </p:style>
+      </p:cxnSp>
+      <p:sp>
+        <p:nvSpPr>
+          <p:cNvPr id="7" name="TextBox 6"/>
+          <p:cNvSpPr txBox="1"/>
+          <p:nvPr/>
+        </p:nvSpPr>
+        <p:spPr>
+          <a:xfrm>
+            <a:off x="4780344" y="1264682"/>
+            <a:ext cx="4190036" cy="707886"/>
+          </a:xfrm>
+          <a:prstGeom prst="rect">
+            <a:avLst/>
+          </a:prstGeom>
+          <a:noFill/>
+        </p:spPr>
+        <p:txBody>
+          <a:bodyPr wrap="square" rtlCol="0">
+            <a:spAutoFit/>
+          </a:bodyPr>
+          <a:lstStyle/>
+          <a:p>
+            <a:r>
+              <a:rPr lang="en-US" sz="2000" dirty="0">
+                <a:solidFill>
+                  <a:srgbClr val="000000"/>
+                </a:solidFill>
+              </a:rPr>
+              <a:t>Entering infinite loop. End when lines length is 0.</a:t>
+            </a:r>
+          </a:p>
+        </p:txBody>
+      </p:sp>
+      <p:sp>
+        <p:nvSpPr>
+          <p:cNvPr id="8" name="TextBox 7"/>
+          <p:cNvSpPr txBox="1"/>
+          <p:nvPr/>
+        </p:nvSpPr>
+        <p:spPr>
+          <a:xfrm>
+            <a:off x="370389" y="1264682"/>
+            <a:ext cx="4190036" cy="707886"/>
+          </a:xfrm>
+          <a:prstGeom prst="rect">
+            <a:avLst/>
+          </a:prstGeom>
+          <a:noFill/>
+        </p:spPr>
+        <p:txBody>
+          <a:bodyPr wrap="square" rtlCol="0">
+            <a:spAutoFit/>
+          </a:bodyPr>
+          <a:lstStyle/>
+          <a:p>
+            <a:r>
+              <a:rPr lang="en-US" sz="2000" dirty="0">
+                <a:solidFill>
+                  <a:srgbClr val="000000"/>
+                </a:solidFill>
+              </a:rPr>
+              <a:t>Create an empty list called lines_without_intersections (lwi) = []</a:t>
+            </a:r>
+          </a:p>
+        </p:txBody>
+      </p:sp>
+    </p:spTree>
+    <p:extLst>
+      <p:ext uri="{BB962C8B-B14F-4D97-AF65-F5344CB8AC3E}">
+        <p14:creationId xmlns:p14="http://schemas.microsoft.com/office/powerpoint/2010/main" val="3834304078"/>
+      </p:ext>
+    </p:extLst>
+  </p:cSld>
+  <p:clrMapOvr>
+    <a:masterClrMapping/>
+  </p:clrMapOvr>
+  <p:transition advClick="0"/>
+</p:sld>
+</file>
+
+<file path=ppt/slides/slide8.xml><?xml version="1.0" encoding="utf-8"?>
+<p:sld xmlns:a="http://schemas.openxmlformats.org/drawingml/2006/main" xmlns:r="http://schemas.openxmlformats.org/officeDocument/2006/relationships" xmlns:p="http://schemas.openxmlformats.org/presentationml/2006/main">
+  <p:cSld>
+    <p:spTree>
+      <p:nvGrpSpPr>
+        <p:cNvPr id="1" name=""/>
+        <p:cNvGrpSpPr/>
+        <p:nvPr/>
+      </p:nvGrpSpPr>
+      <p:grpSpPr>
+        <a:xfrm>
+          <a:off x="0" y="0"/>
+          <a:ext cx="0" cy="0"/>
+          <a:chOff x="0" y="0"/>
+          <a:chExt cx="0" cy="0"/>
+        </a:xfrm>
+      </p:grpSpPr>
+      <p:sp>
+        <p:nvSpPr>
+          <p:cNvPr id="4" name="Rectangle 3"/>
+          <p:cNvSpPr>
+            <a:spLocks/>
+          </p:cNvSpPr>
+          <p:nvPr/>
+        </p:nvSpPr>
+        <p:spPr bwMode="auto">
+          <a:xfrm>
+            <a:off x="0" y="228078"/>
+            <a:ext cx="9143999" cy="461665"/>
+          </a:xfrm>
+          <a:prstGeom prst="rect">
+            <a:avLst/>
+          </a:prstGeom>
+          <a:noFill/>
+          <a:ln>
+            <a:noFill/>
+          </a:ln>
+          <a:extLst>
+            <a:ext uri="{909E8E84-426E-40dd-AFC4-6F175D3DCCD1}">
+              <a14:hiddenFill xmlns="" xmlns:a14="http://schemas.microsoft.com/office/drawing/2010/main">
+                <a:solidFill>
+                  <a:srgbClr val="FFFFFF"/>
+                </a:solidFill>
+              </a14:hiddenFill>
+            </a:ext>
+            <a:ext uri="{91240B29-F687-4f45-9708-019B960494DF}">
+              <a14:hiddenLine xmlns="" xmlns:a14="http://schemas.microsoft.com/office/drawing/2010/main" w="12700">
+                <a:solidFill>
+                  <a:schemeClr val="tx1"/>
+                </a:solidFill>
+                <a:miter lim="800000"/>
+                <a:headEnd/>
+                <a:tailEnd/>
+              </a14:hiddenLine>
+            </a:ext>
+          </a:extLst>
+        </p:spPr>
+        <p:txBody>
+          <a:bodyPr wrap="square" lIns="0" tIns="0" rIns="0" bIns="0" anchor="ctr">
+            <a:spAutoFit/>
+          </a:bodyPr>
+          <a:lstStyle/>
+          <a:p>
+            <a:pPr algn="ctr"/>
+            <a:r>
+              <a:rPr lang="en-US" sz="3000" b="1" spc="113" dirty="0">
+                <a:solidFill>
+                  <a:schemeClr val="tx2"/>
+                </a:solidFill>
+                <a:latin typeface="Roboto" charset="0"/>
+                <a:ea typeface="Roboto" charset="0"/>
+                <a:cs typeface="Roboto" charset="0"/>
+                <a:sym typeface="Bebas Neue" charset="0"/>
+              </a:rPr>
+              <a:t>SOLUTION – Solving a Custom Example</a:t>
+            </a:r>
+            <a:endParaRPr lang="en-US" sz="3000" b="1" spc="113" dirty="0">
+              <a:solidFill>
+                <a:schemeClr val="accent2"/>
+              </a:solidFill>
+              <a:latin typeface="Roboto" charset="0"/>
+              <a:ea typeface="Roboto" charset="0"/>
+              <a:cs typeface="Roboto" charset="0"/>
+              <a:sym typeface="Bebas Neue" charset="0"/>
+            </a:endParaRPr>
+          </a:p>
+        </p:txBody>
+      </p:sp>
+      <p:sp>
+        <p:nvSpPr>
+          <p:cNvPr id="5" name="TextBox 4"/>
+          <p:cNvSpPr txBox="1"/>
+          <p:nvPr/>
+        </p:nvSpPr>
+        <p:spPr>
+          <a:xfrm>
+            <a:off x="428263" y="1574157"/>
+            <a:ext cx="8264324" cy="2015936"/>
+          </a:xfrm>
+          <a:prstGeom prst="rect">
+            <a:avLst/>
+          </a:prstGeom>
+          <a:noFill/>
+        </p:spPr>
+        <p:txBody>
+          <a:bodyPr wrap="square" rtlCol="0">
+            <a:spAutoFit/>
+          </a:bodyPr>
+          <a:lstStyle/>
+          <a:p>
+            <a:r>
+              <a:rPr lang="en-US" sz="2500" dirty="0">
+                <a:solidFill>
+                  <a:srgbClr val="000000"/>
+                </a:solidFill>
+              </a:rPr>
+              <a:t>lines = [  1,  2,  3,  4,  5  ]  			max_intersections = 1</a:t>
+            </a:r>
+            <a:br>
+              <a:rPr lang="en-US" sz="2500" dirty="0">
+                <a:solidFill>
+                  <a:srgbClr val="000000"/>
+                </a:solidFill>
+              </a:rPr>
+            </a:br>
+            <a:r>
+              <a:rPr lang="en-US" sz="2500" dirty="0">
+                <a:solidFill>
+                  <a:srgbClr val="000000"/>
+                </a:solidFill>
+              </a:rPr>
+              <a:t>							max_line = Line 1 object</a:t>
+            </a:r>
+          </a:p>
+          <a:p>
+            <a:endParaRPr lang="en-US" sz="2500" dirty="0">
+              <a:solidFill>
+                <a:srgbClr val="000000"/>
+              </a:solidFill>
+            </a:endParaRPr>
+          </a:p>
+          <a:p>
+            <a:r>
+              <a:rPr lang="en-US" sz="2500" dirty="0">
+                <a:solidFill>
+                  <a:srgbClr val="000000"/>
+                </a:solidFill>
+              </a:rPr>
+              <a:t> 2 has 2 intersections				max_intersections = </a:t>
+            </a:r>
+            <a:r>
+              <a:rPr lang="en-US" sz="2500" dirty="0">
+                <a:solidFill>
+                  <a:srgbClr val="FF0000"/>
+                </a:solidFill>
+              </a:rPr>
+              <a:t>2</a:t>
+            </a:r>
+            <a:br>
+              <a:rPr lang="en-US" sz="2500" dirty="0">
+                <a:solidFill>
+                  <a:srgbClr val="000000"/>
+                </a:solidFill>
+              </a:rPr>
+            </a:br>
+            <a:r>
+              <a:rPr lang="en-US" sz="2500" dirty="0">
+                <a:solidFill>
+                  <a:srgbClr val="000000"/>
+                </a:solidFill>
+              </a:rPr>
+              <a:t>							max_line = </a:t>
+            </a:r>
+            <a:r>
+              <a:rPr lang="en-US" sz="2500" dirty="0">
+                <a:solidFill>
+                  <a:srgbClr val="FF0000"/>
+                </a:solidFill>
+              </a:rPr>
+              <a:t>Line 2 object</a:t>
+            </a:r>
+          </a:p>
+        </p:txBody>
+      </p:sp>
+      <p:sp>
+        <p:nvSpPr>
+          <p:cNvPr id="2" name="Oval 1"/>
+          <p:cNvSpPr/>
+          <p:nvPr/>
+        </p:nvSpPr>
+        <p:spPr>
+          <a:xfrm>
+            <a:off x="1909827" y="1646097"/>
+            <a:ext cx="405114" cy="405114"/>
+          </a:xfrm>
+          <a:prstGeom prst="ellipse">
+            <a:avLst/>
+          </a:prstGeom>
+          <a:noFill/>
+          <a:ln>
+            <a:solidFill>
+              <a:srgbClr val="FF0000"/>
+            </a:solidFill>
+          </a:ln>
+        </p:spPr>
+        <p:style>
+          <a:lnRef idx="2">
+            <a:schemeClr val="accent1">
+              <a:shade val="50000"/>
+            </a:schemeClr>
+          </a:lnRef>
+          <a:fillRef idx="1">
+            <a:schemeClr val="accent1"/>
+          </a:fillRef>
+          <a:effectRef idx="0">
+            <a:schemeClr val="accent1"/>
+          </a:effectRef>
+          <a:fontRef idx="minor">
+            <a:schemeClr val="lt1"/>
+          </a:fontRef>
+        </p:style>
+        <p:txBody>
+          <a:bodyPr rtlCol="0" anchor="ctr"/>
+          <a:lstStyle/>
+          <a:p>
+            <a:pPr algn="ctr"/>
+            <a:endParaRPr lang="en-US"/>
+          </a:p>
+        </p:txBody>
+      </p:sp>
+      <p:cxnSp>
+        <p:nvCxnSpPr>
+          <p:cNvPr id="6" name="Straight Arrow Connector 5"/>
+          <p:cNvCxnSpPr>
+            <a:stCxn id="2" idx="4"/>
+          </p:cNvCxnSpPr>
+          <p:nvPr/>
+        </p:nvCxnSpPr>
+        <p:spPr>
+          <a:xfrm>
+            <a:off x="2112384" y="2051211"/>
+            <a:ext cx="0" cy="553093"/>
+          </a:xfrm>
+          <a:prstGeom prst="straightConnector1">
+            <a:avLst/>
+          </a:prstGeom>
+          <a:ln>
+            <a:solidFill>
+              <a:srgbClr val="FF0000"/>
+            </a:solidFill>
+            <a:tailEnd type="triangle"/>
+          </a:ln>
+        </p:spPr>
+        <p:style>
+          <a:lnRef idx="1">
+            <a:schemeClr val="accent1"/>
+          </a:lnRef>
+          <a:fillRef idx="0">
+            <a:schemeClr val="accent1"/>
+          </a:fillRef>
+          <a:effectRef idx="0">
+            <a:schemeClr val="accent1"/>
+          </a:effectRef>
+          <a:fontRef idx="minor">
+            <a:schemeClr val="tx1"/>
+          </a:fontRef>
+        </p:style>
+      </p:cxnSp>
+    </p:spTree>
+    <p:extLst>
+      <p:ext uri="{BB962C8B-B14F-4D97-AF65-F5344CB8AC3E}">
+        <p14:creationId xmlns:p14="http://schemas.microsoft.com/office/powerpoint/2010/main" val="944812919"/>
+      </p:ext>
+    </p:extLst>
+  </p:cSld>
+  <p:clrMapOvr>
+    <a:masterClrMapping/>
+  </p:clrMapOvr>
+  <p:transition advClick="0"/>
+</p:sld>
+</file>
+
+<file path=ppt/slides/slide9.xml><?xml version="1.0" encoding="utf-8"?>
+<p:sld xmlns:a="http://schemas.openxmlformats.org/drawingml/2006/main" xmlns:r="http://schemas.openxmlformats.org/officeDocument/2006/relationships" xmlns:p="http://schemas.openxmlformats.org/presentationml/2006/main">
+  <p:cSld>
+    <p:spTree>
+      <p:nvGrpSpPr>
+        <p:cNvPr id="1" name=""/>
+        <p:cNvGrpSpPr/>
+        <p:nvPr/>
+      </p:nvGrpSpPr>
+      <p:grpSpPr>
+        <a:xfrm>
+          <a:off x="0" y="0"/>
+          <a:ext cx="0" cy="0"/>
+          <a:chOff x="0" y="0"/>
+          <a:chExt cx="0" cy="0"/>
+        </a:xfrm>
+      </p:grpSpPr>
+      <p:sp>
+        <p:nvSpPr>
+          <p:cNvPr id="4" name="Rectangle 3"/>
+          <p:cNvSpPr>
+            <a:spLocks/>
+          </p:cNvSpPr>
+          <p:nvPr/>
+        </p:nvSpPr>
+        <p:spPr bwMode="auto">
+          <a:xfrm>
+            <a:off x="0" y="228078"/>
+            <a:ext cx="9143999" cy="461665"/>
+          </a:xfrm>
+          <a:prstGeom prst="rect">
+            <a:avLst/>
+          </a:prstGeom>
+          <a:noFill/>
+          <a:ln>
+            <a:noFill/>
+          </a:ln>
+          <a:extLst>
+            <a:ext uri="{909E8E84-426E-40dd-AFC4-6F175D3DCCD1}">
+              <a14:hiddenFill xmlns="" xmlns:a14="http://schemas.microsoft.com/office/drawing/2010/main">
+                <a:solidFill>
+                  <a:srgbClr val="FFFFFF"/>
+                </a:solidFill>
+              </a14:hiddenFill>
+            </a:ext>
+            <a:ext uri="{91240B29-F687-4f45-9708-019B960494DF}">
+              <a14:hiddenLine xmlns="" xmlns:a14="http://schemas.microsoft.com/office/drawing/2010/main" w="12700">
+                <a:solidFill>
+                  <a:schemeClr val="tx1"/>
+                </a:solidFill>
+                <a:miter lim="800000"/>
+                <a:headEnd/>
+                <a:tailEnd/>
+              </a14:hiddenLine>
+            </a:ext>
+          </a:extLst>
+        </p:spPr>
+        <p:txBody>
+          <a:bodyPr wrap="square" lIns="0" tIns="0" rIns="0" bIns="0" anchor="ctr">
+            <a:spAutoFit/>
+          </a:bodyPr>
+          <a:lstStyle/>
+          <a:p>
+            <a:pPr algn="ctr"/>
+            <a:r>
+              <a:rPr lang="en-US" sz="3000" b="1" spc="113" dirty="0">
+                <a:solidFill>
+                  <a:schemeClr val="tx2"/>
+                </a:solidFill>
+                <a:latin typeface="Roboto" charset="0"/>
+                <a:ea typeface="Roboto" charset="0"/>
+                <a:cs typeface="Roboto" charset="0"/>
+                <a:sym typeface="Bebas Neue" charset="0"/>
+              </a:rPr>
+              <a:t>SOLUTION – Solving a Custom Example</a:t>
+            </a:r>
+            <a:endParaRPr lang="en-US" sz="3000" b="1" spc="113" dirty="0">
+              <a:solidFill>
+                <a:schemeClr val="accent2"/>
+              </a:solidFill>
+              <a:latin typeface="Roboto" charset="0"/>
+              <a:ea typeface="Roboto" charset="0"/>
+              <a:cs typeface="Roboto" charset="0"/>
+              <a:sym typeface="Bebas Neue" charset="0"/>
+            </a:endParaRPr>
+          </a:p>
+        </p:txBody>
+      </p:sp>
+      <p:sp>
+        <p:nvSpPr>
+          <p:cNvPr id="5" name="TextBox 4"/>
+          <p:cNvSpPr txBox="1"/>
+          <p:nvPr/>
+        </p:nvSpPr>
+        <p:spPr>
+          <a:xfrm>
+            <a:off x="428263" y="1574157"/>
+            <a:ext cx="8264324" cy="2015936"/>
+          </a:xfrm>
+          <a:prstGeom prst="rect">
+            <a:avLst/>
+          </a:prstGeom>
+          <a:noFill/>
+        </p:spPr>
+        <p:txBody>
+          <a:bodyPr wrap="square" rtlCol="0">
+            <a:spAutoFit/>
+          </a:bodyPr>
+          <a:lstStyle/>
+          <a:p>
+            <a:r>
+              <a:rPr lang="en-US" sz="2500" dirty="0">
+                <a:solidFill>
+                  <a:srgbClr val="000000"/>
+                </a:solidFill>
+              </a:rPr>
+              <a:t>lines = [  1,  2,  3,  4,  5  ]  			max_intersections = 2</a:t>
+            </a:r>
+            <a:br>
+              <a:rPr lang="en-US" sz="2500" dirty="0">
+                <a:solidFill>
+                  <a:srgbClr val="000000"/>
+                </a:solidFill>
+              </a:rPr>
+            </a:br>
+            <a:r>
+              <a:rPr lang="en-US" sz="2500" dirty="0">
+                <a:solidFill>
+                  <a:srgbClr val="000000"/>
+                </a:solidFill>
+              </a:rPr>
+              <a:t>							max_line = Line 2 object</a:t>
+            </a:r>
+          </a:p>
+          <a:p>
+            <a:endParaRPr lang="en-US" sz="2500" dirty="0">
+              <a:solidFill>
+                <a:srgbClr val="000000"/>
+              </a:solidFill>
+            </a:endParaRPr>
+          </a:p>
+          <a:p>
+            <a:r>
+              <a:rPr lang="en-US" sz="2500" dirty="0">
+                <a:solidFill>
+                  <a:srgbClr val="000000"/>
+                </a:solidFill>
+              </a:rPr>
+              <a:t> 	3 has 2 intersections			max_intersections = </a:t>
+            </a:r>
+            <a:r>
+              <a:rPr lang="en-US" sz="2500" dirty="0">
+                <a:solidFill>
+                  <a:srgbClr val="FF0000"/>
+                </a:solidFill>
+              </a:rPr>
+              <a:t>2</a:t>
+            </a:r>
+            <a:br>
+              <a:rPr lang="en-US" sz="2500" dirty="0">
+                <a:solidFill>
+                  <a:srgbClr val="000000"/>
+                </a:solidFill>
+              </a:rPr>
+            </a:br>
+            <a:r>
+              <a:rPr lang="en-US" sz="2500" dirty="0">
+                <a:solidFill>
+                  <a:srgbClr val="000000"/>
+                </a:solidFill>
+              </a:rPr>
+              <a:t>							max_line = </a:t>
+            </a:r>
+            <a:r>
+              <a:rPr lang="en-US" sz="2500" dirty="0">
+                <a:solidFill>
+                  <a:srgbClr val="FF0000"/>
+                </a:solidFill>
+              </a:rPr>
+              <a:t>Line 3 object</a:t>
+            </a:r>
+          </a:p>
+        </p:txBody>
+      </p:sp>
+      <p:sp>
+        <p:nvSpPr>
+          <p:cNvPr id="2" name="Oval 1"/>
+          <p:cNvSpPr/>
+          <p:nvPr/>
+        </p:nvSpPr>
+        <p:spPr>
+          <a:xfrm>
+            <a:off x="2291789" y="1646097"/>
+            <a:ext cx="405114" cy="405114"/>
+          </a:xfrm>
+          <a:prstGeom prst="ellipse">
+            <a:avLst/>
+          </a:prstGeom>
+          <a:noFill/>
+          <a:ln>
+            <a:solidFill>
+              <a:srgbClr val="FF0000"/>
+            </a:solidFill>
+          </a:ln>
+        </p:spPr>
+        <p:style>
+          <a:lnRef idx="2">
+            <a:schemeClr val="accent1">
+              <a:shade val="50000"/>
+            </a:schemeClr>
+          </a:lnRef>
+          <a:fillRef idx="1">
+            <a:schemeClr val="accent1"/>
+          </a:fillRef>
+          <a:effectRef idx="0">
+            <a:schemeClr val="accent1"/>
+          </a:effectRef>
+          <a:fontRef idx="minor">
+            <a:schemeClr val="lt1"/>
+          </a:fontRef>
+        </p:style>
+        <p:txBody>
+          <a:bodyPr rtlCol="0" anchor="ctr"/>
+          <a:lstStyle/>
+          <a:p>
+            <a:pPr algn="ctr"/>
+            <a:endParaRPr lang="en-US"/>
+          </a:p>
+        </p:txBody>
+      </p:sp>
+      <p:cxnSp>
+        <p:nvCxnSpPr>
+          <p:cNvPr id="6" name="Straight Arrow Connector 5"/>
+          <p:cNvCxnSpPr>
+            <a:stCxn id="2" idx="4"/>
+          </p:cNvCxnSpPr>
+          <p:nvPr/>
+        </p:nvCxnSpPr>
+        <p:spPr>
+          <a:xfrm>
+            <a:off x="2494346" y="2051211"/>
+            <a:ext cx="0" cy="553093"/>
+          </a:xfrm>
+          <a:prstGeom prst="straightConnector1">
+            <a:avLst/>
+          </a:prstGeom>
+          <a:ln>
+            <a:solidFill>
+              <a:srgbClr val="FF0000"/>
+            </a:solidFill>
+            <a:tailEnd type="triangle"/>
+          </a:ln>
+        </p:spPr>
+        <p:style>
+          <a:lnRef idx="1">
+            <a:schemeClr val="accent1"/>
+          </a:lnRef>
+          <a:fillRef idx="0">
+            <a:schemeClr val="accent1"/>
+          </a:fillRef>
+          <a:effectRef idx="0">
+            <a:schemeClr val="accent1"/>
+          </a:effectRef>
+          <a:fontRef idx="minor">
+            <a:schemeClr val="tx1"/>
+          </a:fontRef>
+        </p:style>
+      </p:cxnSp>
+    </p:spTree>
+    <p:extLst>
+      <p:ext uri="{BB962C8B-B14F-4D97-AF65-F5344CB8AC3E}">
+        <p14:creationId xmlns:p14="http://schemas.microsoft.com/office/powerpoint/2010/main" val="1763020196"/>
+      </p:ext>
+    </p:extLst>
+  </p:cSld>
+  <p:clrMapOvr>
+    <a:masterClrMapping/>
+  </p:clrMapOvr>
+  <p:transition advClick="0"/>
 </p:sld>
 </file>
 
